--- a/Présentation_demo_projet.pptx
+++ b/Présentation_demo_projet.pptx
@@ -9,9 +9,10 @@
     <p:sldId id="261" r:id="rId3"/>
     <p:sldId id="256" r:id="rId4"/>
     <p:sldId id="257" r:id="rId5"/>
-    <p:sldId id="260" r:id="rId6"/>
-    <p:sldId id="258" r:id="rId7"/>
-    <p:sldId id="259" r:id="rId8"/>
+    <p:sldId id="258" r:id="rId6"/>
+    <p:sldId id="262" r:id="rId7"/>
+    <p:sldId id="263" r:id="rId8"/>
+    <p:sldId id="259" r:id="rId9"/>
   </p:sldIdLst>
   <p:sldSz cx="12192000" cy="6858000"/>
   <p:notesSz cx="6858000" cy="9144000"/>
@@ -360,7 +361,7 @@
           <a:noFill/>
           <a:extLst>
             <a:ext uri="{909E8E84-426E-40dd-AFC4-6F175D3DCCD1}">
-              <a14:hiddenFill xmlns="" xmlns:a14="http://schemas.microsoft.com/office/drawing/2010/main">
+              <a14:hiddenFill xmlns:a14="http://schemas.microsoft.com/office/drawing/2010/main" xmlns="">
                 <a:solidFill>
                   <a:srgbClr val="FFFFFF"/>
                 </a:solidFill>
@@ -420,7 +421,7 @@
             </a:ln>
             <a:extLst>
               <a:ext uri="{91240B29-F687-4f45-9708-019B960494DF}">
-                <a14:hiddenLine xmlns="" xmlns:a14="http://schemas.microsoft.com/office/drawing/2010/main" w="9525">
+                <a14:hiddenLine xmlns:a14="http://schemas.microsoft.com/office/drawing/2010/main" xmlns="" w="9525">
                   <a:solidFill>
                     <a:srgbClr val="000000"/>
                   </a:solidFill>
@@ -510,7 +511,7 @@
             </a:ln>
             <a:extLst>
               <a:ext uri="{91240B29-F687-4f45-9708-019B960494DF}">
-                <a14:hiddenLine xmlns="" xmlns:a14="http://schemas.microsoft.com/office/drawing/2010/main" w="9525">
+                <a14:hiddenLine xmlns:a14="http://schemas.microsoft.com/office/drawing/2010/main" xmlns="" w="9525">
                   <a:solidFill>
                     <a:srgbClr val="000000"/>
                   </a:solidFill>
@@ -600,7 +601,7 @@
             </a:ln>
             <a:extLst>
               <a:ext uri="{91240B29-F687-4f45-9708-019B960494DF}">
-                <a14:hiddenLine xmlns="" xmlns:a14="http://schemas.microsoft.com/office/drawing/2010/main" w="9525">
+                <a14:hiddenLine xmlns:a14="http://schemas.microsoft.com/office/drawing/2010/main" xmlns="" w="9525">
                   <a:solidFill>
                     <a:srgbClr val="000000"/>
                   </a:solidFill>
@@ -634,7 +635,7 @@
             </a:ln>
             <a:extLst>
               <a:ext uri="{91240B29-F687-4f45-9708-019B960494DF}">
-                <a14:hiddenLine xmlns="" xmlns:a14="http://schemas.microsoft.com/office/drawing/2010/main" w="9525">
+                <a14:hiddenLine xmlns:a14="http://schemas.microsoft.com/office/drawing/2010/main" xmlns="" w="9525">
                   <a:solidFill>
                     <a:srgbClr val="000000"/>
                   </a:solidFill>
@@ -724,7 +725,7 @@
             </a:ln>
             <a:extLst>
               <a:ext uri="{91240B29-F687-4f45-9708-019B960494DF}">
-                <a14:hiddenLine xmlns="" xmlns:a14="http://schemas.microsoft.com/office/drawing/2010/main" w="9525">
+                <a14:hiddenLine xmlns:a14="http://schemas.microsoft.com/office/drawing/2010/main" xmlns="" w="9525">
                   <a:solidFill>
                     <a:srgbClr val="000000"/>
                   </a:solidFill>
@@ -786,7 +787,7 @@
             </a:ln>
             <a:extLst>
               <a:ext uri="{91240B29-F687-4f45-9708-019B960494DF}">
-                <a14:hiddenLine xmlns="" xmlns:a14="http://schemas.microsoft.com/office/drawing/2010/main" w="9525">
+                <a14:hiddenLine xmlns:a14="http://schemas.microsoft.com/office/drawing/2010/main" xmlns="" w="9525">
                   <a:solidFill>
                     <a:srgbClr val="000000"/>
                   </a:solidFill>
@@ -848,7 +849,7 @@
             </a:ln>
             <a:extLst>
               <a:ext uri="{91240B29-F687-4f45-9708-019B960494DF}">
-                <a14:hiddenLine xmlns="" xmlns:a14="http://schemas.microsoft.com/office/drawing/2010/main" w="9525">
+                <a14:hiddenLine xmlns:a14="http://schemas.microsoft.com/office/drawing/2010/main" xmlns="" w="9525">
                   <a:solidFill>
                     <a:srgbClr val="000000"/>
                   </a:solidFill>
@@ -938,7 +939,7 @@
             </a:ln>
             <a:extLst>
               <a:ext uri="{91240B29-F687-4f45-9708-019B960494DF}">
-                <a14:hiddenLine xmlns="" xmlns:a14="http://schemas.microsoft.com/office/drawing/2010/main" w="9525">
+                <a14:hiddenLine xmlns:a14="http://schemas.microsoft.com/office/drawing/2010/main" xmlns="" w="9525">
                   <a:solidFill>
                     <a:srgbClr val="000000"/>
                   </a:solidFill>
@@ -1000,7 +1001,7 @@
             </a:ln>
             <a:extLst>
               <a:ext uri="{91240B29-F687-4f45-9708-019B960494DF}">
-                <a14:hiddenLine xmlns="" xmlns:a14="http://schemas.microsoft.com/office/drawing/2010/main" w="9525">
+                <a14:hiddenLine xmlns:a14="http://schemas.microsoft.com/office/drawing/2010/main" xmlns="" w="9525">
                   <a:solidFill>
                     <a:srgbClr val="000000"/>
                   </a:solidFill>
@@ -1062,7 +1063,7 @@
             </a:ln>
             <a:extLst>
               <a:ext uri="{91240B29-F687-4f45-9708-019B960494DF}">
-                <a14:hiddenLine xmlns="" xmlns:a14="http://schemas.microsoft.com/office/drawing/2010/main" w="9525">
+                <a14:hiddenLine xmlns:a14="http://schemas.microsoft.com/office/drawing/2010/main" xmlns="" w="9525">
                   <a:solidFill>
                     <a:srgbClr val="000000"/>
                   </a:solidFill>
@@ -1152,7 +1153,7 @@
             </a:ln>
             <a:extLst>
               <a:ext uri="{91240B29-F687-4f45-9708-019B960494DF}">
-                <a14:hiddenLine xmlns="" xmlns:a14="http://schemas.microsoft.com/office/drawing/2010/main" w="9525">
+                <a14:hiddenLine xmlns:a14="http://schemas.microsoft.com/office/drawing/2010/main" xmlns="" w="9525">
                   <a:solidFill>
                     <a:srgbClr val="000000"/>
                   </a:solidFill>
@@ -1242,7 +1243,7 @@
             </a:ln>
             <a:extLst>
               <a:ext uri="{91240B29-F687-4f45-9708-019B960494DF}">
-                <a14:hiddenLine xmlns="" xmlns:a14="http://schemas.microsoft.com/office/drawing/2010/main" w="9525">
+                <a14:hiddenLine xmlns:a14="http://schemas.microsoft.com/office/drawing/2010/main" xmlns="" w="9525">
                   <a:solidFill>
                     <a:srgbClr val="000000"/>
                   </a:solidFill>
@@ -1304,7 +1305,7 @@
             </a:ln>
             <a:extLst>
               <a:ext uri="{91240B29-F687-4f45-9708-019B960494DF}">
-                <a14:hiddenLine xmlns="" xmlns:a14="http://schemas.microsoft.com/office/drawing/2010/main" w="9525">
+                <a14:hiddenLine xmlns:a14="http://schemas.microsoft.com/office/drawing/2010/main" xmlns="" w="9525">
                   <a:solidFill>
                     <a:srgbClr val="000000"/>
                   </a:solidFill>
@@ -1414,7 +1415,7 @@
             </a:ln>
             <a:extLst>
               <a:ext uri="{91240B29-F687-4f45-9708-019B960494DF}">
-                <a14:hiddenLine xmlns="" xmlns:a14="http://schemas.microsoft.com/office/drawing/2010/main" w="9525">
+                <a14:hiddenLine xmlns:a14="http://schemas.microsoft.com/office/drawing/2010/main" xmlns="" w="9525">
                   <a:solidFill>
                     <a:srgbClr val="000000"/>
                   </a:solidFill>
@@ -1476,7 +1477,7 @@
             </a:ln>
             <a:extLst>
               <a:ext uri="{91240B29-F687-4f45-9708-019B960494DF}">
-                <a14:hiddenLine xmlns="" xmlns:a14="http://schemas.microsoft.com/office/drawing/2010/main" w="9525">
+                <a14:hiddenLine xmlns:a14="http://schemas.microsoft.com/office/drawing/2010/main" xmlns="" w="9525">
                   <a:solidFill>
                     <a:srgbClr val="000000"/>
                   </a:solidFill>
@@ -1566,7 +1567,7 @@
             </a:ln>
             <a:extLst>
               <a:ext uri="{91240B29-F687-4f45-9708-019B960494DF}">
-                <a14:hiddenLine xmlns="" xmlns:a14="http://schemas.microsoft.com/office/drawing/2010/main" w="9525">
+                <a14:hiddenLine xmlns:a14="http://schemas.microsoft.com/office/drawing/2010/main" xmlns="" w="9525">
                   <a:solidFill>
                     <a:srgbClr val="000000"/>
                   </a:solidFill>
@@ -1656,7 +1657,7 @@
             </a:ln>
             <a:extLst>
               <a:ext uri="{91240B29-F687-4f45-9708-019B960494DF}">
-                <a14:hiddenLine xmlns="" xmlns:a14="http://schemas.microsoft.com/office/drawing/2010/main" w="9525">
+                <a14:hiddenLine xmlns:a14="http://schemas.microsoft.com/office/drawing/2010/main" xmlns="" w="9525">
                   <a:solidFill>
                     <a:srgbClr val="000000"/>
                   </a:solidFill>
@@ -1718,7 +1719,7 @@
             </a:ln>
             <a:extLst>
               <a:ext uri="{91240B29-F687-4f45-9708-019B960494DF}">
-                <a14:hiddenLine xmlns="" xmlns:a14="http://schemas.microsoft.com/office/drawing/2010/main" w="9525">
+                <a14:hiddenLine xmlns:a14="http://schemas.microsoft.com/office/drawing/2010/main" xmlns="" w="9525">
                   <a:solidFill>
                     <a:srgbClr val="000000"/>
                   </a:solidFill>
@@ -1808,7 +1809,7 @@
             </a:ln>
             <a:extLst>
               <a:ext uri="{91240B29-F687-4f45-9708-019B960494DF}">
-                <a14:hiddenLine xmlns="" xmlns:a14="http://schemas.microsoft.com/office/drawing/2010/main" w="9525">
+                <a14:hiddenLine xmlns:a14="http://schemas.microsoft.com/office/drawing/2010/main" xmlns="" w="9525">
                   <a:solidFill>
                     <a:srgbClr val="000000"/>
                   </a:solidFill>
@@ -1898,7 +1899,7 @@
             </a:ln>
             <a:extLst>
               <a:ext uri="{91240B29-F687-4f45-9708-019B960494DF}">
-                <a14:hiddenLine xmlns="" xmlns:a14="http://schemas.microsoft.com/office/drawing/2010/main" w="9525">
+                <a14:hiddenLine xmlns:a14="http://schemas.microsoft.com/office/drawing/2010/main" xmlns="" w="9525">
                   <a:solidFill>
                     <a:srgbClr val="000000"/>
                   </a:solidFill>
@@ -1954,7 +1955,7 @@
             </a:ln>
             <a:extLst>
               <a:ext uri="{91240B29-F687-4f45-9708-019B960494DF}">
-                <a14:hiddenLine xmlns="" xmlns:a14="http://schemas.microsoft.com/office/drawing/2010/main" w="9525">
+                <a14:hiddenLine xmlns:a14="http://schemas.microsoft.com/office/drawing/2010/main" xmlns="" w="9525">
                   <a:solidFill>
                     <a:srgbClr val="000000"/>
                   </a:solidFill>
@@ -2044,7 +2045,7 @@
             </a:ln>
             <a:extLst>
               <a:ext uri="{91240B29-F687-4f45-9708-019B960494DF}">
-                <a14:hiddenLine xmlns="" xmlns:a14="http://schemas.microsoft.com/office/drawing/2010/main" w="9525">
+                <a14:hiddenLine xmlns:a14="http://schemas.microsoft.com/office/drawing/2010/main" xmlns="" w="9525">
                   <a:solidFill>
                     <a:srgbClr val="000000"/>
                   </a:solidFill>
@@ -2100,7 +2101,7 @@
             </a:ln>
             <a:extLst>
               <a:ext uri="{91240B29-F687-4f45-9708-019B960494DF}">
-                <a14:hiddenLine xmlns="" xmlns:a14="http://schemas.microsoft.com/office/drawing/2010/main" w="9525">
+                <a14:hiddenLine xmlns:a14="http://schemas.microsoft.com/office/drawing/2010/main" xmlns="" w="9525">
                   <a:solidFill>
                     <a:srgbClr val="000000"/>
                   </a:solidFill>
@@ -2190,7 +2191,7 @@
             </a:ln>
             <a:extLst>
               <a:ext uri="{91240B29-F687-4f45-9708-019B960494DF}">
-                <a14:hiddenLine xmlns="" xmlns:a14="http://schemas.microsoft.com/office/drawing/2010/main" w="9525">
+                <a14:hiddenLine xmlns:a14="http://schemas.microsoft.com/office/drawing/2010/main" xmlns="" w="9525">
                   <a:solidFill>
                     <a:srgbClr val="000000"/>
                   </a:solidFill>
@@ -2258,7 +2259,7 @@
             </a:ln>
             <a:extLst>
               <a:ext uri="{91240B29-F687-4f45-9708-019B960494DF}">
-                <a14:hiddenLine xmlns="" xmlns:a14="http://schemas.microsoft.com/office/drawing/2010/main" w="9525">
+                <a14:hiddenLine xmlns:a14="http://schemas.microsoft.com/office/drawing/2010/main" xmlns="" w="9525">
                   <a:solidFill>
                     <a:srgbClr val="000000"/>
                   </a:solidFill>
@@ -2348,7 +2349,7 @@
             </a:ln>
             <a:extLst>
               <a:ext uri="{91240B29-F687-4f45-9708-019B960494DF}">
-                <a14:hiddenLine xmlns="" xmlns:a14="http://schemas.microsoft.com/office/drawing/2010/main" w="9525">
+                <a14:hiddenLine xmlns:a14="http://schemas.microsoft.com/office/drawing/2010/main" xmlns="" w="9525">
                   <a:solidFill>
                     <a:srgbClr val="000000"/>
                   </a:solidFill>
@@ -2416,7 +2417,7 @@
             </a:ln>
             <a:extLst>
               <a:ext uri="{91240B29-F687-4f45-9708-019B960494DF}">
-                <a14:hiddenLine xmlns="" xmlns:a14="http://schemas.microsoft.com/office/drawing/2010/main" w="9525">
+                <a14:hiddenLine xmlns:a14="http://schemas.microsoft.com/office/drawing/2010/main" xmlns="" w="9525">
                   <a:solidFill>
                     <a:srgbClr val="000000"/>
                   </a:solidFill>
@@ -2506,7 +2507,7 @@
             </a:ln>
             <a:extLst>
               <a:ext uri="{91240B29-F687-4f45-9708-019B960494DF}">
-                <a14:hiddenLine xmlns="" xmlns:a14="http://schemas.microsoft.com/office/drawing/2010/main" w="9525">
+                <a14:hiddenLine xmlns:a14="http://schemas.microsoft.com/office/drawing/2010/main" xmlns="" w="9525">
                   <a:solidFill>
                     <a:srgbClr val="000000"/>
                   </a:solidFill>
@@ -2540,7 +2541,7 @@
             </a:ln>
             <a:extLst>
               <a:ext uri="{91240B29-F687-4f45-9708-019B960494DF}">
-                <a14:hiddenLine xmlns="" xmlns:a14="http://schemas.microsoft.com/office/drawing/2010/main" w="9525">
+                <a14:hiddenLine xmlns:a14="http://schemas.microsoft.com/office/drawing/2010/main" xmlns="" w="9525">
                   <a:solidFill>
                     <a:srgbClr val="000000"/>
                   </a:solidFill>
@@ -2630,7 +2631,7 @@
             </a:ln>
             <a:extLst>
               <a:ext uri="{91240B29-F687-4f45-9708-019B960494DF}">
-                <a14:hiddenLine xmlns="" xmlns:a14="http://schemas.microsoft.com/office/drawing/2010/main" w="9525">
+                <a14:hiddenLine xmlns:a14="http://schemas.microsoft.com/office/drawing/2010/main" xmlns="" w="9525">
                   <a:solidFill>
                     <a:srgbClr val="000000"/>
                   </a:solidFill>
@@ -2692,7 +2693,7 @@
             </a:ln>
             <a:extLst>
               <a:ext uri="{91240B29-F687-4f45-9708-019B960494DF}">
-                <a14:hiddenLine xmlns="" xmlns:a14="http://schemas.microsoft.com/office/drawing/2010/main" w="9525">
+                <a14:hiddenLine xmlns:a14="http://schemas.microsoft.com/office/drawing/2010/main" xmlns="" w="9525">
                   <a:solidFill>
                     <a:srgbClr val="000000"/>
                   </a:solidFill>
@@ -2754,7 +2755,7 @@
             </a:ln>
             <a:extLst>
               <a:ext uri="{91240B29-F687-4f45-9708-019B960494DF}">
-                <a14:hiddenLine xmlns="" xmlns:a14="http://schemas.microsoft.com/office/drawing/2010/main" w="9525">
+                <a14:hiddenLine xmlns:a14="http://schemas.microsoft.com/office/drawing/2010/main" xmlns="" w="9525">
                   <a:solidFill>
                     <a:srgbClr val="000000"/>
                   </a:solidFill>
@@ -2844,7 +2845,7 @@
             </a:ln>
             <a:extLst>
               <a:ext uri="{91240B29-F687-4f45-9708-019B960494DF}">
-                <a14:hiddenLine xmlns="" xmlns:a14="http://schemas.microsoft.com/office/drawing/2010/main" w="9525">
+                <a14:hiddenLine xmlns:a14="http://schemas.microsoft.com/office/drawing/2010/main" xmlns="" w="9525">
                   <a:solidFill>
                     <a:srgbClr val="000000"/>
                   </a:solidFill>
@@ -2912,7 +2913,7 @@
             </a:ln>
             <a:extLst>
               <a:ext uri="{91240B29-F687-4f45-9708-019B960494DF}">
-                <a14:hiddenLine xmlns="" xmlns:a14="http://schemas.microsoft.com/office/drawing/2010/main" w="9525">
+                <a14:hiddenLine xmlns:a14="http://schemas.microsoft.com/office/drawing/2010/main" xmlns="" w="9525">
                   <a:solidFill>
                     <a:srgbClr val="000000"/>
                   </a:solidFill>
@@ -2974,7 +2975,7 @@
             </a:ln>
             <a:extLst>
               <a:ext uri="{91240B29-F687-4f45-9708-019B960494DF}">
-                <a14:hiddenLine xmlns="" xmlns:a14="http://schemas.microsoft.com/office/drawing/2010/main" w="9525">
+                <a14:hiddenLine xmlns:a14="http://schemas.microsoft.com/office/drawing/2010/main" xmlns="" w="9525">
                   <a:solidFill>
                     <a:srgbClr val="000000"/>
                   </a:solidFill>
@@ -3064,7 +3065,7 @@
             </a:ln>
             <a:extLst>
               <a:ext uri="{91240B29-F687-4f45-9708-019B960494DF}">
-                <a14:hiddenLine xmlns="" xmlns:a14="http://schemas.microsoft.com/office/drawing/2010/main" w="9525">
+                <a14:hiddenLine xmlns:a14="http://schemas.microsoft.com/office/drawing/2010/main" xmlns="" w="9525">
                   <a:solidFill>
                     <a:srgbClr val="000000"/>
                   </a:solidFill>
@@ -3126,7 +3127,7 @@
             </a:ln>
             <a:extLst>
               <a:ext uri="{91240B29-F687-4f45-9708-019B960494DF}">
-                <a14:hiddenLine xmlns="" xmlns:a14="http://schemas.microsoft.com/office/drawing/2010/main" w="9525">
+                <a14:hiddenLine xmlns:a14="http://schemas.microsoft.com/office/drawing/2010/main" xmlns="" w="9525">
                   <a:solidFill>
                     <a:srgbClr val="000000"/>
                   </a:solidFill>
@@ -3216,7 +3217,7 @@
             </a:ln>
             <a:extLst>
               <a:ext uri="{91240B29-F687-4f45-9708-019B960494DF}">
-                <a14:hiddenLine xmlns="" xmlns:a14="http://schemas.microsoft.com/office/drawing/2010/main" w="9525">
+                <a14:hiddenLine xmlns:a14="http://schemas.microsoft.com/office/drawing/2010/main" xmlns="" w="9525">
                   <a:solidFill>
                     <a:srgbClr val="000000"/>
                   </a:solidFill>
@@ -3278,7 +3279,7 @@
             </a:ln>
             <a:extLst>
               <a:ext uri="{91240B29-F687-4f45-9708-019B960494DF}">
-                <a14:hiddenLine xmlns="" xmlns:a14="http://schemas.microsoft.com/office/drawing/2010/main" w="9525">
+                <a14:hiddenLine xmlns:a14="http://schemas.microsoft.com/office/drawing/2010/main" xmlns="" w="9525">
                   <a:solidFill>
                     <a:srgbClr val="000000"/>
                   </a:solidFill>
@@ -3368,7 +3369,7 @@
             </a:ln>
             <a:extLst>
               <a:ext uri="{91240B29-F687-4f45-9708-019B960494DF}">
-                <a14:hiddenLine xmlns="" xmlns:a14="http://schemas.microsoft.com/office/drawing/2010/main" w="9525">
+                <a14:hiddenLine xmlns:a14="http://schemas.microsoft.com/office/drawing/2010/main" xmlns="" w="9525">
                   <a:solidFill>
                     <a:srgbClr val="000000"/>
                   </a:solidFill>
@@ -3402,7 +3403,7 @@
             </a:ln>
             <a:extLst>
               <a:ext uri="{91240B29-F687-4f45-9708-019B960494DF}">
-                <a14:hiddenLine xmlns="" xmlns:a14="http://schemas.microsoft.com/office/drawing/2010/main" w="9525">
+                <a14:hiddenLine xmlns:a14="http://schemas.microsoft.com/office/drawing/2010/main" xmlns="" w="9525">
                   <a:solidFill>
                     <a:srgbClr val="000000"/>
                   </a:solidFill>
@@ -3467,7 +3468,7 @@
             </a:ln>
             <a:extLst>
               <a:ext uri="{91240B29-F687-4f45-9708-019B960494DF}">
-                <a14:hiddenLine xmlns="" xmlns:a14="http://schemas.microsoft.com/office/drawing/2010/main" w="9525">
+                <a14:hiddenLine xmlns:a14="http://schemas.microsoft.com/office/drawing/2010/main" xmlns="" w="9525">
                   <a:solidFill>
                     <a:srgbClr val="000000"/>
                   </a:solidFill>
@@ -3557,7 +3558,7 @@
             </a:ln>
             <a:extLst>
               <a:ext uri="{91240B29-F687-4f45-9708-019B960494DF}">
-                <a14:hiddenLine xmlns="" xmlns:a14="http://schemas.microsoft.com/office/drawing/2010/main" w="9525">
+                <a14:hiddenLine xmlns:a14="http://schemas.microsoft.com/office/drawing/2010/main" xmlns="" w="9525">
                   <a:solidFill>
                     <a:srgbClr val="000000"/>
                   </a:solidFill>
@@ -3619,7 +3620,7 @@
             </a:ln>
             <a:extLst>
               <a:ext uri="{91240B29-F687-4f45-9708-019B960494DF}">
-                <a14:hiddenLine xmlns="" xmlns:a14="http://schemas.microsoft.com/office/drawing/2010/main" w="9525">
+                <a14:hiddenLine xmlns:a14="http://schemas.microsoft.com/office/drawing/2010/main" xmlns="" w="9525">
                   <a:solidFill>
                     <a:srgbClr val="000000"/>
                   </a:solidFill>
@@ -3709,7 +3710,7 @@
             </a:ln>
             <a:extLst>
               <a:ext uri="{91240B29-F687-4f45-9708-019B960494DF}">
-                <a14:hiddenLine xmlns="" xmlns:a14="http://schemas.microsoft.com/office/drawing/2010/main" w="9525">
+                <a14:hiddenLine xmlns:a14="http://schemas.microsoft.com/office/drawing/2010/main" xmlns="" w="9525">
                   <a:solidFill>
                     <a:srgbClr val="000000"/>
                   </a:solidFill>
@@ -3799,7 +3800,7 @@
             </a:ln>
             <a:extLst>
               <a:ext uri="{91240B29-F687-4f45-9708-019B960494DF}">
-                <a14:hiddenLine xmlns="" xmlns:a14="http://schemas.microsoft.com/office/drawing/2010/main" w="9525">
+                <a14:hiddenLine xmlns:a14="http://schemas.microsoft.com/office/drawing/2010/main" xmlns="" w="9525">
                   <a:solidFill>
                     <a:srgbClr val="000000"/>
                   </a:solidFill>
@@ -3864,7 +3865,7 @@
             </a:ln>
             <a:extLst>
               <a:ext uri="{91240B29-F687-4f45-9708-019B960494DF}">
-                <a14:hiddenLine xmlns="" xmlns:a14="http://schemas.microsoft.com/office/drawing/2010/main" w="9525">
+                <a14:hiddenLine xmlns:a14="http://schemas.microsoft.com/office/drawing/2010/main" xmlns="" w="9525">
                   <a:solidFill>
                     <a:srgbClr val="000000"/>
                   </a:solidFill>
@@ -3926,7 +3927,7 @@
             </a:ln>
             <a:extLst>
               <a:ext uri="{91240B29-F687-4f45-9708-019B960494DF}">
-                <a14:hiddenLine xmlns="" xmlns:a14="http://schemas.microsoft.com/office/drawing/2010/main" w="9525">
+                <a14:hiddenLine xmlns:a14="http://schemas.microsoft.com/office/drawing/2010/main" xmlns="" w="9525">
                   <a:solidFill>
                     <a:srgbClr val="000000"/>
                   </a:solidFill>
@@ -4016,7 +4017,7 @@
             </a:ln>
             <a:extLst>
               <a:ext uri="{91240B29-F687-4f45-9708-019B960494DF}">
-                <a14:hiddenLine xmlns="" xmlns:a14="http://schemas.microsoft.com/office/drawing/2010/main" w="9525">
+                <a14:hiddenLine xmlns:a14="http://schemas.microsoft.com/office/drawing/2010/main" xmlns="" w="9525">
                   <a:solidFill>
                     <a:srgbClr val="000000"/>
                   </a:solidFill>
@@ -4106,7 +4107,7 @@
             </a:ln>
             <a:extLst>
               <a:ext uri="{91240B29-F687-4f45-9708-019B960494DF}">
-                <a14:hiddenLine xmlns="" xmlns:a14="http://schemas.microsoft.com/office/drawing/2010/main" w="9525">
+                <a14:hiddenLine xmlns:a14="http://schemas.microsoft.com/office/drawing/2010/main" xmlns="" w="9525">
                   <a:solidFill>
                     <a:srgbClr val="000000"/>
                   </a:solidFill>
@@ -4168,7 +4169,7 @@
             </a:ln>
             <a:extLst>
               <a:ext uri="{91240B29-F687-4f45-9708-019B960494DF}">
-                <a14:hiddenLine xmlns="" xmlns:a14="http://schemas.microsoft.com/office/drawing/2010/main" w="9525">
+                <a14:hiddenLine xmlns:a14="http://schemas.microsoft.com/office/drawing/2010/main" xmlns="" w="9525">
                   <a:solidFill>
                     <a:srgbClr val="000000"/>
                   </a:solidFill>
@@ -4288,7 +4289,7 @@
             </a:ln>
             <a:extLst>
               <a:ext uri="{91240B29-F687-4f45-9708-019B960494DF}">
-                <a14:hiddenLine xmlns="" xmlns:a14="http://schemas.microsoft.com/office/drawing/2010/main" w="9525">
+                <a14:hiddenLine xmlns:a14="http://schemas.microsoft.com/office/drawing/2010/main" xmlns="" w="9525">
                   <a:solidFill>
                     <a:srgbClr val="000000"/>
                   </a:solidFill>
@@ -4356,7 +4357,7 @@
             </a:ln>
             <a:extLst>
               <a:ext uri="{91240B29-F687-4f45-9708-019B960494DF}">
-                <a14:hiddenLine xmlns="" xmlns:a14="http://schemas.microsoft.com/office/drawing/2010/main" w="9525">
+                <a14:hiddenLine xmlns:a14="http://schemas.microsoft.com/office/drawing/2010/main" xmlns="" w="9525">
                   <a:solidFill>
                     <a:srgbClr val="000000"/>
                   </a:solidFill>
@@ -4446,7 +4447,7 @@
             </a:ln>
             <a:extLst>
               <a:ext uri="{91240B29-F687-4f45-9708-019B960494DF}">
-                <a14:hiddenLine xmlns="" xmlns:a14="http://schemas.microsoft.com/office/drawing/2010/main" w="9525">
+                <a14:hiddenLine xmlns:a14="http://schemas.microsoft.com/office/drawing/2010/main" xmlns="" w="9525">
                   <a:solidFill>
                     <a:srgbClr val="000000"/>
                   </a:solidFill>
@@ -4586,7 +4587,7 @@
           <a:p>
             <a:fld id="{70833B56-5C72-4F68-9C91-0FA71D3B185B}" type="datetimeFigureOut">
               <a:rPr lang="fr-FR" smtClean="0"/>
-              <a:t>01/02/2018</a:t>
+              <a:t>05/02/2018</a:t>
             </a:fld>
             <a:endParaRPr lang="fr-FR" dirty="0"/>
           </a:p>
@@ -4853,7 +4854,7 @@
           <a:p>
             <a:fld id="{70833B56-5C72-4F68-9C91-0FA71D3B185B}" type="datetimeFigureOut">
               <a:rPr lang="fr-FR" smtClean="0"/>
-              <a:t>01/02/2018</a:t>
+              <a:t>05/02/2018</a:t>
             </a:fld>
             <a:endParaRPr lang="fr-FR" dirty="0"/>
           </a:p>
@@ -5049,7 +5050,7 @@
           <a:p>
             <a:fld id="{70833B56-5C72-4F68-9C91-0FA71D3B185B}" type="datetimeFigureOut">
               <a:rPr lang="fr-FR" smtClean="0"/>
-              <a:t>01/02/2018</a:t>
+              <a:t>05/02/2018</a:t>
             </a:fld>
             <a:endParaRPr lang="fr-FR" dirty="0"/>
           </a:p>
@@ -5312,7 +5313,7 @@
           <a:p>
             <a:fld id="{70833B56-5C72-4F68-9C91-0FA71D3B185B}" type="datetimeFigureOut">
               <a:rPr lang="fr-FR" smtClean="0"/>
-              <a:t>01/02/2018</a:t>
+              <a:t>05/02/2018</a:t>
             </a:fld>
             <a:endParaRPr lang="fr-FR" dirty="0"/>
           </a:p>
@@ -5746,7 +5747,7 @@
           <a:p>
             <a:fld id="{70833B56-5C72-4F68-9C91-0FA71D3B185B}" type="datetimeFigureOut">
               <a:rPr lang="fr-FR" smtClean="0"/>
-              <a:t>01/02/2018</a:t>
+              <a:t>05/02/2018</a:t>
             </a:fld>
             <a:endParaRPr lang="fr-FR" dirty="0"/>
           </a:p>
@@ -6292,7 +6293,7 @@
           <a:p>
             <a:fld id="{70833B56-5C72-4F68-9C91-0FA71D3B185B}" type="datetimeFigureOut">
               <a:rPr lang="fr-FR" smtClean="0"/>
-              <a:t>01/02/2018</a:t>
+              <a:t>05/02/2018</a:t>
             </a:fld>
             <a:endParaRPr lang="fr-FR" dirty="0"/>
           </a:p>
@@ -7012,7 +7013,7 @@
           <a:p>
             <a:fld id="{70833B56-5C72-4F68-9C91-0FA71D3B185B}" type="datetimeFigureOut">
               <a:rPr lang="fr-FR" smtClean="0"/>
-              <a:t>01/02/2018</a:t>
+              <a:t>05/02/2018</a:t>
             </a:fld>
             <a:endParaRPr lang="fr-FR" dirty="0"/>
           </a:p>
@@ -7182,7 +7183,7 @@
           <a:p>
             <a:fld id="{70833B56-5C72-4F68-9C91-0FA71D3B185B}" type="datetimeFigureOut">
               <a:rPr lang="fr-FR" smtClean="0"/>
-              <a:t>01/02/2018</a:t>
+              <a:t>05/02/2018</a:t>
             </a:fld>
             <a:endParaRPr lang="fr-FR" dirty="0"/>
           </a:p>
@@ -7362,7 +7363,7 @@
           <a:p>
             <a:fld id="{70833B56-5C72-4F68-9C91-0FA71D3B185B}" type="datetimeFigureOut">
               <a:rPr lang="fr-FR" smtClean="0"/>
-              <a:t>01/02/2018</a:t>
+              <a:t>05/02/2018</a:t>
             </a:fld>
             <a:endParaRPr lang="fr-FR" dirty="0"/>
           </a:p>
@@ -7479,7 +7480,7 @@
           <a:noFill/>
           <a:extLst>
             <a:ext uri="{909E8E84-426E-40dd-AFC4-6F175D3DCCD1}">
-              <a14:hiddenFill xmlns="" xmlns:a14="http://schemas.microsoft.com/office/drawing/2010/main">
+              <a14:hiddenFill xmlns:a14="http://schemas.microsoft.com/office/drawing/2010/main" xmlns="">
                 <a:solidFill>
                   <a:srgbClr val="FFFFFF"/>
                 </a:solidFill>
@@ -7551,7 +7552,7 @@
             </a:ln>
             <a:extLst>
               <a:ext uri="{91240B29-F687-4f45-9708-019B960494DF}">
-                <a14:hiddenLine xmlns="" xmlns:a14="http://schemas.microsoft.com/office/drawing/2010/main" w="9525">
+                <a14:hiddenLine xmlns:a14="http://schemas.microsoft.com/office/drawing/2010/main" xmlns="" w="9525">
                   <a:solidFill>
                     <a:srgbClr val="000000"/>
                   </a:solidFill>
@@ -7647,7 +7648,7 @@
             </a:ln>
             <a:extLst>
               <a:ext uri="{91240B29-F687-4f45-9708-019B960494DF}">
-                <a14:hiddenLine xmlns="" xmlns:a14="http://schemas.microsoft.com/office/drawing/2010/main" w="9525">
+                <a14:hiddenLine xmlns:a14="http://schemas.microsoft.com/office/drawing/2010/main" xmlns="" w="9525">
                   <a:solidFill>
                     <a:srgbClr val="000000"/>
                   </a:solidFill>
@@ -7743,7 +7744,7 @@
             </a:ln>
             <a:extLst>
               <a:ext uri="{91240B29-F687-4f45-9708-019B960494DF}">
-                <a14:hiddenLine xmlns="" xmlns:a14="http://schemas.microsoft.com/office/drawing/2010/main" w="9525">
+                <a14:hiddenLine xmlns:a14="http://schemas.microsoft.com/office/drawing/2010/main" xmlns="" w="9525">
                   <a:solidFill>
                     <a:srgbClr val="000000"/>
                   </a:solidFill>
@@ -7783,7 +7784,7 @@
             </a:ln>
             <a:extLst>
               <a:ext uri="{91240B29-F687-4f45-9708-019B960494DF}">
-                <a14:hiddenLine xmlns="" xmlns:a14="http://schemas.microsoft.com/office/drawing/2010/main" w="9525">
+                <a14:hiddenLine xmlns:a14="http://schemas.microsoft.com/office/drawing/2010/main" xmlns="" w="9525">
                   <a:solidFill>
                     <a:srgbClr val="000000"/>
                   </a:solidFill>
@@ -7879,7 +7880,7 @@
             </a:ln>
             <a:extLst>
               <a:ext uri="{91240B29-F687-4f45-9708-019B960494DF}">
-                <a14:hiddenLine xmlns="" xmlns:a14="http://schemas.microsoft.com/office/drawing/2010/main" w="9525">
+                <a14:hiddenLine xmlns:a14="http://schemas.microsoft.com/office/drawing/2010/main" xmlns="" w="9525">
                   <a:solidFill>
                     <a:srgbClr val="000000"/>
                   </a:solidFill>
@@ -7947,7 +7948,7 @@
             </a:ln>
             <a:extLst>
               <a:ext uri="{91240B29-F687-4f45-9708-019B960494DF}">
-                <a14:hiddenLine xmlns="" xmlns:a14="http://schemas.microsoft.com/office/drawing/2010/main" w="9525">
+                <a14:hiddenLine xmlns:a14="http://schemas.microsoft.com/office/drawing/2010/main" xmlns="" w="9525">
                   <a:solidFill>
                     <a:srgbClr val="000000"/>
                   </a:solidFill>
@@ -8015,7 +8016,7 @@
             </a:ln>
             <a:extLst>
               <a:ext uri="{91240B29-F687-4f45-9708-019B960494DF}">
-                <a14:hiddenLine xmlns="" xmlns:a14="http://schemas.microsoft.com/office/drawing/2010/main" w="9525">
+                <a14:hiddenLine xmlns:a14="http://schemas.microsoft.com/office/drawing/2010/main" xmlns="" w="9525">
                   <a:solidFill>
                     <a:srgbClr val="000000"/>
                   </a:solidFill>
@@ -8111,7 +8112,7 @@
             </a:ln>
             <a:extLst>
               <a:ext uri="{91240B29-F687-4f45-9708-019B960494DF}">
-                <a14:hiddenLine xmlns="" xmlns:a14="http://schemas.microsoft.com/office/drawing/2010/main" w="9525">
+                <a14:hiddenLine xmlns:a14="http://schemas.microsoft.com/office/drawing/2010/main" xmlns="" w="9525">
                   <a:solidFill>
                     <a:srgbClr val="000000"/>
                   </a:solidFill>
@@ -8179,7 +8180,7 @@
             </a:ln>
             <a:extLst>
               <a:ext uri="{91240B29-F687-4f45-9708-019B960494DF}">
-                <a14:hiddenLine xmlns="" xmlns:a14="http://schemas.microsoft.com/office/drawing/2010/main" w="9525">
+                <a14:hiddenLine xmlns:a14="http://schemas.microsoft.com/office/drawing/2010/main" xmlns="" w="9525">
                   <a:solidFill>
                     <a:srgbClr val="000000"/>
                   </a:solidFill>
@@ -8247,7 +8248,7 @@
             </a:ln>
             <a:extLst>
               <a:ext uri="{91240B29-F687-4f45-9708-019B960494DF}">
-                <a14:hiddenLine xmlns="" xmlns:a14="http://schemas.microsoft.com/office/drawing/2010/main" w="9525">
+                <a14:hiddenLine xmlns:a14="http://schemas.microsoft.com/office/drawing/2010/main" xmlns="" w="9525">
                   <a:solidFill>
                     <a:srgbClr val="000000"/>
                   </a:solidFill>
@@ -8343,7 +8344,7 @@
             </a:ln>
             <a:extLst>
               <a:ext uri="{91240B29-F687-4f45-9708-019B960494DF}">
-                <a14:hiddenLine xmlns="" xmlns:a14="http://schemas.microsoft.com/office/drawing/2010/main" w="9525">
+                <a14:hiddenLine xmlns:a14="http://schemas.microsoft.com/office/drawing/2010/main" xmlns="" w="9525">
                   <a:solidFill>
                     <a:srgbClr val="000000"/>
                   </a:solidFill>
@@ -8439,7 +8440,7 @@
             </a:ln>
             <a:extLst>
               <a:ext uri="{91240B29-F687-4f45-9708-019B960494DF}">
-                <a14:hiddenLine xmlns="" xmlns:a14="http://schemas.microsoft.com/office/drawing/2010/main" w="9525">
+                <a14:hiddenLine xmlns:a14="http://schemas.microsoft.com/office/drawing/2010/main" xmlns="" w="9525">
                   <a:solidFill>
                     <a:srgbClr val="000000"/>
                   </a:solidFill>
@@ -8507,7 +8508,7 @@
             </a:ln>
             <a:extLst>
               <a:ext uri="{91240B29-F687-4f45-9708-019B960494DF}">
-                <a14:hiddenLine xmlns="" xmlns:a14="http://schemas.microsoft.com/office/drawing/2010/main" w="9525">
+                <a14:hiddenLine xmlns:a14="http://schemas.microsoft.com/office/drawing/2010/main" xmlns="" w="9525">
                   <a:solidFill>
                     <a:srgbClr val="000000"/>
                   </a:solidFill>
@@ -8623,7 +8624,7 @@
             </a:ln>
             <a:extLst>
               <a:ext uri="{91240B29-F687-4f45-9708-019B960494DF}">
-                <a14:hiddenLine xmlns="" xmlns:a14="http://schemas.microsoft.com/office/drawing/2010/main" w="9525">
+                <a14:hiddenLine xmlns:a14="http://schemas.microsoft.com/office/drawing/2010/main" xmlns="" w="9525">
                   <a:solidFill>
                     <a:srgbClr val="000000"/>
                   </a:solidFill>
@@ -8691,7 +8692,7 @@
             </a:ln>
             <a:extLst>
               <a:ext uri="{91240B29-F687-4f45-9708-019B960494DF}">
-                <a14:hiddenLine xmlns="" xmlns:a14="http://schemas.microsoft.com/office/drawing/2010/main" w="9525">
+                <a14:hiddenLine xmlns:a14="http://schemas.microsoft.com/office/drawing/2010/main" xmlns="" w="9525">
                   <a:solidFill>
                     <a:srgbClr val="000000"/>
                   </a:solidFill>
@@ -8787,7 +8788,7 @@
             </a:ln>
             <a:extLst>
               <a:ext uri="{91240B29-F687-4f45-9708-019B960494DF}">
-                <a14:hiddenLine xmlns="" xmlns:a14="http://schemas.microsoft.com/office/drawing/2010/main" w="9525">
+                <a14:hiddenLine xmlns:a14="http://schemas.microsoft.com/office/drawing/2010/main" xmlns="" w="9525">
                   <a:solidFill>
                     <a:srgbClr val="000000"/>
                   </a:solidFill>
@@ -8883,7 +8884,7 @@
             </a:ln>
             <a:extLst>
               <a:ext uri="{91240B29-F687-4f45-9708-019B960494DF}">
-                <a14:hiddenLine xmlns="" xmlns:a14="http://schemas.microsoft.com/office/drawing/2010/main" w="9525">
+                <a14:hiddenLine xmlns:a14="http://schemas.microsoft.com/office/drawing/2010/main" xmlns="" w="9525">
                   <a:solidFill>
                     <a:srgbClr val="000000"/>
                   </a:solidFill>
@@ -8951,7 +8952,7 @@
             </a:ln>
             <a:extLst>
               <a:ext uri="{91240B29-F687-4f45-9708-019B960494DF}">
-                <a14:hiddenLine xmlns="" xmlns:a14="http://schemas.microsoft.com/office/drawing/2010/main" w="9525">
+                <a14:hiddenLine xmlns:a14="http://schemas.microsoft.com/office/drawing/2010/main" xmlns="" w="9525">
                   <a:solidFill>
                     <a:srgbClr val="000000"/>
                   </a:solidFill>
@@ -9047,7 +9048,7 @@
             </a:ln>
             <a:extLst>
               <a:ext uri="{91240B29-F687-4f45-9708-019B960494DF}">
-                <a14:hiddenLine xmlns="" xmlns:a14="http://schemas.microsoft.com/office/drawing/2010/main" w="9525">
+                <a14:hiddenLine xmlns:a14="http://schemas.microsoft.com/office/drawing/2010/main" xmlns="" w="9525">
                   <a:solidFill>
                     <a:srgbClr val="000000"/>
                   </a:solidFill>
@@ -9143,7 +9144,7 @@
             </a:ln>
             <a:extLst>
               <a:ext uri="{91240B29-F687-4f45-9708-019B960494DF}">
-                <a14:hiddenLine xmlns="" xmlns:a14="http://schemas.microsoft.com/office/drawing/2010/main" w="9525">
+                <a14:hiddenLine xmlns:a14="http://schemas.microsoft.com/office/drawing/2010/main" xmlns="" w="9525">
                   <a:solidFill>
                     <a:srgbClr val="000000"/>
                   </a:solidFill>
@@ -9205,7 +9206,7 @@
             </a:ln>
             <a:extLst>
               <a:ext uri="{91240B29-F687-4f45-9708-019B960494DF}">
-                <a14:hiddenLine xmlns="" xmlns:a14="http://schemas.microsoft.com/office/drawing/2010/main" w="9525">
+                <a14:hiddenLine xmlns:a14="http://schemas.microsoft.com/office/drawing/2010/main" xmlns="" w="9525">
                   <a:solidFill>
                     <a:srgbClr val="000000"/>
                   </a:solidFill>
@@ -9301,7 +9302,7 @@
             </a:ln>
             <a:extLst>
               <a:ext uri="{91240B29-F687-4f45-9708-019B960494DF}">
-                <a14:hiddenLine xmlns="" xmlns:a14="http://schemas.microsoft.com/office/drawing/2010/main" w="9525">
+                <a14:hiddenLine xmlns:a14="http://schemas.microsoft.com/office/drawing/2010/main" xmlns="" w="9525">
                   <a:solidFill>
                     <a:srgbClr val="000000"/>
                   </a:solidFill>
@@ -9363,7 +9364,7 @@
             </a:ln>
             <a:extLst>
               <a:ext uri="{91240B29-F687-4f45-9708-019B960494DF}">
-                <a14:hiddenLine xmlns="" xmlns:a14="http://schemas.microsoft.com/office/drawing/2010/main" w="9525">
+                <a14:hiddenLine xmlns:a14="http://schemas.microsoft.com/office/drawing/2010/main" xmlns="" w="9525">
                   <a:solidFill>
                     <a:srgbClr val="000000"/>
                   </a:solidFill>
@@ -9459,7 +9460,7 @@
             </a:ln>
             <a:extLst>
               <a:ext uri="{91240B29-F687-4f45-9708-019B960494DF}">
-                <a14:hiddenLine xmlns="" xmlns:a14="http://schemas.microsoft.com/office/drawing/2010/main" w="9525">
+                <a14:hiddenLine xmlns:a14="http://schemas.microsoft.com/office/drawing/2010/main" xmlns="" w="9525">
                   <a:solidFill>
                     <a:srgbClr val="000000"/>
                   </a:solidFill>
@@ -9533,7 +9534,7 @@
             </a:ln>
             <a:extLst>
               <a:ext uri="{91240B29-F687-4f45-9708-019B960494DF}">
-                <a14:hiddenLine xmlns="" xmlns:a14="http://schemas.microsoft.com/office/drawing/2010/main" w="9525">
+                <a14:hiddenLine xmlns:a14="http://schemas.microsoft.com/office/drawing/2010/main" xmlns="" w="9525">
                   <a:solidFill>
                     <a:srgbClr val="000000"/>
                   </a:solidFill>
@@ -9629,7 +9630,7 @@
             </a:ln>
             <a:extLst>
               <a:ext uri="{91240B29-F687-4f45-9708-019B960494DF}">
-                <a14:hiddenLine xmlns="" xmlns:a14="http://schemas.microsoft.com/office/drawing/2010/main" w="9525">
+                <a14:hiddenLine xmlns:a14="http://schemas.microsoft.com/office/drawing/2010/main" xmlns="" w="9525">
                   <a:solidFill>
                     <a:srgbClr val="000000"/>
                   </a:solidFill>
@@ -9703,7 +9704,7 @@
             </a:ln>
             <a:extLst>
               <a:ext uri="{91240B29-F687-4f45-9708-019B960494DF}">
-                <a14:hiddenLine xmlns="" xmlns:a14="http://schemas.microsoft.com/office/drawing/2010/main" w="9525">
+                <a14:hiddenLine xmlns:a14="http://schemas.microsoft.com/office/drawing/2010/main" xmlns="" w="9525">
                   <a:solidFill>
                     <a:srgbClr val="000000"/>
                   </a:solidFill>
@@ -9799,7 +9800,7 @@
             </a:ln>
             <a:extLst>
               <a:ext uri="{91240B29-F687-4f45-9708-019B960494DF}">
-                <a14:hiddenLine xmlns="" xmlns:a14="http://schemas.microsoft.com/office/drawing/2010/main" w="9525">
+                <a14:hiddenLine xmlns:a14="http://schemas.microsoft.com/office/drawing/2010/main" xmlns="" w="9525">
                   <a:solidFill>
                     <a:srgbClr val="000000"/>
                   </a:solidFill>
@@ -9839,7 +9840,7 @@
             </a:ln>
             <a:extLst>
               <a:ext uri="{91240B29-F687-4f45-9708-019B960494DF}">
-                <a14:hiddenLine xmlns="" xmlns:a14="http://schemas.microsoft.com/office/drawing/2010/main" w="9525">
+                <a14:hiddenLine xmlns:a14="http://schemas.microsoft.com/office/drawing/2010/main" xmlns="" w="9525">
                   <a:solidFill>
                     <a:srgbClr val="000000"/>
                   </a:solidFill>
@@ -9935,7 +9936,7 @@
             </a:ln>
             <a:extLst>
               <a:ext uri="{91240B29-F687-4f45-9708-019B960494DF}">
-                <a14:hiddenLine xmlns="" xmlns:a14="http://schemas.microsoft.com/office/drawing/2010/main" w="9525">
+                <a14:hiddenLine xmlns:a14="http://schemas.microsoft.com/office/drawing/2010/main" xmlns="" w="9525">
                   <a:solidFill>
                     <a:srgbClr val="000000"/>
                   </a:solidFill>
@@ -10003,7 +10004,7 @@
             </a:ln>
             <a:extLst>
               <a:ext uri="{91240B29-F687-4f45-9708-019B960494DF}">
-                <a14:hiddenLine xmlns="" xmlns:a14="http://schemas.microsoft.com/office/drawing/2010/main" w="9525">
+                <a14:hiddenLine xmlns:a14="http://schemas.microsoft.com/office/drawing/2010/main" xmlns="" w="9525">
                   <a:solidFill>
                     <a:srgbClr val="000000"/>
                   </a:solidFill>
@@ -10071,7 +10072,7 @@
             </a:ln>
             <a:extLst>
               <a:ext uri="{91240B29-F687-4f45-9708-019B960494DF}">
-                <a14:hiddenLine xmlns="" xmlns:a14="http://schemas.microsoft.com/office/drawing/2010/main" w="9525">
+                <a14:hiddenLine xmlns:a14="http://schemas.microsoft.com/office/drawing/2010/main" xmlns="" w="9525">
                   <a:solidFill>
                     <a:srgbClr val="000000"/>
                   </a:solidFill>
@@ -10167,7 +10168,7 @@
             </a:ln>
             <a:extLst>
               <a:ext uri="{91240B29-F687-4f45-9708-019B960494DF}">
-                <a14:hiddenLine xmlns="" xmlns:a14="http://schemas.microsoft.com/office/drawing/2010/main" w="9525">
+                <a14:hiddenLine xmlns:a14="http://schemas.microsoft.com/office/drawing/2010/main" xmlns="" w="9525">
                   <a:solidFill>
                     <a:srgbClr val="000000"/>
                   </a:solidFill>
@@ -10241,7 +10242,7 @@
             </a:ln>
             <a:extLst>
               <a:ext uri="{91240B29-F687-4f45-9708-019B960494DF}">
-                <a14:hiddenLine xmlns="" xmlns:a14="http://schemas.microsoft.com/office/drawing/2010/main" w="9525">
+                <a14:hiddenLine xmlns:a14="http://schemas.microsoft.com/office/drawing/2010/main" xmlns="" w="9525">
                   <a:solidFill>
                     <a:srgbClr val="000000"/>
                   </a:solidFill>
@@ -10309,7 +10310,7 @@
             </a:ln>
             <a:extLst>
               <a:ext uri="{91240B29-F687-4f45-9708-019B960494DF}">
-                <a14:hiddenLine xmlns="" xmlns:a14="http://schemas.microsoft.com/office/drawing/2010/main" w="9525">
+                <a14:hiddenLine xmlns:a14="http://schemas.microsoft.com/office/drawing/2010/main" xmlns="" w="9525">
                   <a:solidFill>
                     <a:srgbClr val="000000"/>
                   </a:solidFill>
@@ -10405,7 +10406,7 @@
             </a:ln>
             <a:extLst>
               <a:ext uri="{91240B29-F687-4f45-9708-019B960494DF}">
-                <a14:hiddenLine xmlns="" xmlns:a14="http://schemas.microsoft.com/office/drawing/2010/main" w="9525">
+                <a14:hiddenLine xmlns:a14="http://schemas.microsoft.com/office/drawing/2010/main" xmlns="" w="9525">
                   <a:solidFill>
                     <a:srgbClr val="000000"/>
                   </a:solidFill>
@@ -10473,7 +10474,7 @@
             </a:ln>
             <a:extLst>
               <a:ext uri="{91240B29-F687-4f45-9708-019B960494DF}">
-                <a14:hiddenLine xmlns="" xmlns:a14="http://schemas.microsoft.com/office/drawing/2010/main" w="9525">
+                <a14:hiddenLine xmlns:a14="http://schemas.microsoft.com/office/drawing/2010/main" xmlns="" w="9525">
                   <a:solidFill>
                     <a:srgbClr val="000000"/>
                   </a:solidFill>
@@ -10569,7 +10570,7 @@
             </a:ln>
             <a:extLst>
               <a:ext uri="{91240B29-F687-4f45-9708-019B960494DF}">
-                <a14:hiddenLine xmlns="" xmlns:a14="http://schemas.microsoft.com/office/drawing/2010/main" w="9525">
+                <a14:hiddenLine xmlns:a14="http://schemas.microsoft.com/office/drawing/2010/main" xmlns="" w="9525">
                   <a:solidFill>
                     <a:srgbClr val="000000"/>
                   </a:solidFill>
@@ -10637,7 +10638,7 @@
             </a:ln>
             <a:extLst>
               <a:ext uri="{91240B29-F687-4f45-9708-019B960494DF}">
-                <a14:hiddenLine xmlns="" xmlns:a14="http://schemas.microsoft.com/office/drawing/2010/main" w="9525">
+                <a14:hiddenLine xmlns:a14="http://schemas.microsoft.com/office/drawing/2010/main" xmlns="" w="9525">
                   <a:solidFill>
                     <a:srgbClr val="000000"/>
                   </a:solidFill>
@@ -10733,7 +10734,7 @@
             </a:ln>
             <a:extLst>
               <a:ext uri="{91240B29-F687-4f45-9708-019B960494DF}">
-                <a14:hiddenLine xmlns="" xmlns:a14="http://schemas.microsoft.com/office/drawing/2010/main" w="9525">
+                <a14:hiddenLine xmlns:a14="http://schemas.microsoft.com/office/drawing/2010/main" xmlns="" w="9525">
                   <a:solidFill>
                     <a:srgbClr val="000000"/>
                   </a:solidFill>
@@ -10773,7 +10774,7 @@
             </a:ln>
             <a:extLst>
               <a:ext uri="{91240B29-F687-4f45-9708-019B960494DF}">
-                <a14:hiddenLine xmlns="" xmlns:a14="http://schemas.microsoft.com/office/drawing/2010/main" w="9525">
+                <a14:hiddenLine xmlns:a14="http://schemas.microsoft.com/office/drawing/2010/main" xmlns="" w="9525">
                   <a:solidFill>
                     <a:srgbClr val="000000"/>
                   </a:solidFill>
@@ -10844,7 +10845,7 @@
             </a:ln>
             <a:extLst>
               <a:ext uri="{91240B29-F687-4f45-9708-019B960494DF}">
-                <a14:hiddenLine xmlns="" xmlns:a14="http://schemas.microsoft.com/office/drawing/2010/main" w="9525">
+                <a14:hiddenLine xmlns:a14="http://schemas.microsoft.com/office/drawing/2010/main" xmlns="" w="9525">
                   <a:solidFill>
                     <a:srgbClr val="000000"/>
                   </a:solidFill>
@@ -10940,7 +10941,7 @@
             </a:ln>
             <a:extLst>
               <a:ext uri="{91240B29-F687-4f45-9708-019B960494DF}">
-                <a14:hiddenLine xmlns="" xmlns:a14="http://schemas.microsoft.com/office/drawing/2010/main" w="9525">
+                <a14:hiddenLine xmlns:a14="http://schemas.microsoft.com/office/drawing/2010/main" xmlns="" w="9525">
                   <a:solidFill>
                     <a:srgbClr val="000000"/>
                   </a:solidFill>
@@ -11008,7 +11009,7 @@
             </a:ln>
             <a:extLst>
               <a:ext uri="{91240B29-F687-4f45-9708-019B960494DF}">
-                <a14:hiddenLine xmlns="" xmlns:a14="http://schemas.microsoft.com/office/drawing/2010/main" w="9525">
+                <a14:hiddenLine xmlns:a14="http://schemas.microsoft.com/office/drawing/2010/main" xmlns="" w="9525">
                   <a:solidFill>
                     <a:srgbClr val="000000"/>
                   </a:solidFill>
@@ -11104,7 +11105,7 @@
             </a:ln>
             <a:extLst>
               <a:ext uri="{91240B29-F687-4f45-9708-019B960494DF}">
-                <a14:hiddenLine xmlns="" xmlns:a14="http://schemas.microsoft.com/office/drawing/2010/main" w="9525">
+                <a14:hiddenLine xmlns:a14="http://schemas.microsoft.com/office/drawing/2010/main" xmlns="" w="9525">
                   <a:solidFill>
                     <a:srgbClr val="000000"/>
                   </a:solidFill>
@@ -11200,7 +11201,7 @@
             </a:ln>
             <a:extLst>
               <a:ext uri="{91240B29-F687-4f45-9708-019B960494DF}">
-                <a14:hiddenLine xmlns="" xmlns:a14="http://schemas.microsoft.com/office/drawing/2010/main" w="9525">
+                <a14:hiddenLine xmlns:a14="http://schemas.microsoft.com/office/drawing/2010/main" xmlns="" w="9525">
                   <a:solidFill>
                     <a:srgbClr val="000000"/>
                   </a:solidFill>
@@ -11271,7 +11272,7 @@
             </a:ln>
             <a:extLst>
               <a:ext uri="{91240B29-F687-4f45-9708-019B960494DF}">
-                <a14:hiddenLine xmlns="" xmlns:a14="http://schemas.microsoft.com/office/drawing/2010/main" w="9525">
+                <a14:hiddenLine xmlns:a14="http://schemas.microsoft.com/office/drawing/2010/main" xmlns="" w="9525">
                   <a:solidFill>
                     <a:srgbClr val="000000"/>
                   </a:solidFill>
@@ -11339,7 +11340,7 @@
             </a:ln>
             <a:extLst>
               <a:ext uri="{91240B29-F687-4f45-9708-019B960494DF}">
-                <a14:hiddenLine xmlns="" xmlns:a14="http://schemas.microsoft.com/office/drawing/2010/main" w="9525">
+                <a14:hiddenLine xmlns:a14="http://schemas.microsoft.com/office/drawing/2010/main" xmlns="" w="9525">
                   <a:solidFill>
                     <a:srgbClr val="000000"/>
                   </a:solidFill>
@@ -11435,7 +11436,7 @@
             </a:ln>
             <a:extLst>
               <a:ext uri="{91240B29-F687-4f45-9708-019B960494DF}">
-                <a14:hiddenLine xmlns="" xmlns:a14="http://schemas.microsoft.com/office/drawing/2010/main" w="9525">
+                <a14:hiddenLine xmlns:a14="http://schemas.microsoft.com/office/drawing/2010/main" xmlns="" w="9525">
                   <a:solidFill>
                     <a:srgbClr val="000000"/>
                   </a:solidFill>
@@ -11531,7 +11532,7 @@
             </a:ln>
             <a:extLst>
               <a:ext uri="{91240B29-F687-4f45-9708-019B960494DF}">
-                <a14:hiddenLine xmlns="" xmlns:a14="http://schemas.microsoft.com/office/drawing/2010/main" w="9525">
+                <a14:hiddenLine xmlns:a14="http://schemas.microsoft.com/office/drawing/2010/main" xmlns="" w="9525">
                   <a:solidFill>
                     <a:srgbClr val="000000"/>
                   </a:solidFill>
@@ -11599,7 +11600,7 @@
             </a:ln>
             <a:extLst>
               <a:ext uri="{91240B29-F687-4f45-9708-019B960494DF}">
-                <a14:hiddenLine xmlns="" xmlns:a14="http://schemas.microsoft.com/office/drawing/2010/main" w="9525">
+                <a14:hiddenLine xmlns:a14="http://schemas.microsoft.com/office/drawing/2010/main" xmlns="" w="9525">
                   <a:solidFill>
                     <a:srgbClr val="000000"/>
                   </a:solidFill>
@@ -11725,7 +11726,7 @@
             </a:ln>
             <a:extLst>
               <a:ext uri="{91240B29-F687-4f45-9708-019B960494DF}">
-                <a14:hiddenLine xmlns="" xmlns:a14="http://schemas.microsoft.com/office/drawing/2010/main" w="9525">
+                <a14:hiddenLine xmlns:a14="http://schemas.microsoft.com/office/drawing/2010/main" xmlns="" w="9525">
                   <a:solidFill>
                     <a:srgbClr val="000000"/>
                   </a:solidFill>
@@ -11799,7 +11800,7 @@
             </a:ln>
             <a:extLst>
               <a:ext uri="{91240B29-F687-4f45-9708-019B960494DF}">
-                <a14:hiddenLine xmlns="" xmlns:a14="http://schemas.microsoft.com/office/drawing/2010/main" w="9525">
+                <a14:hiddenLine xmlns:a14="http://schemas.microsoft.com/office/drawing/2010/main" xmlns="" w="9525">
                   <a:solidFill>
                     <a:srgbClr val="000000"/>
                   </a:solidFill>
@@ -11895,7 +11896,7 @@
             </a:ln>
             <a:extLst>
               <a:ext uri="{91240B29-F687-4f45-9708-019B960494DF}">
-                <a14:hiddenLine xmlns="" xmlns:a14="http://schemas.microsoft.com/office/drawing/2010/main" w="9525">
+                <a14:hiddenLine xmlns:a14="http://schemas.microsoft.com/office/drawing/2010/main" xmlns="" w="9525">
                   <a:solidFill>
                     <a:srgbClr val="000000"/>
                   </a:solidFill>
@@ -12096,7 +12097,7 @@
           <a:p>
             <a:fld id="{70833B56-5C72-4F68-9C91-0FA71D3B185B}" type="datetimeFigureOut">
               <a:rPr lang="fr-FR" smtClean="0"/>
-              <a:t>01/02/2018</a:t>
+              <a:t>05/02/2018</a:t>
             </a:fld>
             <a:endParaRPr lang="fr-FR" dirty="0"/>
           </a:p>
@@ -12346,7 +12347,7 @@
           <a:p>
             <a:fld id="{70833B56-5C72-4F68-9C91-0FA71D3B185B}" type="datetimeFigureOut">
               <a:rPr lang="fr-FR" smtClean="0"/>
-              <a:t>01/02/2018</a:t>
+              <a:t>05/02/2018</a:t>
             </a:fld>
             <a:endParaRPr lang="fr-FR" dirty="0"/>
           </a:p>
@@ -12578,7 +12579,7 @@
           <a:p>
             <a:fld id="{70833B56-5C72-4F68-9C91-0FA71D3B185B}" type="datetimeFigureOut">
               <a:rPr lang="fr-FR" smtClean="0"/>
-              <a:t>01/02/2018</a:t>
+              <a:t>05/02/2018</a:t>
             </a:fld>
             <a:endParaRPr lang="fr-FR" dirty="0"/>
           </a:p>
@@ -12959,7 +12960,7 @@
           <a:p>
             <a:fld id="{70833B56-5C72-4F68-9C91-0FA71D3B185B}" type="datetimeFigureOut">
               <a:rPr lang="fr-FR" smtClean="0"/>
-              <a:t>01/02/2018</a:t>
+              <a:t>05/02/2018</a:t>
             </a:fld>
             <a:endParaRPr lang="fr-FR" dirty="0"/>
           </a:p>
@@ -13077,7 +13078,7 @@
           <a:p>
             <a:fld id="{70833B56-5C72-4F68-9C91-0FA71D3B185B}" type="datetimeFigureOut">
               <a:rPr lang="fr-FR" smtClean="0"/>
-              <a:t>01/02/2018</a:t>
+              <a:t>05/02/2018</a:t>
             </a:fld>
             <a:endParaRPr lang="fr-FR" dirty="0"/>
           </a:p>
@@ -13172,7 +13173,7 @@
           <a:p>
             <a:fld id="{70833B56-5C72-4F68-9C91-0FA71D3B185B}" type="datetimeFigureOut">
               <a:rPr lang="fr-FR" smtClean="0"/>
-              <a:t>01/02/2018</a:t>
+              <a:t>05/02/2018</a:t>
             </a:fld>
             <a:endParaRPr lang="fr-FR" dirty="0"/>
           </a:p>
@@ -13421,7 +13422,7 @@
           <a:p>
             <a:fld id="{70833B56-5C72-4F68-9C91-0FA71D3B185B}" type="datetimeFigureOut">
               <a:rPr lang="fr-FR" smtClean="0"/>
-              <a:t>01/02/2018</a:t>
+              <a:t>05/02/2018</a:t>
             </a:fld>
             <a:endParaRPr lang="fr-FR" dirty="0"/>
           </a:p>
@@ -13701,7 +13702,7 @@
           <a:p>
             <a:fld id="{70833B56-5C72-4F68-9C91-0FA71D3B185B}" type="datetimeFigureOut">
               <a:rPr lang="fr-FR" smtClean="0"/>
-              <a:t>01/02/2018</a:t>
+              <a:t>05/02/2018</a:t>
             </a:fld>
             <a:endParaRPr lang="fr-FR" dirty="0"/>
           </a:p>
@@ -13817,7 +13818,7 @@
           <a:noFill/>
           <a:extLst>
             <a:ext uri="{909E8E84-426E-40dd-AFC4-6F175D3DCCD1}">
-              <a14:hiddenFill xmlns="" xmlns:a14="http://schemas.microsoft.com/office/drawing/2010/main">
+              <a14:hiddenFill xmlns:a14="http://schemas.microsoft.com/office/drawing/2010/main" xmlns="">
                 <a:solidFill>
                   <a:srgbClr val="FFFFFF"/>
                 </a:solidFill>
@@ -13891,7 +13892,7 @@
               </a:ln>
               <a:extLst>
                 <a:ext uri="{91240B29-F687-4f45-9708-019B960494DF}">
-                  <a14:hiddenLine xmlns="" xmlns:a14="http://schemas.microsoft.com/office/drawing/2010/main" w="9525">
+                  <a14:hiddenLine xmlns:a14="http://schemas.microsoft.com/office/drawing/2010/main" xmlns="" w="9525">
                     <a:solidFill>
                       <a:srgbClr val="000000"/>
                     </a:solidFill>
@@ -13981,7 +13982,7 @@
               </a:ln>
               <a:extLst>
                 <a:ext uri="{91240B29-F687-4f45-9708-019B960494DF}">
-                  <a14:hiddenLine xmlns="" xmlns:a14="http://schemas.microsoft.com/office/drawing/2010/main" w="9525">
+                  <a14:hiddenLine xmlns:a14="http://schemas.microsoft.com/office/drawing/2010/main" xmlns="" w="9525">
                     <a:solidFill>
                       <a:srgbClr val="000000"/>
                     </a:solidFill>
@@ -14071,7 +14072,7 @@
               </a:ln>
               <a:extLst>
                 <a:ext uri="{91240B29-F687-4f45-9708-019B960494DF}">
-                  <a14:hiddenLine xmlns="" xmlns:a14="http://schemas.microsoft.com/office/drawing/2010/main" w="9525">
+                  <a14:hiddenLine xmlns:a14="http://schemas.microsoft.com/office/drawing/2010/main" xmlns="" w="9525">
                     <a:solidFill>
                       <a:srgbClr val="000000"/>
                     </a:solidFill>
@@ -14133,7 +14134,7 @@
               </a:ln>
               <a:extLst>
                 <a:ext uri="{91240B29-F687-4f45-9708-019B960494DF}">
-                  <a14:hiddenLine xmlns="" xmlns:a14="http://schemas.microsoft.com/office/drawing/2010/main" w="9525">
+                  <a14:hiddenLine xmlns:a14="http://schemas.microsoft.com/office/drawing/2010/main" xmlns="" w="9525">
                     <a:solidFill>
                       <a:srgbClr val="000000"/>
                     </a:solidFill>
@@ -14223,7 +14224,7 @@
               </a:ln>
               <a:extLst>
                 <a:ext uri="{91240B29-F687-4f45-9708-019B960494DF}">
-                  <a14:hiddenLine xmlns="" xmlns:a14="http://schemas.microsoft.com/office/drawing/2010/main" w="9525">
+                  <a14:hiddenLine xmlns:a14="http://schemas.microsoft.com/office/drawing/2010/main" xmlns="" w="9525">
                     <a:solidFill>
                       <a:srgbClr val="000000"/>
                     </a:solidFill>
@@ -14285,7 +14286,7 @@
               </a:ln>
               <a:extLst>
                 <a:ext uri="{91240B29-F687-4f45-9708-019B960494DF}">
-                  <a14:hiddenLine xmlns="" xmlns:a14="http://schemas.microsoft.com/office/drawing/2010/main" w="9525">
+                  <a14:hiddenLine xmlns:a14="http://schemas.microsoft.com/office/drawing/2010/main" xmlns="" w="9525">
                     <a:solidFill>
                       <a:srgbClr val="000000"/>
                     </a:solidFill>
@@ -14347,7 +14348,7 @@
               </a:ln>
               <a:extLst>
                 <a:ext uri="{91240B29-F687-4f45-9708-019B960494DF}">
-                  <a14:hiddenLine xmlns="" xmlns:a14="http://schemas.microsoft.com/office/drawing/2010/main" w="9525">
+                  <a14:hiddenLine xmlns:a14="http://schemas.microsoft.com/office/drawing/2010/main" xmlns="" w="9525">
                     <a:solidFill>
                       <a:srgbClr val="000000"/>
                     </a:solidFill>
@@ -14437,7 +14438,7 @@
               </a:ln>
               <a:extLst>
                 <a:ext uri="{91240B29-F687-4f45-9708-019B960494DF}">
-                  <a14:hiddenLine xmlns="" xmlns:a14="http://schemas.microsoft.com/office/drawing/2010/main" w="9525">
+                  <a14:hiddenLine xmlns:a14="http://schemas.microsoft.com/office/drawing/2010/main" xmlns="" w="9525">
                     <a:solidFill>
                       <a:srgbClr val="000000"/>
                     </a:solidFill>
@@ -14527,7 +14528,7 @@
               </a:ln>
               <a:extLst>
                 <a:ext uri="{91240B29-F687-4f45-9708-019B960494DF}">
-                  <a14:hiddenLine xmlns="" xmlns:a14="http://schemas.microsoft.com/office/drawing/2010/main" w="9525">
+                  <a14:hiddenLine xmlns:a14="http://schemas.microsoft.com/office/drawing/2010/main" xmlns="" w="9525">
                     <a:solidFill>
                       <a:srgbClr val="000000"/>
                     </a:solidFill>
@@ -14589,7 +14590,7 @@
               </a:ln>
               <a:extLst>
                 <a:ext uri="{91240B29-F687-4f45-9708-019B960494DF}">
-                  <a14:hiddenLine xmlns="" xmlns:a14="http://schemas.microsoft.com/office/drawing/2010/main" w="9525">
+                  <a14:hiddenLine xmlns:a14="http://schemas.microsoft.com/office/drawing/2010/main" xmlns="" w="9525">
                     <a:solidFill>
                       <a:srgbClr val="000000"/>
                     </a:solidFill>
@@ -14699,7 +14700,7 @@
               </a:ln>
               <a:extLst>
                 <a:ext uri="{91240B29-F687-4f45-9708-019B960494DF}">
-                  <a14:hiddenLine xmlns="" xmlns:a14="http://schemas.microsoft.com/office/drawing/2010/main" w="9525">
+                  <a14:hiddenLine xmlns:a14="http://schemas.microsoft.com/office/drawing/2010/main" xmlns="" w="9525">
                     <a:solidFill>
                       <a:srgbClr val="000000"/>
                     </a:solidFill>
@@ -14783,7 +14784,7 @@
               </a:ln>
               <a:extLst>
                 <a:ext uri="{91240B29-F687-4f45-9708-019B960494DF}">
-                  <a14:hiddenLine xmlns="" xmlns:a14="http://schemas.microsoft.com/office/drawing/2010/main" w="9525">
+                  <a14:hiddenLine xmlns:a14="http://schemas.microsoft.com/office/drawing/2010/main" xmlns="" w="9525">
                     <a:solidFill>
                       <a:srgbClr val="000000"/>
                     </a:solidFill>
@@ -14845,7 +14846,7 @@
               </a:ln>
               <a:extLst>
                 <a:ext uri="{91240B29-F687-4f45-9708-019B960494DF}">
-                  <a14:hiddenLine xmlns="" xmlns:a14="http://schemas.microsoft.com/office/drawing/2010/main" w="9525">
+                  <a14:hiddenLine xmlns:a14="http://schemas.microsoft.com/office/drawing/2010/main" xmlns="" w="9525">
                     <a:solidFill>
                       <a:srgbClr val="000000"/>
                     </a:solidFill>
@@ -14907,7 +14908,7 @@
               </a:ln>
               <a:extLst>
                 <a:ext uri="{91240B29-F687-4f45-9708-019B960494DF}">
-                  <a14:hiddenLine xmlns="" xmlns:a14="http://schemas.microsoft.com/office/drawing/2010/main" w="9525">
+                  <a14:hiddenLine xmlns:a14="http://schemas.microsoft.com/office/drawing/2010/main" xmlns="" w="9525">
                     <a:solidFill>
                       <a:srgbClr val="000000"/>
                     </a:solidFill>
@@ -14997,7 +14998,7 @@
               </a:ln>
               <a:extLst>
                 <a:ext uri="{91240B29-F687-4f45-9708-019B960494DF}">
-                  <a14:hiddenLine xmlns="" xmlns:a14="http://schemas.microsoft.com/office/drawing/2010/main" w="9525">
+                  <a14:hiddenLine xmlns:a14="http://schemas.microsoft.com/office/drawing/2010/main" xmlns="" w="9525">
                     <a:solidFill>
                       <a:srgbClr val="000000"/>
                     </a:solidFill>
@@ -15031,7 +15032,7 @@
               </a:ln>
               <a:extLst>
                 <a:ext uri="{91240B29-F687-4f45-9708-019B960494DF}">
-                  <a14:hiddenLine xmlns="" xmlns:a14="http://schemas.microsoft.com/office/drawing/2010/main" w="9525">
+                  <a14:hiddenLine xmlns:a14="http://schemas.microsoft.com/office/drawing/2010/main" xmlns="" w="9525">
                     <a:solidFill>
                       <a:srgbClr val="000000"/>
                     </a:solidFill>
@@ -15096,7 +15097,7 @@
               </a:ln>
               <a:extLst>
                 <a:ext uri="{91240B29-F687-4f45-9708-019B960494DF}">
-                  <a14:hiddenLine xmlns="" xmlns:a14="http://schemas.microsoft.com/office/drawing/2010/main" w="9525">
+                  <a14:hiddenLine xmlns:a14="http://schemas.microsoft.com/office/drawing/2010/main" xmlns="" w="9525">
                     <a:solidFill>
                       <a:srgbClr val="000000"/>
                     </a:solidFill>
@@ -15186,7 +15187,7 @@
               </a:ln>
               <a:extLst>
                 <a:ext uri="{91240B29-F687-4f45-9708-019B960494DF}">
-                  <a14:hiddenLine xmlns="" xmlns:a14="http://schemas.microsoft.com/office/drawing/2010/main" w="9525">
+                  <a14:hiddenLine xmlns:a14="http://schemas.microsoft.com/office/drawing/2010/main" xmlns="" w="9525">
                     <a:solidFill>
                       <a:srgbClr val="000000"/>
                     </a:solidFill>
@@ -15248,7 +15249,7 @@
               </a:ln>
               <a:extLst>
                 <a:ext uri="{91240B29-F687-4f45-9708-019B960494DF}">
-                  <a14:hiddenLine xmlns="" xmlns:a14="http://schemas.microsoft.com/office/drawing/2010/main" w="9525">
+                  <a14:hiddenLine xmlns:a14="http://schemas.microsoft.com/office/drawing/2010/main" xmlns="" w="9525">
                     <a:solidFill>
                       <a:srgbClr val="000000"/>
                     </a:solidFill>
@@ -15338,7 +15339,7 @@
               </a:ln>
               <a:extLst>
                 <a:ext uri="{91240B29-F687-4f45-9708-019B960494DF}">
-                  <a14:hiddenLine xmlns="" xmlns:a14="http://schemas.microsoft.com/office/drawing/2010/main" w="9525">
+                  <a14:hiddenLine xmlns:a14="http://schemas.microsoft.com/office/drawing/2010/main" xmlns="" w="9525">
                     <a:solidFill>
                       <a:srgbClr val="000000"/>
                     </a:solidFill>
@@ -15403,7 +15404,7 @@
               </a:ln>
               <a:extLst>
                 <a:ext uri="{91240B29-F687-4f45-9708-019B960494DF}">
-                  <a14:hiddenLine xmlns="" xmlns:a14="http://schemas.microsoft.com/office/drawing/2010/main" w="9525">
+                  <a14:hiddenLine xmlns:a14="http://schemas.microsoft.com/office/drawing/2010/main" xmlns="" w="9525">
                     <a:solidFill>
                       <a:srgbClr val="000000"/>
                     </a:solidFill>
@@ -15465,7 +15466,7 @@
               </a:ln>
               <a:extLst>
                 <a:ext uri="{91240B29-F687-4f45-9708-019B960494DF}">
-                  <a14:hiddenLine xmlns="" xmlns:a14="http://schemas.microsoft.com/office/drawing/2010/main" w="9525">
+                  <a14:hiddenLine xmlns:a14="http://schemas.microsoft.com/office/drawing/2010/main" xmlns="" w="9525">
                     <a:solidFill>
                       <a:srgbClr val="000000"/>
                     </a:solidFill>
@@ -15555,7 +15556,7 @@
               </a:ln>
               <a:extLst>
                 <a:ext uri="{91240B29-F687-4f45-9708-019B960494DF}">
-                  <a14:hiddenLine xmlns="" xmlns:a14="http://schemas.microsoft.com/office/drawing/2010/main" w="9525">
+                  <a14:hiddenLine xmlns:a14="http://schemas.microsoft.com/office/drawing/2010/main" xmlns="" w="9525">
                     <a:solidFill>
                       <a:srgbClr val="000000"/>
                     </a:solidFill>
@@ -15645,7 +15646,7 @@
               </a:ln>
               <a:extLst>
                 <a:ext uri="{91240B29-F687-4f45-9708-019B960494DF}">
-                  <a14:hiddenLine xmlns="" xmlns:a14="http://schemas.microsoft.com/office/drawing/2010/main" w="9525">
+                  <a14:hiddenLine xmlns:a14="http://schemas.microsoft.com/office/drawing/2010/main" xmlns="" w="9525">
                     <a:solidFill>
                       <a:srgbClr val="000000"/>
                     </a:solidFill>
@@ -15710,7 +15711,7 @@
               </a:ln>
               <a:extLst>
                 <a:ext uri="{91240B29-F687-4f45-9708-019B960494DF}">
-                  <a14:hiddenLine xmlns="" xmlns:a14="http://schemas.microsoft.com/office/drawing/2010/main" w="9525">
+                  <a14:hiddenLine xmlns:a14="http://schemas.microsoft.com/office/drawing/2010/main" xmlns="" w="9525">
                     <a:solidFill>
                       <a:srgbClr val="000000"/>
                     </a:solidFill>
@@ -15830,7 +15831,7 @@
               </a:ln>
               <a:extLst>
                 <a:ext uri="{91240B29-F687-4f45-9708-019B960494DF}">
-                  <a14:hiddenLine xmlns="" xmlns:a14="http://schemas.microsoft.com/office/drawing/2010/main" w="9525">
+                  <a14:hiddenLine xmlns:a14="http://schemas.microsoft.com/office/drawing/2010/main" xmlns="" w="9525">
                     <a:solidFill>
                       <a:srgbClr val="000000"/>
                     </a:solidFill>
@@ -15928,7 +15929,7 @@
               </a:ln>
               <a:extLst>
                 <a:ext uri="{91240B29-F687-4f45-9708-019B960494DF}">
-                  <a14:hiddenLine xmlns="" xmlns:a14="http://schemas.microsoft.com/office/drawing/2010/main" w="9525">
+                  <a14:hiddenLine xmlns:a14="http://schemas.microsoft.com/office/drawing/2010/main" xmlns="" w="9525">
                     <a:solidFill>
                       <a:srgbClr val="000000"/>
                     </a:solidFill>
@@ -16043,7 +16044,7 @@
               </a:ln>
               <a:extLst>
                 <a:ext uri="{91240B29-F687-4f45-9708-019B960494DF}">
-                  <a14:hiddenLine xmlns="" xmlns:a14="http://schemas.microsoft.com/office/drawing/2010/main" w="9525">
+                  <a14:hiddenLine xmlns:a14="http://schemas.microsoft.com/office/drawing/2010/main" xmlns="" w="9525">
                     <a:solidFill>
                       <a:srgbClr val="000000"/>
                     </a:solidFill>
@@ -16133,7 +16134,7 @@
               </a:ln>
               <a:extLst>
                 <a:ext uri="{91240B29-F687-4f45-9708-019B960494DF}">
-                  <a14:hiddenLine xmlns="" xmlns:a14="http://schemas.microsoft.com/office/drawing/2010/main" w="9525">
+                  <a14:hiddenLine xmlns:a14="http://schemas.microsoft.com/office/drawing/2010/main" xmlns="" w="9525">
                     <a:solidFill>
                       <a:srgbClr val="000000"/>
                     </a:solidFill>
@@ -16198,7 +16199,7 @@
               </a:ln>
               <a:extLst>
                 <a:ext uri="{91240B29-F687-4f45-9708-019B960494DF}">
-                  <a14:hiddenLine xmlns="" xmlns:a14="http://schemas.microsoft.com/office/drawing/2010/main" w="9525">
+                  <a14:hiddenLine xmlns:a14="http://schemas.microsoft.com/office/drawing/2010/main" xmlns="" w="9525">
                     <a:solidFill>
                       <a:srgbClr val="000000"/>
                     </a:solidFill>
@@ -16288,7 +16289,7 @@
               </a:ln>
               <a:extLst>
                 <a:ext uri="{91240B29-F687-4f45-9708-019B960494DF}">
-                  <a14:hiddenLine xmlns="" xmlns:a14="http://schemas.microsoft.com/office/drawing/2010/main" w="9525">
+                  <a14:hiddenLine xmlns:a14="http://schemas.microsoft.com/office/drawing/2010/main" xmlns="" w="9525">
                     <a:solidFill>
                       <a:srgbClr val="000000"/>
                     </a:solidFill>
@@ -16356,7 +16357,7 @@
               </a:ln>
               <a:extLst>
                 <a:ext uri="{91240B29-F687-4f45-9708-019B960494DF}">
-                  <a14:hiddenLine xmlns="" xmlns:a14="http://schemas.microsoft.com/office/drawing/2010/main" w="9525">
+                  <a14:hiddenLine xmlns:a14="http://schemas.microsoft.com/office/drawing/2010/main" xmlns="" w="9525">
                     <a:solidFill>
                       <a:srgbClr val="000000"/>
                     </a:solidFill>
@@ -16446,7 +16447,7 @@
               </a:ln>
               <a:extLst>
                 <a:ext uri="{91240B29-F687-4f45-9708-019B960494DF}">
-                  <a14:hiddenLine xmlns="" xmlns:a14="http://schemas.microsoft.com/office/drawing/2010/main" w="9525">
+                  <a14:hiddenLine xmlns:a14="http://schemas.microsoft.com/office/drawing/2010/main" xmlns="" w="9525">
                     <a:solidFill>
                       <a:srgbClr val="000000"/>
                     </a:solidFill>
@@ -16514,7 +16515,7 @@
               </a:ln>
               <a:extLst>
                 <a:ext uri="{91240B29-F687-4f45-9708-019B960494DF}">
-                  <a14:hiddenLine xmlns="" xmlns:a14="http://schemas.microsoft.com/office/drawing/2010/main" w="9525">
+                  <a14:hiddenLine xmlns:a14="http://schemas.microsoft.com/office/drawing/2010/main" xmlns="" w="9525">
                     <a:solidFill>
                       <a:srgbClr val="000000"/>
                     </a:solidFill>
@@ -16604,7 +16605,7 @@
               </a:ln>
               <a:extLst>
                 <a:ext uri="{91240B29-F687-4f45-9708-019B960494DF}">
-                  <a14:hiddenLine xmlns="" xmlns:a14="http://schemas.microsoft.com/office/drawing/2010/main" w="9525">
+                  <a14:hiddenLine xmlns:a14="http://schemas.microsoft.com/office/drawing/2010/main" xmlns="" w="9525">
                     <a:solidFill>
                       <a:srgbClr val="000000"/>
                     </a:solidFill>
@@ -16638,7 +16639,7 @@
               </a:ln>
               <a:extLst>
                 <a:ext uri="{91240B29-F687-4f45-9708-019B960494DF}">
-                  <a14:hiddenLine xmlns="" xmlns:a14="http://schemas.microsoft.com/office/drawing/2010/main" w="9525">
+                  <a14:hiddenLine xmlns:a14="http://schemas.microsoft.com/office/drawing/2010/main" xmlns="" w="9525">
                     <a:solidFill>
                       <a:srgbClr val="000000"/>
                     </a:solidFill>
@@ -16778,7 +16779,7 @@
           <a:p>
             <a:fld id="{70833B56-5C72-4F68-9C91-0FA71D3B185B}" type="datetimeFigureOut">
               <a:rPr lang="fr-FR" smtClean="0"/>
-              <a:t>01/02/2018</a:t>
+              <a:t>05/02/2018</a:t>
             </a:fld>
             <a:endParaRPr lang="fr-FR" dirty="0"/>
           </a:p>
@@ -17661,6 +17662,14 @@
   <p:clrMapOvr>
     <a:masterClrMapping/>
   </p:clrMapOvr>
+  <mc:AlternateContent xmlns:mc="http://schemas.openxmlformats.org/markup-compatibility/2006">
+    <mc:Choice xmlns:p14="http://schemas.microsoft.com/office/powerpoint/2010/main" Requires="p14">
+      <p:transition spd="slow" p14:dur="2000" advClick="0" advTm="1000"/>
+    </mc:Choice>
+    <mc:Fallback>
+      <p:transition spd="slow" advClick="0" advTm="1000"/>
+    </mc:Fallback>
+  </mc:AlternateContent>
   <p:timing>
     <p:tnLst>
       <p:par>
@@ -17691,7 +17700,7 @@
                                       <p:cBhvr>
                                         <p:cTn id="6" dur="1" fill="hold">
                                           <p:stCondLst>
-                                            <p:cond delay="999"/>
+                                            <p:cond delay="1999"/>
                                           </p:stCondLst>
                                         </p:cTn>
                                         <p:tgtEl>
@@ -17767,7 +17776,7 @@
                                     </p:set>
                                     <p:anim calcmode="lin" valueType="num">
                                       <p:cBhvr additive="base">
-                                        <p:cTn id="12" dur="3000" fill="hold"/>
+                                        <p:cTn id="12" dur="1300" fill="hold"/>
                                         <p:tgtEl>
                                           <p:spTgt spid="4">
                                             <p:txEl>
@@ -17794,7 +17803,7 @@
                                     </p:anim>
                                     <p:anim calcmode="lin" valueType="num">
                                       <p:cBhvr additive="base">
-                                        <p:cTn id="13" dur="3000" fill="hold"/>
+                                        <p:cTn id="13" dur="1300" fill="hold"/>
                                         <p:tgtEl>
                                           <p:spTgt spid="4">
                                             <p:txEl>
@@ -17855,7 +17864,7 @@
                                     </p:set>
                                     <p:animEffect transition="in" filter="barn(inVertical)">
                                       <p:cBhvr>
-                                        <p:cTn id="16" dur="3000"/>
+                                        <p:cTn id="16" dur="1300"/>
                                         <p:tgtEl>
                                           <p:spTgt spid="4">
                                             <p:txEl>
@@ -17879,7 +17888,7 @@
                                   <p:childTnLst>
                                     <p:animMotion origin="layout" path="M 0.0 0.0 L 0.0 -0.07213" pathEditMode="relative" ptsTypes="">
                                       <p:cBhvr>
-                                        <p:cTn id="18" dur="1500" accel="50000" decel="50000" autoRev="1" fill="hold">
+                                        <p:cTn id="18" dur="650" accel="50000" decel="50000" autoRev="1" fill="hold">
                                           <p:stCondLst>
                                             <p:cond delay="0"/>
                                           </p:stCondLst>
@@ -17899,7 +17908,7 @@
                                     </p:animMotion>
                                     <p:animRot by="1500000">
                                       <p:cBhvr>
-                                        <p:cTn id="19" dur="750" fill="hold">
+                                        <p:cTn id="19" dur="325" fill="hold">
                                           <p:stCondLst>
                                             <p:cond delay="0"/>
                                           </p:stCondLst>
@@ -17918,9 +17927,9 @@
                                     </p:animRot>
                                     <p:animRot by="-1500000">
                                       <p:cBhvr>
-                                        <p:cTn id="20" dur="750" fill="hold">
+                                        <p:cTn id="20" dur="325" fill="hold">
                                           <p:stCondLst>
-                                            <p:cond delay="750"/>
+                                            <p:cond delay="325"/>
                                           </p:stCondLst>
                                         </p:cTn>
                                         <p:tgtEl>
@@ -17937,9 +17946,9 @@
                                     </p:animRot>
                                     <p:animRot by="-1500000">
                                       <p:cBhvr>
-                                        <p:cTn id="21" dur="750" fill="hold">
+                                        <p:cTn id="21" dur="325" fill="hold">
                                           <p:stCondLst>
-                                            <p:cond delay="1500"/>
+                                            <p:cond delay="650"/>
                                           </p:stCondLst>
                                         </p:cTn>
                                         <p:tgtEl>
@@ -17956,9 +17965,9 @@
                                     </p:animRot>
                                     <p:animRot by="1500000">
                                       <p:cBhvr>
-                                        <p:cTn id="22" dur="750" fill="hold">
+                                        <p:cTn id="22" dur="325" fill="hold">
                                           <p:stCondLst>
-                                            <p:cond delay="2250"/>
+                                            <p:cond delay="975"/>
                                           </p:stCondLst>
                                         </p:cTn>
                                         <p:tgtEl>
@@ -18175,10 +18184,10 @@
       </p:sp>
       <p:pic>
         <p:nvPicPr>
-          <p:cNvPr id="3" name="Image 2">
+          <p:cNvPr id="4" name="Image 3">
             <a:extLst>
               <a:ext uri="{FF2B5EF4-FFF2-40B4-BE49-F238E27FC236}">
-                <a16:creationId xmlns:a16="http://schemas.microsoft.com/office/drawing/2014/main" id="{83FD078E-F6B8-4425-A2E3-1271FEB3BFED}"/>
+                <a16:creationId xmlns:a16="http://schemas.microsoft.com/office/drawing/2014/main" id="{F49CE6AB-A9A3-4DA8-BDF1-CEB2BF405256}"/>
               </a:ext>
             </a:extLst>
           </p:cNvPr>
@@ -18201,8 +18210,8 @@
         </p:blipFill>
         <p:spPr>
           <a:xfrm>
-            <a:off x="3131820" y="2980355"/>
-            <a:ext cx="5360670" cy="3164448"/>
+            <a:off x="2862072" y="3021985"/>
+            <a:ext cx="4952395" cy="3179315"/>
           </a:xfrm>
           <a:prstGeom prst="rect">
             <a:avLst/>
@@ -18219,6 +18228,18 @@
   <p:clrMapOvr>
     <a:masterClrMapping/>
   </p:clrMapOvr>
+  <mc:AlternateContent xmlns:mc="http://schemas.openxmlformats.org/markup-compatibility/2006">
+    <mc:Choice xmlns:p14="http://schemas.microsoft.com/office/powerpoint/2010/main" Requires="p14">
+      <p:transition spd="slow" p14:dur="4400">
+        <p14:honeycomb/>
+      </p:transition>
+    </mc:Choice>
+    <mc:Fallback>
+      <p:transition spd="slow">
+        <p:fade/>
+      </p:transition>
+    </mc:Fallback>
+  </mc:AlternateContent>
 </p:sld>
 </file>
 
@@ -18253,10 +18274,10 @@
         </p:nvGrpSpPr>
         <p:grpSpPr>
           <a:xfrm>
-            <a:off x="2743200" y="2207920"/>
-            <a:ext cx="7598664" cy="3693319"/>
-            <a:chOff x="2743200" y="2482240"/>
-            <a:chExt cx="7598664" cy="3693319"/>
+            <a:off x="2743200" y="1860447"/>
+            <a:ext cx="7598664" cy="3970318"/>
+            <a:chOff x="2743200" y="2134767"/>
+            <a:chExt cx="7598664" cy="3970318"/>
           </a:xfrm>
         </p:grpSpPr>
         <p:sp>
@@ -18273,8 +18294,8 @@
           </p:nvSpPr>
           <p:spPr>
             <a:xfrm>
-              <a:off x="2743200" y="2482240"/>
-              <a:ext cx="7598664" cy="3693319"/>
+              <a:off x="2743200" y="2134767"/>
+              <a:ext cx="7598664" cy="3970318"/>
             </a:xfrm>
             <a:prstGeom prst="rect">
               <a:avLst/>
@@ -18300,7 +18321,14 @@
               </a:r>
             </a:p>
             <a:p>
-              <a:endParaRPr lang="fr-FR" dirty="0"/>
+              <a:pPr marL="285750" indent="-285750">
+                <a:buFont typeface="Arial" panose="020B0604020202020204" pitchFamily="34" charset="0"/>
+                <a:buChar char="•"/>
+              </a:pPr>
+              <a:endParaRPr lang="fr-FR" dirty="0">
+                <a:latin typeface="Dubai Medium" panose="020B0604020202020204" pitchFamily="34" charset="-78"/>
+                <a:cs typeface="Dubai Medium" panose="020B0604020202020204" pitchFamily="34" charset="-78"/>
+              </a:endParaRPr>
             </a:p>
             <a:p>
               <a:pPr marL="285750" indent="-285750">
@@ -18312,13 +18340,17 @@
                   <a:latin typeface="Dubai Medium" panose="020B0603030403030204" pitchFamily="34" charset="-78"/>
                   <a:cs typeface="Dubai Medium" panose="020B0603030403030204" pitchFamily="34" charset="-78"/>
                 </a:rPr>
-                <a:t>Sondage à choix unique</a:t>
+                <a:t>Fonctionnalités de l’application</a:t>
               </a:r>
             </a:p>
             <a:p>
+              <a:pPr marL="285750" indent="-285750">
+                <a:buFont typeface="Arial" panose="020B0604020202020204" pitchFamily="34" charset="0"/>
+                <a:buChar char="•"/>
+              </a:pPr>
               <a:endParaRPr lang="fr-FR" dirty="0">
-                <a:latin typeface="Dubai Medium" panose="020B0603030403030204" pitchFamily="34" charset="-78"/>
-                <a:cs typeface="Dubai Medium" panose="020B0603030403030204" pitchFamily="34" charset="-78"/>
+                <a:latin typeface="Dubai Medium" panose="020B0604020202020204" pitchFamily="34" charset="-78"/>
+                <a:cs typeface="Dubai Medium" panose="020B0604020202020204" pitchFamily="34" charset="-78"/>
               </a:endParaRPr>
             </a:p>
             <a:p>
@@ -18327,8 +18359,8 @@
                 <a:buChar char="•"/>
               </a:pPr>
               <a:endParaRPr lang="fr-FR" dirty="0">
-                <a:latin typeface="Dubai Medium" panose="020B0603030403030204" pitchFamily="34" charset="-78"/>
-                <a:cs typeface="Dubai Medium" panose="020B0603030403030204" pitchFamily="34" charset="-78"/>
+                <a:latin typeface="Dubai Medium" panose="020B0604020202020204" pitchFamily="34" charset="-78"/>
+                <a:cs typeface="Dubai Medium" panose="020B0604020202020204" pitchFamily="34" charset="-78"/>
               </a:endParaRPr>
             </a:p>
             <a:p>
@@ -18337,15 +18369,44 @@
                 <a:buChar char="•"/>
               </a:pPr>
               <a:endParaRPr lang="fr-FR" dirty="0">
-                <a:latin typeface="Dubai Medium" panose="020B0603030403030204" pitchFamily="34" charset="-78"/>
-                <a:cs typeface="Dubai Medium" panose="020B0603030403030204" pitchFamily="34" charset="-78"/>
+                <a:latin typeface="Dubai Medium" panose="020B0604020202020204" pitchFamily="34" charset="-78"/>
+                <a:cs typeface="Dubai Medium" panose="020B0604020202020204" pitchFamily="34" charset="-78"/>
+              </a:endParaRPr>
+            </a:p>
+            <a:p>
+              <a:pPr marL="285750" indent="-285750">
+                <a:buFont typeface="Arial" panose="020B0604020202020204" pitchFamily="34" charset="0"/>
+                <a:buChar char="•"/>
+              </a:pPr>
+              <a:endParaRPr lang="fr-FR" dirty="0">
+                <a:latin typeface="Dubai Medium" panose="020B0604020202020204" pitchFamily="34" charset="-78"/>
+                <a:cs typeface="Dubai Medium" panose="020B0604020202020204" pitchFamily="34" charset="-78"/>
               </a:endParaRPr>
             </a:p>
             <a:p>
               <a:endParaRPr lang="fr-FR" dirty="0">
-                <a:latin typeface="Dubai Medium" panose="020B0603030403030204" pitchFamily="34" charset="-78"/>
-                <a:cs typeface="Dubai Medium" panose="020B0603030403030204" pitchFamily="34" charset="-78"/>
+                <a:latin typeface="Dubai Medium" panose="020B0604020202020204" pitchFamily="34" charset="-78"/>
+                <a:cs typeface="Dubai Medium" panose="020B0604020202020204" pitchFamily="34" charset="-78"/>
               </a:endParaRPr>
+            </a:p>
+            <a:p>
+              <a:endParaRPr lang="fr-FR" dirty="0">
+                <a:latin typeface="Dubai Medium" panose="020B0604020202020204" pitchFamily="34" charset="-78"/>
+                <a:cs typeface="Dubai Medium" panose="020B0604020202020204" pitchFamily="34" charset="-78"/>
+              </a:endParaRPr>
+            </a:p>
+            <a:p>
+              <a:pPr marL="285750" indent="-285750">
+                <a:buFont typeface="Arial" panose="020B0604020202020204" pitchFamily="34" charset="0"/>
+                <a:buChar char="•"/>
+              </a:pPr>
+              <a:r>
+                <a:rPr lang="fr-FR" dirty="0">
+                  <a:latin typeface="Dubai Medium" panose="020B0603030403030204" pitchFamily="34" charset="-78"/>
+                  <a:cs typeface="Dubai Medium" panose="020B0603030403030204" pitchFamily="34" charset="-78"/>
+                </a:rPr>
+                <a:t>Démonstration de l’application</a:t>
+              </a:r>
             </a:p>
             <a:p>
               <a:endParaRPr lang="fr-FR" dirty="0">
@@ -18363,30 +18424,7 @@
                   <a:latin typeface="Dubai Medium" panose="020B0603030403030204" pitchFamily="34" charset="-78"/>
                   <a:cs typeface="Dubai Medium" panose="020B0603030403030204" pitchFamily="34" charset="-78"/>
                 </a:rPr>
-                <a:t>Sondage à choix multiple</a:t>
-              </a:r>
-            </a:p>
-            <a:p>
-              <a:pPr marL="285750" indent="-285750">
-                <a:buFont typeface="Arial" panose="020B0604020202020204" pitchFamily="34" charset="0"/>
-                <a:buChar char="•"/>
-              </a:pPr>
-              <a:endParaRPr lang="fr-FR" dirty="0">
-                <a:latin typeface="Dubai Medium" panose="020B0603030403030204" pitchFamily="34" charset="-78"/>
-                <a:cs typeface="Dubai Medium" panose="020B0603030403030204" pitchFamily="34" charset="-78"/>
-              </a:endParaRPr>
-            </a:p>
-            <a:p>
-              <a:pPr marL="285750" indent="-285750">
-                <a:buFont typeface="Arial" panose="020B0604020202020204" pitchFamily="34" charset="0"/>
-                <a:buChar char="•"/>
-              </a:pPr>
-              <a:r>
-                <a:rPr lang="fr-FR" dirty="0">
-                  <a:latin typeface="Dubai Medium" panose="020B0603030403030204" pitchFamily="34" charset="-78"/>
-                  <a:cs typeface="Dubai Medium" panose="020B0603030403030204" pitchFamily="34" charset="-78"/>
-                </a:rPr>
-                <a:t>Démonstration de l’application</a:t>
+                <a:t>Cas particulier</a:t>
               </a:r>
             </a:p>
             <a:p>
@@ -18428,7 +18466,7 @@
           </p:nvSpPr>
           <p:spPr>
             <a:xfrm>
-              <a:off x="3163824" y="3429000"/>
+              <a:off x="3054096" y="3129248"/>
               <a:ext cx="4526280" cy="1477328"/>
             </a:xfrm>
             <a:prstGeom prst="rect">
@@ -18554,36 +18592,6 @@
 </file>
 
 <file path=ppt/slides/slide4.xml><?xml version="1.0" encoding="utf-8"?>
-<p:sld xmlns:a="http://schemas.openxmlformats.org/drawingml/2006/main" xmlns:r="http://schemas.openxmlformats.org/officeDocument/2006/relationships" xmlns:p="http://schemas.openxmlformats.org/presentationml/2006/main">
-  <p:cSld>
-    <p:spTree>
-      <p:nvGrpSpPr>
-        <p:cNvPr id="1" name=""/>
-        <p:cNvGrpSpPr/>
-        <p:nvPr/>
-      </p:nvGrpSpPr>
-      <p:grpSpPr>
-        <a:xfrm>
-          <a:off x="0" y="0"/>
-          <a:ext cx="0" cy="0"/>
-          <a:chOff x="0" y="0"/>
-          <a:chExt cx="0" cy="0"/>
-        </a:xfrm>
-      </p:grpSpPr>
-    </p:spTree>
-    <p:extLst>
-      <p:ext uri="{BB962C8B-B14F-4D97-AF65-F5344CB8AC3E}">
-        <p14:creationId xmlns:p14="http://schemas.microsoft.com/office/powerpoint/2010/main" val="2985443068"/>
-      </p:ext>
-    </p:extLst>
-  </p:cSld>
-  <p:clrMapOvr>
-    <a:masterClrMapping/>
-  </p:clrMapOvr>
-</p:sld>
-</file>
-
-<file path=ppt/slides/slide5.xml><?xml version="1.0" encoding="utf-8"?>
 <p:sld xmlns:a="http://schemas.openxmlformats.org/drawingml/2006/main" xmlns:r="http://schemas.openxmlformats.org/officeDocument/2006/relationships" xmlns:p="http://schemas.openxmlformats.org/presentationml/2006/main">
   <p:cSld>
     <p:spTree>
@@ -19056,6 +19064,36 @@
 </p:sld>
 </file>
 
+<file path=ppt/slides/slide5.xml><?xml version="1.0" encoding="utf-8"?>
+<p:sld xmlns:a="http://schemas.openxmlformats.org/drawingml/2006/main" xmlns:r="http://schemas.openxmlformats.org/officeDocument/2006/relationships" xmlns:p="http://schemas.openxmlformats.org/presentationml/2006/main">
+  <p:cSld>
+    <p:spTree>
+      <p:nvGrpSpPr>
+        <p:cNvPr id="1" name=""/>
+        <p:cNvGrpSpPr/>
+        <p:nvPr/>
+      </p:nvGrpSpPr>
+      <p:grpSpPr>
+        <a:xfrm>
+          <a:off x="0" y="0"/>
+          <a:ext cx="0" cy="0"/>
+          <a:chOff x="0" y="0"/>
+          <a:chExt cx="0" cy="0"/>
+        </a:xfrm>
+      </p:grpSpPr>
+    </p:spTree>
+    <p:extLst>
+      <p:ext uri="{BB962C8B-B14F-4D97-AF65-F5344CB8AC3E}">
+        <p14:creationId xmlns:p14="http://schemas.microsoft.com/office/powerpoint/2010/main" val="4222376752"/>
+      </p:ext>
+    </p:extLst>
+  </p:cSld>
+  <p:clrMapOvr>
+    <a:masterClrMapping/>
+  </p:clrMapOvr>
+</p:sld>
+</file>
+
 <file path=ppt/slides/slide6.xml><?xml version="1.0" encoding="utf-8"?>
 <p:sld xmlns:a="http://schemas.openxmlformats.org/drawingml/2006/main" xmlns:r="http://schemas.openxmlformats.org/officeDocument/2006/relationships" xmlns:p="http://schemas.openxmlformats.org/presentationml/2006/main">
   <p:cSld>
@@ -19073,124 +19111,36 @@
           <a:chExt cx="0" cy="0"/>
         </a:xfrm>
       </p:grpSpPr>
-      <p:sp>
-        <p:nvSpPr>
-          <p:cNvPr id="3" name="ZoneTexte 2">
-            <a:extLst>
-              <a:ext uri="{FF2B5EF4-FFF2-40B4-BE49-F238E27FC236}">
-                <a16:creationId xmlns:a16="http://schemas.microsoft.com/office/drawing/2014/main" id="{38FE2E8D-1267-4D88-A09C-A784354CE2C6}"/>
-              </a:ext>
-            </a:extLst>
-          </p:cNvPr>
-          <p:cNvSpPr txBox="1"/>
-          <p:nvPr/>
-        </p:nvSpPr>
-        <p:spPr>
-          <a:xfrm>
-            <a:off x="2590038" y="1773936"/>
-            <a:ext cx="3886200" cy="677108"/>
-          </a:xfrm>
-          <a:prstGeom prst="rect">
-            <a:avLst/>
-          </a:prstGeom>
-          <a:noFill/>
-        </p:spPr>
-        <p:txBody>
-          <a:bodyPr wrap="square" rtlCol="0">
-            <a:spAutoFit/>
-          </a:bodyPr>
-          <a:lstStyle/>
-          <a:p>
-            <a:r>
-              <a:rPr lang="fr-FR" sz="2000" u="sng" dirty="0">
-                <a:latin typeface="Dubai Medium" panose="020B0603030403030204" pitchFamily="34" charset="-78"/>
-                <a:cs typeface="Dubai Medium" panose="020B0603030403030204" pitchFamily="34" charset="-78"/>
-              </a:rPr>
-              <a:t>Résultat Attendu</a:t>
-            </a:r>
-          </a:p>
-          <a:p>
-            <a:endParaRPr lang="fr-FR" dirty="0"/>
-          </a:p>
-        </p:txBody>
-      </p:sp>
-      <p:sp>
-        <p:nvSpPr>
-          <p:cNvPr id="4" name="ZoneTexte 3">
-            <a:extLst>
-              <a:ext uri="{FF2B5EF4-FFF2-40B4-BE49-F238E27FC236}">
-                <a16:creationId xmlns:a16="http://schemas.microsoft.com/office/drawing/2014/main" id="{FDE39EE7-DD2E-41C8-99CB-A338859ACE51}"/>
-              </a:ext>
-            </a:extLst>
-          </p:cNvPr>
-          <p:cNvSpPr txBox="1"/>
-          <p:nvPr/>
-        </p:nvSpPr>
-        <p:spPr>
-          <a:xfrm>
-            <a:off x="7199377" y="1773936"/>
-            <a:ext cx="3886200" cy="677108"/>
-          </a:xfrm>
-          <a:prstGeom prst="rect">
-            <a:avLst/>
-          </a:prstGeom>
-          <a:noFill/>
-        </p:spPr>
-        <p:txBody>
-          <a:bodyPr wrap="square" rtlCol="0">
-            <a:spAutoFit/>
-          </a:bodyPr>
-          <a:lstStyle/>
-          <a:p>
-            <a:r>
-              <a:rPr lang="fr-FR" sz="2000" u="sng" dirty="0">
-                <a:latin typeface="Dubai" panose="020B0503030403030204" pitchFamily="34" charset="-78"/>
-                <a:cs typeface="Dubai" panose="020B0503030403030204" pitchFamily="34" charset="-78"/>
-              </a:rPr>
-              <a:t>Résultat Obtenu</a:t>
-            </a:r>
-          </a:p>
-          <a:p>
-            <a:endParaRPr lang="fr-FR" dirty="0"/>
-          </a:p>
-        </p:txBody>
-      </p:sp>
-      <p:cxnSp>
-        <p:nvCxnSpPr>
-          <p:cNvPr id="6" name="Connecteur droit 5">
-            <a:extLst>
-              <a:ext uri="{FF2B5EF4-FFF2-40B4-BE49-F238E27FC236}">
-                <a16:creationId xmlns:a16="http://schemas.microsoft.com/office/drawing/2014/main" id="{701EB01E-6254-42A2-9BA7-CA82B27AC3EE}"/>
-              </a:ext>
-            </a:extLst>
-          </p:cNvPr>
-          <p:cNvCxnSpPr/>
-          <p:nvPr/>
-        </p:nvCxnSpPr>
-        <p:spPr>
-          <a:xfrm>
-            <a:off x="6077712" y="1773936"/>
-            <a:ext cx="0" cy="4306825"/>
-          </a:xfrm>
-          <a:prstGeom prst="line">
-            <a:avLst/>
-          </a:prstGeom>
-        </p:spPr>
-        <p:style>
-          <a:lnRef idx="1">
-            <a:schemeClr val="accent1"/>
-          </a:lnRef>
-          <a:fillRef idx="0">
-            <a:schemeClr val="accent1"/>
-          </a:fillRef>
-          <a:effectRef idx="0">
-            <a:schemeClr val="accent1"/>
-          </a:effectRef>
-          <a:fontRef idx="minor">
-            <a:schemeClr val="tx1"/>
-          </a:fontRef>
-        </p:style>
-      </p:cxnSp>
+    </p:spTree>
+    <p:extLst>
+      <p:ext uri="{BB962C8B-B14F-4D97-AF65-F5344CB8AC3E}">
+        <p14:creationId xmlns:p14="http://schemas.microsoft.com/office/powerpoint/2010/main" val="1050884056"/>
+      </p:ext>
+    </p:extLst>
+  </p:cSld>
+  <p:clrMapOvr>
+    <a:masterClrMapping/>
+  </p:clrMapOvr>
+</p:sld>
+</file>
+
+<file path=ppt/slides/slide7.xml><?xml version="1.0" encoding="utf-8"?>
+<p:sld xmlns:a="http://schemas.openxmlformats.org/drawingml/2006/main" xmlns:r="http://schemas.openxmlformats.org/officeDocument/2006/relationships" xmlns:p="http://schemas.openxmlformats.org/presentationml/2006/main">
+  <p:cSld>
+    <p:spTree>
+      <p:nvGrpSpPr>
+        <p:cNvPr id="1" name=""/>
+        <p:cNvGrpSpPr/>
+        <p:nvPr/>
+      </p:nvGrpSpPr>
+      <p:grpSpPr>
+        <a:xfrm>
+          <a:off x="0" y="0"/>
+          <a:ext cx="0" cy="0"/>
+          <a:chOff x="0" y="0"/>
+          <a:chExt cx="0" cy="0"/>
+        </a:xfrm>
+      </p:grpSpPr>
       <p:sp>
         <p:nvSpPr>
           <p:cNvPr id="7" name="ZoneTexte 6">
@@ -19225,6 +19175,52 @@
               </a:rPr>
               <a:t>Conclusion</a:t>
             </a:r>
+          </a:p>
+        </p:txBody>
+      </p:sp>
+      <p:sp>
+        <p:nvSpPr>
+          <p:cNvPr id="2" name="ZoneTexte 1">
+            <a:extLst>
+              <a:ext uri="{FF2B5EF4-FFF2-40B4-BE49-F238E27FC236}">
+                <a16:creationId xmlns:a16="http://schemas.microsoft.com/office/drawing/2014/main" id="{C74D2F93-7086-4149-9395-098451B05D20}"/>
+              </a:ext>
+            </a:extLst>
+          </p:cNvPr>
+          <p:cNvSpPr txBox="1"/>
+          <p:nvPr/>
+        </p:nvSpPr>
+        <p:spPr>
+          <a:xfrm>
+            <a:off x="2551176" y="1325880"/>
+            <a:ext cx="8567928" cy="646331"/>
+          </a:xfrm>
+          <a:prstGeom prst="rect">
+            <a:avLst/>
+          </a:prstGeom>
+          <a:noFill/>
+        </p:spPr>
+        <p:txBody>
+          <a:bodyPr wrap="square" rtlCol="0">
+            <a:spAutoFit/>
+          </a:bodyPr>
+          <a:lstStyle/>
+          <a:p>
+            <a:pPr marL="285750" indent="-285750">
+              <a:buFont typeface="Arial" panose="020B0604020202020204" pitchFamily="34" charset="0"/>
+              <a:buChar char="•"/>
+            </a:pPr>
+            <a:r>
+              <a:rPr lang="fr-FR" dirty="0"/>
+              <a:t>Amélioration de l’application </a:t>
+            </a:r>
+          </a:p>
+          <a:p>
+            <a:pPr marL="285750" indent="-285750">
+              <a:buFont typeface="Arial" panose="020B0604020202020204" pitchFamily="34" charset="0"/>
+              <a:buChar char="•"/>
+            </a:pPr>
+            <a:endParaRPr lang="fr-FR" dirty="0"/>
           </a:p>
         </p:txBody>
       </p:sp>

--- a/Présentation_demo_projet.pptx
+++ b/Présentation_demo_projet.pptx
@@ -124,7 +124,7 @@
   <pc:docChgLst>
     <pc:chgData name="wondertgirl@outlook.fr" userId="6456c9d808ff96cf" providerId="LiveId" clId="{14BF0B29-5841-4D25-BF9E-445C013438F2}"/>
     <pc:docChg chg="custSel addSld delSld modSld sldOrd">
-      <pc:chgData name="wondertgirl@outlook.fr" userId="6456c9d808ff96cf" providerId="LiveId" clId="{14BF0B29-5841-4D25-BF9E-445C013438F2}" dt="2018-02-01T21:39:21.859" v="212"/>
+      <pc:chgData name="wondertgirl@outlook.fr" userId="6456c9d808ff96cf" providerId="LiveId" clId="{14BF0B29-5841-4D25-BF9E-445C013438F2}" dt="2018-02-05T19:45:30.224" v="606" actId="1076"/>
       <pc:docMkLst>
         <pc:docMk/>
       </pc:docMkLst>
@@ -167,8 +167,8 @@
           </ac:picMkLst>
         </pc:picChg>
       </pc:sldChg>
-      <pc:sldChg chg="modSp">
-        <pc:chgData name="wondertgirl@outlook.fr" userId="6456c9d808ff96cf" providerId="LiveId" clId="{14BF0B29-5841-4D25-BF9E-445C013438F2}" dt="2018-02-01T21:20:55.017" v="51" actId="2711"/>
+      <pc:sldChg chg="modSp modTransition modAnim">
+        <pc:chgData name="wondertgirl@outlook.fr" userId="6456c9d808ff96cf" providerId="LiveId" clId="{14BF0B29-5841-4D25-BF9E-445C013438F2}" dt="2018-02-05T19:44:27.645" v="604"/>
         <pc:sldMkLst>
           <pc:docMk/>
           <pc:sldMk cId="1944821926" sldId="257"/>
@@ -198,8 +198,8 @@
           </ac:spMkLst>
         </pc:spChg>
       </pc:sldChg>
-      <pc:sldChg chg="modSp">
-        <pc:chgData name="wondertgirl@outlook.fr" userId="6456c9d808ff96cf" providerId="LiveId" clId="{14BF0B29-5841-4D25-BF9E-445C013438F2}" dt="2018-02-01T21:22:13.896" v="56" actId="2711"/>
+      <pc:sldChg chg="modSp modTransition">
+        <pc:chgData name="wondertgirl@outlook.fr" userId="6456c9d808ff96cf" providerId="LiveId" clId="{14BF0B29-5841-4D25-BF9E-445C013438F2}" dt="2018-02-05T19:45:30.224" v="606" actId="1076"/>
         <pc:sldMkLst>
           <pc:docMk/>
           <pc:sldMk cId="1810887499" sldId="258"/>
@@ -237,7 +237,7 @@
           </ac:spMkLst>
         </pc:spChg>
         <pc:spChg chg="mod">
-          <ac:chgData name="wondertgirl@outlook.fr" userId="6456c9d808ff96cf" providerId="LiveId" clId="{14BF0B29-5841-4D25-BF9E-445C013438F2}" dt="2018-02-01T21:22:13.896" v="56" actId="2711"/>
+          <ac:chgData name="wondertgirl@outlook.fr" userId="6456c9d808ff96cf" providerId="LiveId" clId="{14BF0B29-5841-4D25-BF9E-445C013438F2}" dt="2018-02-05T19:45:30.224" v="606" actId="1076"/>
           <ac:spMkLst>
             <pc:docMk/>
             <pc:sldMk cId="1810887499" sldId="258"/>
@@ -245,12 +245,20 @@
           </ac:spMkLst>
         </pc:spChg>
       </pc:sldChg>
-      <pc:sldChg chg="modSp">
-        <pc:chgData name="wondertgirl@outlook.fr" userId="6456c9d808ff96cf" providerId="LiveId" clId="{14BF0B29-5841-4D25-BF9E-445C013438F2}" dt="2018-02-01T21:22:57.057" v="60" actId="2711"/>
+      <pc:sldChg chg="modSp modTransition">
+        <pc:chgData name="wondertgirl@outlook.fr" userId="6456c9d808ff96cf" providerId="LiveId" clId="{14BF0B29-5841-4D25-BF9E-445C013438F2}" dt="2018-02-05T19:44:49.392" v="605" actId="2711"/>
         <pc:sldMkLst>
           <pc:docMk/>
           <pc:sldMk cId="359512551" sldId="259"/>
         </pc:sldMkLst>
+        <pc:spChg chg="mod">
+          <ac:chgData name="wondertgirl@outlook.fr" userId="6456c9d808ff96cf" providerId="LiveId" clId="{14BF0B29-5841-4D25-BF9E-445C013438F2}" dt="2018-02-05T19:44:49.392" v="605" actId="2711"/>
+          <ac:spMkLst>
+            <pc:docMk/>
+            <pc:sldMk cId="359512551" sldId="259"/>
+            <ac:spMk id="2" creationId="{C74D2F93-7086-4149-9395-098451B05D20}"/>
+          </ac:spMkLst>
+        </pc:spChg>
         <pc:spChg chg="mod">
           <ac:chgData name="wondertgirl@outlook.fr" userId="6456c9d808ff96cf" providerId="LiveId" clId="{14BF0B29-5841-4D25-BF9E-445C013438F2}" dt="2018-02-01T21:22:46.837" v="59" actId="2711"/>
           <ac:spMkLst>
@@ -276,13 +284,6 @@
           </ac:spMkLst>
         </pc:spChg>
       </pc:sldChg>
-      <pc:sldChg chg="add del">
-        <pc:chgData name="wondertgirl@outlook.fr" userId="6456c9d808ff96cf" providerId="LiveId" clId="{14BF0B29-5841-4D25-BF9E-445C013438F2}" dt="2018-02-01T21:12:16.532" v="5" actId="2696"/>
-        <pc:sldMkLst>
-          <pc:docMk/>
-          <pc:sldMk cId="1401889836" sldId="261"/>
-        </pc:sldMkLst>
-      </pc:sldChg>
       <pc:sldChg chg="addSp modSp add ord modAnim">
         <pc:chgData name="wondertgirl@outlook.fr" userId="6456c9d808ff96cf" providerId="LiveId" clId="{14BF0B29-5841-4D25-BF9E-445C013438F2}" dt="2018-02-01T21:39:21.859" v="212"/>
         <pc:sldMkLst>
@@ -303,6 +304,44 @@
             <pc:docMk/>
             <pc:sldMk cId="2620934047" sldId="261"/>
             <ac:picMk id="3" creationId="{39D68CB2-0F63-43E2-9BDC-5EC6FD0559E3}"/>
+          </ac:picMkLst>
+        </pc:picChg>
+      </pc:sldChg>
+      <pc:sldChg chg="addSp modSp modTransition">
+        <pc:chgData name="wondertgirl@outlook.fr" userId="6456c9d808ff96cf" providerId="LiveId" clId="{14BF0B29-5841-4D25-BF9E-445C013438F2}" dt="2018-02-05T19:32:20.756" v="555" actId="5793"/>
+        <pc:sldMkLst>
+          <pc:docMk/>
+          <pc:sldMk cId="4222376752" sldId="262"/>
+        </pc:sldMkLst>
+        <pc:spChg chg="add mod">
+          <ac:chgData name="wondertgirl@outlook.fr" userId="6456c9d808ff96cf" providerId="LiveId" clId="{14BF0B29-5841-4D25-BF9E-445C013438F2}" dt="2018-02-05T19:32:20.756" v="555" actId="5793"/>
+          <ac:spMkLst>
+            <pc:docMk/>
+            <pc:sldMk cId="4222376752" sldId="262"/>
+            <ac:spMk id="2" creationId="{E95ED813-1E7C-4CE2-A88C-84D5812F3445}"/>
+          </ac:spMkLst>
+        </pc:spChg>
+      </pc:sldChg>
+      <pc:sldChg chg="addSp modSp modTransition">
+        <pc:chgData name="wondertgirl@outlook.fr" userId="6456c9d808ff96cf" providerId="LiveId" clId="{14BF0B29-5841-4D25-BF9E-445C013438F2}" dt="2018-02-05T19:40:13.881" v="598" actId="1076"/>
+        <pc:sldMkLst>
+          <pc:docMk/>
+          <pc:sldMk cId="1050884056" sldId="263"/>
+        </pc:sldMkLst>
+        <pc:spChg chg="add mod">
+          <ac:chgData name="wondertgirl@outlook.fr" userId="6456c9d808ff96cf" providerId="LiveId" clId="{14BF0B29-5841-4D25-BF9E-445C013438F2}" dt="2018-02-05T19:33:40.997" v="594" actId="255"/>
+          <ac:spMkLst>
+            <pc:docMk/>
+            <pc:sldMk cId="1050884056" sldId="263"/>
+            <ac:spMk id="2" creationId="{4266AEB3-07DB-4AE4-858D-4654DC63B334}"/>
+          </ac:spMkLst>
+        </pc:spChg>
+        <pc:picChg chg="add mod">
+          <ac:chgData name="wondertgirl@outlook.fr" userId="6456c9d808ff96cf" providerId="LiveId" clId="{14BF0B29-5841-4D25-BF9E-445C013438F2}" dt="2018-02-05T19:40:13.881" v="598" actId="1076"/>
+          <ac:picMkLst>
+            <pc:docMk/>
+            <pc:sldMk cId="1050884056" sldId="263"/>
+            <ac:picMk id="4" creationId="{5C92DD2F-D57C-4420-9D19-F09F458BDD72}"/>
           </ac:picMkLst>
         </pc:picChg>
       </pc:sldChg>
@@ -361,7 +400,7 @@
           <a:noFill/>
           <a:extLst>
             <a:ext uri="{909E8E84-426E-40dd-AFC4-6F175D3DCCD1}">
-              <a14:hiddenFill xmlns:a14="http://schemas.microsoft.com/office/drawing/2010/main" xmlns="">
+              <a14:hiddenFill xmlns="" xmlns:a14="http://schemas.microsoft.com/office/drawing/2010/main">
                 <a:solidFill>
                   <a:srgbClr val="FFFFFF"/>
                 </a:solidFill>
@@ -421,7 +460,7 @@
             </a:ln>
             <a:extLst>
               <a:ext uri="{91240B29-F687-4f45-9708-019B960494DF}">
-                <a14:hiddenLine xmlns:a14="http://schemas.microsoft.com/office/drawing/2010/main" xmlns="" w="9525">
+                <a14:hiddenLine xmlns="" xmlns:a14="http://schemas.microsoft.com/office/drawing/2010/main" w="9525">
                   <a:solidFill>
                     <a:srgbClr val="000000"/>
                   </a:solidFill>
@@ -511,7 +550,7 @@
             </a:ln>
             <a:extLst>
               <a:ext uri="{91240B29-F687-4f45-9708-019B960494DF}">
-                <a14:hiddenLine xmlns:a14="http://schemas.microsoft.com/office/drawing/2010/main" xmlns="" w="9525">
+                <a14:hiddenLine xmlns="" xmlns:a14="http://schemas.microsoft.com/office/drawing/2010/main" w="9525">
                   <a:solidFill>
                     <a:srgbClr val="000000"/>
                   </a:solidFill>
@@ -601,7 +640,7 @@
             </a:ln>
             <a:extLst>
               <a:ext uri="{91240B29-F687-4f45-9708-019B960494DF}">
-                <a14:hiddenLine xmlns:a14="http://schemas.microsoft.com/office/drawing/2010/main" xmlns="" w="9525">
+                <a14:hiddenLine xmlns="" xmlns:a14="http://schemas.microsoft.com/office/drawing/2010/main" w="9525">
                   <a:solidFill>
                     <a:srgbClr val="000000"/>
                   </a:solidFill>
@@ -635,7 +674,7 @@
             </a:ln>
             <a:extLst>
               <a:ext uri="{91240B29-F687-4f45-9708-019B960494DF}">
-                <a14:hiddenLine xmlns:a14="http://schemas.microsoft.com/office/drawing/2010/main" xmlns="" w="9525">
+                <a14:hiddenLine xmlns="" xmlns:a14="http://schemas.microsoft.com/office/drawing/2010/main" w="9525">
                   <a:solidFill>
                     <a:srgbClr val="000000"/>
                   </a:solidFill>
@@ -725,7 +764,7 @@
             </a:ln>
             <a:extLst>
               <a:ext uri="{91240B29-F687-4f45-9708-019B960494DF}">
-                <a14:hiddenLine xmlns:a14="http://schemas.microsoft.com/office/drawing/2010/main" xmlns="" w="9525">
+                <a14:hiddenLine xmlns="" xmlns:a14="http://schemas.microsoft.com/office/drawing/2010/main" w="9525">
                   <a:solidFill>
                     <a:srgbClr val="000000"/>
                   </a:solidFill>
@@ -787,7 +826,7 @@
             </a:ln>
             <a:extLst>
               <a:ext uri="{91240B29-F687-4f45-9708-019B960494DF}">
-                <a14:hiddenLine xmlns:a14="http://schemas.microsoft.com/office/drawing/2010/main" xmlns="" w="9525">
+                <a14:hiddenLine xmlns="" xmlns:a14="http://schemas.microsoft.com/office/drawing/2010/main" w="9525">
                   <a:solidFill>
                     <a:srgbClr val="000000"/>
                   </a:solidFill>
@@ -849,7 +888,7 @@
             </a:ln>
             <a:extLst>
               <a:ext uri="{91240B29-F687-4f45-9708-019B960494DF}">
-                <a14:hiddenLine xmlns:a14="http://schemas.microsoft.com/office/drawing/2010/main" xmlns="" w="9525">
+                <a14:hiddenLine xmlns="" xmlns:a14="http://schemas.microsoft.com/office/drawing/2010/main" w="9525">
                   <a:solidFill>
                     <a:srgbClr val="000000"/>
                   </a:solidFill>
@@ -939,7 +978,7 @@
             </a:ln>
             <a:extLst>
               <a:ext uri="{91240B29-F687-4f45-9708-019B960494DF}">
-                <a14:hiddenLine xmlns:a14="http://schemas.microsoft.com/office/drawing/2010/main" xmlns="" w="9525">
+                <a14:hiddenLine xmlns="" xmlns:a14="http://schemas.microsoft.com/office/drawing/2010/main" w="9525">
                   <a:solidFill>
                     <a:srgbClr val="000000"/>
                   </a:solidFill>
@@ -1001,7 +1040,7 @@
             </a:ln>
             <a:extLst>
               <a:ext uri="{91240B29-F687-4f45-9708-019B960494DF}">
-                <a14:hiddenLine xmlns:a14="http://schemas.microsoft.com/office/drawing/2010/main" xmlns="" w="9525">
+                <a14:hiddenLine xmlns="" xmlns:a14="http://schemas.microsoft.com/office/drawing/2010/main" w="9525">
                   <a:solidFill>
                     <a:srgbClr val="000000"/>
                   </a:solidFill>
@@ -1063,7 +1102,7 @@
             </a:ln>
             <a:extLst>
               <a:ext uri="{91240B29-F687-4f45-9708-019B960494DF}">
-                <a14:hiddenLine xmlns:a14="http://schemas.microsoft.com/office/drawing/2010/main" xmlns="" w="9525">
+                <a14:hiddenLine xmlns="" xmlns:a14="http://schemas.microsoft.com/office/drawing/2010/main" w="9525">
                   <a:solidFill>
                     <a:srgbClr val="000000"/>
                   </a:solidFill>
@@ -1153,7 +1192,7 @@
             </a:ln>
             <a:extLst>
               <a:ext uri="{91240B29-F687-4f45-9708-019B960494DF}">
-                <a14:hiddenLine xmlns:a14="http://schemas.microsoft.com/office/drawing/2010/main" xmlns="" w="9525">
+                <a14:hiddenLine xmlns="" xmlns:a14="http://schemas.microsoft.com/office/drawing/2010/main" w="9525">
                   <a:solidFill>
                     <a:srgbClr val="000000"/>
                   </a:solidFill>
@@ -1243,7 +1282,7 @@
             </a:ln>
             <a:extLst>
               <a:ext uri="{91240B29-F687-4f45-9708-019B960494DF}">
-                <a14:hiddenLine xmlns:a14="http://schemas.microsoft.com/office/drawing/2010/main" xmlns="" w="9525">
+                <a14:hiddenLine xmlns="" xmlns:a14="http://schemas.microsoft.com/office/drawing/2010/main" w="9525">
                   <a:solidFill>
                     <a:srgbClr val="000000"/>
                   </a:solidFill>
@@ -1305,7 +1344,7 @@
             </a:ln>
             <a:extLst>
               <a:ext uri="{91240B29-F687-4f45-9708-019B960494DF}">
-                <a14:hiddenLine xmlns:a14="http://schemas.microsoft.com/office/drawing/2010/main" xmlns="" w="9525">
+                <a14:hiddenLine xmlns="" xmlns:a14="http://schemas.microsoft.com/office/drawing/2010/main" w="9525">
                   <a:solidFill>
                     <a:srgbClr val="000000"/>
                   </a:solidFill>
@@ -1415,7 +1454,7 @@
             </a:ln>
             <a:extLst>
               <a:ext uri="{91240B29-F687-4f45-9708-019B960494DF}">
-                <a14:hiddenLine xmlns:a14="http://schemas.microsoft.com/office/drawing/2010/main" xmlns="" w="9525">
+                <a14:hiddenLine xmlns="" xmlns:a14="http://schemas.microsoft.com/office/drawing/2010/main" w="9525">
                   <a:solidFill>
                     <a:srgbClr val="000000"/>
                   </a:solidFill>
@@ -1477,7 +1516,7 @@
             </a:ln>
             <a:extLst>
               <a:ext uri="{91240B29-F687-4f45-9708-019B960494DF}">
-                <a14:hiddenLine xmlns:a14="http://schemas.microsoft.com/office/drawing/2010/main" xmlns="" w="9525">
+                <a14:hiddenLine xmlns="" xmlns:a14="http://schemas.microsoft.com/office/drawing/2010/main" w="9525">
                   <a:solidFill>
                     <a:srgbClr val="000000"/>
                   </a:solidFill>
@@ -1567,7 +1606,7 @@
             </a:ln>
             <a:extLst>
               <a:ext uri="{91240B29-F687-4f45-9708-019B960494DF}">
-                <a14:hiddenLine xmlns:a14="http://schemas.microsoft.com/office/drawing/2010/main" xmlns="" w="9525">
+                <a14:hiddenLine xmlns="" xmlns:a14="http://schemas.microsoft.com/office/drawing/2010/main" w="9525">
                   <a:solidFill>
                     <a:srgbClr val="000000"/>
                   </a:solidFill>
@@ -1657,7 +1696,7 @@
             </a:ln>
             <a:extLst>
               <a:ext uri="{91240B29-F687-4f45-9708-019B960494DF}">
-                <a14:hiddenLine xmlns:a14="http://schemas.microsoft.com/office/drawing/2010/main" xmlns="" w="9525">
+                <a14:hiddenLine xmlns="" xmlns:a14="http://schemas.microsoft.com/office/drawing/2010/main" w="9525">
                   <a:solidFill>
                     <a:srgbClr val="000000"/>
                   </a:solidFill>
@@ -1719,7 +1758,7 @@
             </a:ln>
             <a:extLst>
               <a:ext uri="{91240B29-F687-4f45-9708-019B960494DF}">
-                <a14:hiddenLine xmlns:a14="http://schemas.microsoft.com/office/drawing/2010/main" xmlns="" w="9525">
+                <a14:hiddenLine xmlns="" xmlns:a14="http://schemas.microsoft.com/office/drawing/2010/main" w="9525">
                   <a:solidFill>
                     <a:srgbClr val="000000"/>
                   </a:solidFill>
@@ -1809,7 +1848,7 @@
             </a:ln>
             <a:extLst>
               <a:ext uri="{91240B29-F687-4f45-9708-019B960494DF}">
-                <a14:hiddenLine xmlns:a14="http://schemas.microsoft.com/office/drawing/2010/main" xmlns="" w="9525">
+                <a14:hiddenLine xmlns="" xmlns:a14="http://schemas.microsoft.com/office/drawing/2010/main" w="9525">
                   <a:solidFill>
                     <a:srgbClr val="000000"/>
                   </a:solidFill>
@@ -1899,7 +1938,7 @@
             </a:ln>
             <a:extLst>
               <a:ext uri="{91240B29-F687-4f45-9708-019B960494DF}">
-                <a14:hiddenLine xmlns:a14="http://schemas.microsoft.com/office/drawing/2010/main" xmlns="" w="9525">
+                <a14:hiddenLine xmlns="" xmlns:a14="http://schemas.microsoft.com/office/drawing/2010/main" w="9525">
                   <a:solidFill>
                     <a:srgbClr val="000000"/>
                   </a:solidFill>
@@ -1955,7 +1994,7 @@
             </a:ln>
             <a:extLst>
               <a:ext uri="{91240B29-F687-4f45-9708-019B960494DF}">
-                <a14:hiddenLine xmlns:a14="http://schemas.microsoft.com/office/drawing/2010/main" xmlns="" w="9525">
+                <a14:hiddenLine xmlns="" xmlns:a14="http://schemas.microsoft.com/office/drawing/2010/main" w="9525">
                   <a:solidFill>
                     <a:srgbClr val="000000"/>
                   </a:solidFill>
@@ -2045,7 +2084,7 @@
             </a:ln>
             <a:extLst>
               <a:ext uri="{91240B29-F687-4f45-9708-019B960494DF}">
-                <a14:hiddenLine xmlns:a14="http://schemas.microsoft.com/office/drawing/2010/main" xmlns="" w="9525">
+                <a14:hiddenLine xmlns="" xmlns:a14="http://schemas.microsoft.com/office/drawing/2010/main" w="9525">
                   <a:solidFill>
                     <a:srgbClr val="000000"/>
                   </a:solidFill>
@@ -2101,7 +2140,7 @@
             </a:ln>
             <a:extLst>
               <a:ext uri="{91240B29-F687-4f45-9708-019B960494DF}">
-                <a14:hiddenLine xmlns:a14="http://schemas.microsoft.com/office/drawing/2010/main" xmlns="" w="9525">
+                <a14:hiddenLine xmlns="" xmlns:a14="http://schemas.microsoft.com/office/drawing/2010/main" w="9525">
                   <a:solidFill>
                     <a:srgbClr val="000000"/>
                   </a:solidFill>
@@ -2191,7 +2230,7 @@
             </a:ln>
             <a:extLst>
               <a:ext uri="{91240B29-F687-4f45-9708-019B960494DF}">
-                <a14:hiddenLine xmlns:a14="http://schemas.microsoft.com/office/drawing/2010/main" xmlns="" w="9525">
+                <a14:hiddenLine xmlns="" xmlns:a14="http://schemas.microsoft.com/office/drawing/2010/main" w="9525">
                   <a:solidFill>
                     <a:srgbClr val="000000"/>
                   </a:solidFill>
@@ -2259,7 +2298,7 @@
             </a:ln>
             <a:extLst>
               <a:ext uri="{91240B29-F687-4f45-9708-019B960494DF}">
-                <a14:hiddenLine xmlns:a14="http://schemas.microsoft.com/office/drawing/2010/main" xmlns="" w="9525">
+                <a14:hiddenLine xmlns="" xmlns:a14="http://schemas.microsoft.com/office/drawing/2010/main" w="9525">
                   <a:solidFill>
                     <a:srgbClr val="000000"/>
                   </a:solidFill>
@@ -2349,7 +2388,7 @@
             </a:ln>
             <a:extLst>
               <a:ext uri="{91240B29-F687-4f45-9708-019B960494DF}">
-                <a14:hiddenLine xmlns:a14="http://schemas.microsoft.com/office/drawing/2010/main" xmlns="" w="9525">
+                <a14:hiddenLine xmlns="" xmlns:a14="http://schemas.microsoft.com/office/drawing/2010/main" w="9525">
                   <a:solidFill>
                     <a:srgbClr val="000000"/>
                   </a:solidFill>
@@ -2417,7 +2456,7 @@
             </a:ln>
             <a:extLst>
               <a:ext uri="{91240B29-F687-4f45-9708-019B960494DF}">
-                <a14:hiddenLine xmlns:a14="http://schemas.microsoft.com/office/drawing/2010/main" xmlns="" w="9525">
+                <a14:hiddenLine xmlns="" xmlns:a14="http://schemas.microsoft.com/office/drawing/2010/main" w="9525">
                   <a:solidFill>
                     <a:srgbClr val="000000"/>
                   </a:solidFill>
@@ -2507,7 +2546,7 @@
             </a:ln>
             <a:extLst>
               <a:ext uri="{91240B29-F687-4f45-9708-019B960494DF}">
-                <a14:hiddenLine xmlns:a14="http://schemas.microsoft.com/office/drawing/2010/main" xmlns="" w="9525">
+                <a14:hiddenLine xmlns="" xmlns:a14="http://schemas.microsoft.com/office/drawing/2010/main" w="9525">
                   <a:solidFill>
                     <a:srgbClr val="000000"/>
                   </a:solidFill>
@@ -2541,7 +2580,7 @@
             </a:ln>
             <a:extLst>
               <a:ext uri="{91240B29-F687-4f45-9708-019B960494DF}">
-                <a14:hiddenLine xmlns:a14="http://schemas.microsoft.com/office/drawing/2010/main" xmlns="" w="9525">
+                <a14:hiddenLine xmlns="" xmlns:a14="http://schemas.microsoft.com/office/drawing/2010/main" w="9525">
                   <a:solidFill>
                     <a:srgbClr val="000000"/>
                   </a:solidFill>
@@ -2631,7 +2670,7 @@
             </a:ln>
             <a:extLst>
               <a:ext uri="{91240B29-F687-4f45-9708-019B960494DF}">
-                <a14:hiddenLine xmlns:a14="http://schemas.microsoft.com/office/drawing/2010/main" xmlns="" w="9525">
+                <a14:hiddenLine xmlns="" xmlns:a14="http://schemas.microsoft.com/office/drawing/2010/main" w="9525">
                   <a:solidFill>
                     <a:srgbClr val="000000"/>
                   </a:solidFill>
@@ -2693,7 +2732,7 @@
             </a:ln>
             <a:extLst>
               <a:ext uri="{91240B29-F687-4f45-9708-019B960494DF}">
-                <a14:hiddenLine xmlns:a14="http://schemas.microsoft.com/office/drawing/2010/main" xmlns="" w="9525">
+                <a14:hiddenLine xmlns="" xmlns:a14="http://schemas.microsoft.com/office/drawing/2010/main" w="9525">
                   <a:solidFill>
                     <a:srgbClr val="000000"/>
                   </a:solidFill>
@@ -2755,7 +2794,7 @@
             </a:ln>
             <a:extLst>
               <a:ext uri="{91240B29-F687-4f45-9708-019B960494DF}">
-                <a14:hiddenLine xmlns:a14="http://schemas.microsoft.com/office/drawing/2010/main" xmlns="" w="9525">
+                <a14:hiddenLine xmlns="" xmlns:a14="http://schemas.microsoft.com/office/drawing/2010/main" w="9525">
                   <a:solidFill>
                     <a:srgbClr val="000000"/>
                   </a:solidFill>
@@ -2845,7 +2884,7 @@
             </a:ln>
             <a:extLst>
               <a:ext uri="{91240B29-F687-4f45-9708-019B960494DF}">
-                <a14:hiddenLine xmlns:a14="http://schemas.microsoft.com/office/drawing/2010/main" xmlns="" w="9525">
+                <a14:hiddenLine xmlns="" xmlns:a14="http://schemas.microsoft.com/office/drawing/2010/main" w="9525">
                   <a:solidFill>
                     <a:srgbClr val="000000"/>
                   </a:solidFill>
@@ -2913,7 +2952,7 @@
             </a:ln>
             <a:extLst>
               <a:ext uri="{91240B29-F687-4f45-9708-019B960494DF}">
-                <a14:hiddenLine xmlns:a14="http://schemas.microsoft.com/office/drawing/2010/main" xmlns="" w="9525">
+                <a14:hiddenLine xmlns="" xmlns:a14="http://schemas.microsoft.com/office/drawing/2010/main" w="9525">
                   <a:solidFill>
                     <a:srgbClr val="000000"/>
                   </a:solidFill>
@@ -2975,7 +3014,7 @@
             </a:ln>
             <a:extLst>
               <a:ext uri="{91240B29-F687-4f45-9708-019B960494DF}">
-                <a14:hiddenLine xmlns:a14="http://schemas.microsoft.com/office/drawing/2010/main" xmlns="" w="9525">
+                <a14:hiddenLine xmlns="" xmlns:a14="http://schemas.microsoft.com/office/drawing/2010/main" w="9525">
                   <a:solidFill>
                     <a:srgbClr val="000000"/>
                   </a:solidFill>
@@ -3065,7 +3104,7 @@
             </a:ln>
             <a:extLst>
               <a:ext uri="{91240B29-F687-4f45-9708-019B960494DF}">
-                <a14:hiddenLine xmlns:a14="http://schemas.microsoft.com/office/drawing/2010/main" xmlns="" w="9525">
+                <a14:hiddenLine xmlns="" xmlns:a14="http://schemas.microsoft.com/office/drawing/2010/main" w="9525">
                   <a:solidFill>
                     <a:srgbClr val="000000"/>
                   </a:solidFill>
@@ -3127,7 +3166,7 @@
             </a:ln>
             <a:extLst>
               <a:ext uri="{91240B29-F687-4f45-9708-019B960494DF}">
-                <a14:hiddenLine xmlns:a14="http://schemas.microsoft.com/office/drawing/2010/main" xmlns="" w="9525">
+                <a14:hiddenLine xmlns="" xmlns:a14="http://schemas.microsoft.com/office/drawing/2010/main" w="9525">
                   <a:solidFill>
                     <a:srgbClr val="000000"/>
                   </a:solidFill>
@@ -3217,7 +3256,7 @@
             </a:ln>
             <a:extLst>
               <a:ext uri="{91240B29-F687-4f45-9708-019B960494DF}">
-                <a14:hiddenLine xmlns:a14="http://schemas.microsoft.com/office/drawing/2010/main" xmlns="" w="9525">
+                <a14:hiddenLine xmlns="" xmlns:a14="http://schemas.microsoft.com/office/drawing/2010/main" w="9525">
                   <a:solidFill>
                     <a:srgbClr val="000000"/>
                   </a:solidFill>
@@ -3279,7 +3318,7 @@
             </a:ln>
             <a:extLst>
               <a:ext uri="{91240B29-F687-4f45-9708-019B960494DF}">
-                <a14:hiddenLine xmlns:a14="http://schemas.microsoft.com/office/drawing/2010/main" xmlns="" w="9525">
+                <a14:hiddenLine xmlns="" xmlns:a14="http://schemas.microsoft.com/office/drawing/2010/main" w="9525">
                   <a:solidFill>
                     <a:srgbClr val="000000"/>
                   </a:solidFill>
@@ -3369,7 +3408,7 @@
             </a:ln>
             <a:extLst>
               <a:ext uri="{91240B29-F687-4f45-9708-019B960494DF}">
-                <a14:hiddenLine xmlns:a14="http://schemas.microsoft.com/office/drawing/2010/main" xmlns="" w="9525">
+                <a14:hiddenLine xmlns="" xmlns:a14="http://schemas.microsoft.com/office/drawing/2010/main" w="9525">
                   <a:solidFill>
                     <a:srgbClr val="000000"/>
                   </a:solidFill>
@@ -3403,7 +3442,7 @@
             </a:ln>
             <a:extLst>
               <a:ext uri="{91240B29-F687-4f45-9708-019B960494DF}">
-                <a14:hiddenLine xmlns:a14="http://schemas.microsoft.com/office/drawing/2010/main" xmlns="" w="9525">
+                <a14:hiddenLine xmlns="" xmlns:a14="http://schemas.microsoft.com/office/drawing/2010/main" w="9525">
                   <a:solidFill>
                     <a:srgbClr val="000000"/>
                   </a:solidFill>
@@ -3468,7 +3507,7 @@
             </a:ln>
             <a:extLst>
               <a:ext uri="{91240B29-F687-4f45-9708-019B960494DF}">
-                <a14:hiddenLine xmlns:a14="http://schemas.microsoft.com/office/drawing/2010/main" xmlns="" w="9525">
+                <a14:hiddenLine xmlns="" xmlns:a14="http://schemas.microsoft.com/office/drawing/2010/main" w="9525">
                   <a:solidFill>
                     <a:srgbClr val="000000"/>
                   </a:solidFill>
@@ -3558,7 +3597,7 @@
             </a:ln>
             <a:extLst>
               <a:ext uri="{91240B29-F687-4f45-9708-019B960494DF}">
-                <a14:hiddenLine xmlns:a14="http://schemas.microsoft.com/office/drawing/2010/main" xmlns="" w="9525">
+                <a14:hiddenLine xmlns="" xmlns:a14="http://schemas.microsoft.com/office/drawing/2010/main" w="9525">
                   <a:solidFill>
                     <a:srgbClr val="000000"/>
                   </a:solidFill>
@@ -3620,7 +3659,7 @@
             </a:ln>
             <a:extLst>
               <a:ext uri="{91240B29-F687-4f45-9708-019B960494DF}">
-                <a14:hiddenLine xmlns:a14="http://schemas.microsoft.com/office/drawing/2010/main" xmlns="" w="9525">
+                <a14:hiddenLine xmlns="" xmlns:a14="http://schemas.microsoft.com/office/drawing/2010/main" w="9525">
                   <a:solidFill>
                     <a:srgbClr val="000000"/>
                   </a:solidFill>
@@ -3710,7 +3749,7 @@
             </a:ln>
             <a:extLst>
               <a:ext uri="{91240B29-F687-4f45-9708-019B960494DF}">
-                <a14:hiddenLine xmlns:a14="http://schemas.microsoft.com/office/drawing/2010/main" xmlns="" w="9525">
+                <a14:hiddenLine xmlns="" xmlns:a14="http://schemas.microsoft.com/office/drawing/2010/main" w="9525">
                   <a:solidFill>
                     <a:srgbClr val="000000"/>
                   </a:solidFill>
@@ -3800,7 +3839,7 @@
             </a:ln>
             <a:extLst>
               <a:ext uri="{91240B29-F687-4f45-9708-019B960494DF}">
-                <a14:hiddenLine xmlns:a14="http://schemas.microsoft.com/office/drawing/2010/main" xmlns="" w="9525">
+                <a14:hiddenLine xmlns="" xmlns:a14="http://schemas.microsoft.com/office/drawing/2010/main" w="9525">
                   <a:solidFill>
                     <a:srgbClr val="000000"/>
                   </a:solidFill>
@@ -3865,7 +3904,7 @@
             </a:ln>
             <a:extLst>
               <a:ext uri="{91240B29-F687-4f45-9708-019B960494DF}">
-                <a14:hiddenLine xmlns:a14="http://schemas.microsoft.com/office/drawing/2010/main" xmlns="" w="9525">
+                <a14:hiddenLine xmlns="" xmlns:a14="http://schemas.microsoft.com/office/drawing/2010/main" w="9525">
                   <a:solidFill>
                     <a:srgbClr val="000000"/>
                   </a:solidFill>
@@ -3927,7 +3966,7 @@
             </a:ln>
             <a:extLst>
               <a:ext uri="{91240B29-F687-4f45-9708-019B960494DF}">
-                <a14:hiddenLine xmlns:a14="http://schemas.microsoft.com/office/drawing/2010/main" xmlns="" w="9525">
+                <a14:hiddenLine xmlns="" xmlns:a14="http://schemas.microsoft.com/office/drawing/2010/main" w="9525">
                   <a:solidFill>
                     <a:srgbClr val="000000"/>
                   </a:solidFill>
@@ -4017,7 +4056,7 @@
             </a:ln>
             <a:extLst>
               <a:ext uri="{91240B29-F687-4f45-9708-019B960494DF}">
-                <a14:hiddenLine xmlns:a14="http://schemas.microsoft.com/office/drawing/2010/main" xmlns="" w="9525">
+                <a14:hiddenLine xmlns="" xmlns:a14="http://schemas.microsoft.com/office/drawing/2010/main" w="9525">
                   <a:solidFill>
                     <a:srgbClr val="000000"/>
                   </a:solidFill>
@@ -4107,7 +4146,7 @@
             </a:ln>
             <a:extLst>
               <a:ext uri="{91240B29-F687-4f45-9708-019B960494DF}">
-                <a14:hiddenLine xmlns:a14="http://schemas.microsoft.com/office/drawing/2010/main" xmlns="" w="9525">
+                <a14:hiddenLine xmlns="" xmlns:a14="http://schemas.microsoft.com/office/drawing/2010/main" w="9525">
                   <a:solidFill>
                     <a:srgbClr val="000000"/>
                   </a:solidFill>
@@ -4169,7 +4208,7 @@
             </a:ln>
             <a:extLst>
               <a:ext uri="{91240B29-F687-4f45-9708-019B960494DF}">
-                <a14:hiddenLine xmlns:a14="http://schemas.microsoft.com/office/drawing/2010/main" xmlns="" w="9525">
+                <a14:hiddenLine xmlns="" xmlns:a14="http://schemas.microsoft.com/office/drawing/2010/main" w="9525">
                   <a:solidFill>
                     <a:srgbClr val="000000"/>
                   </a:solidFill>
@@ -4289,7 +4328,7 @@
             </a:ln>
             <a:extLst>
               <a:ext uri="{91240B29-F687-4f45-9708-019B960494DF}">
-                <a14:hiddenLine xmlns:a14="http://schemas.microsoft.com/office/drawing/2010/main" xmlns="" w="9525">
+                <a14:hiddenLine xmlns="" xmlns:a14="http://schemas.microsoft.com/office/drawing/2010/main" w="9525">
                   <a:solidFill>
                     <a:srgbClr val="000000"/>
                   </a:solidFill>
@@ -4357,7 +4396,7 @@
             </a:ln>
             <a:extLst>
               <a:ext uri="{91240B29-F687-4f45-9708-019B960494DF}">
-                <a14:hiddenLine xmlns:a14="http://schemas.microsoft.com/office/drawing/2010/main" xmlns="" w="9525">
+                <a14:hiddenLine xmlns="" xmlns:a14="http://schemas.microsoft.com/office/drawing/2010/main" w="9525">
                   <a:solidFill>
                     <a:srgbClr val="000000"/>
                   </a:solidFill>
@@ -4447,7 +4486,7 @@
             </a:ln>
             <a:extLst>
               <a:ext uri="{91240B29-F687-4f45-9708-019B960494DF}">
-                <a14:hiddenLine xmlns:a14="http://schemas.microsoft.com/office/drawing/2010/main" xmlns="" w="9525">
+                <a14:hiddenLine xmlns="" xmlns:a14="http://schemas.microsoft.com/office/drawing/2010/main" w="9525">
                   <a:solidFill>
                     <a:srgbClr val="000000"/>
                   </a:solidFill>
@@ -7480,7 +7519,7 @@
           <a:noFill/>
           <a:extLst>
             <a:ext uri="{909E8E84-426E-40dd-AFC4-6F175D3DCCD1}">
-              <a14:hiddenFill xmlns:a14="http://schemas.microsoft.com/office/drawing/2010/main" xmlns="">
+              <a14:hiddenFill xmlns="" xmlns:a14="http://schemas.microsoft.com/office/drawing/2010/main">
                 <a:solidFill>
                   <a:srgbClr val="FFFFFF"/>
                 </a:solidFill>
@@ -7552,7 +7591,7 @@
             </a:ln>
             <a:extLst>
               <a:ext uri="{91240B29-F687-4f45-9708-019B960494DF}">
-                <a14:hiddenLine xmlns:a14="http://schemas.microsoft.com/office/drawing/2010/main" xmlns="" w="9525">
+                <a14:hiddenLine xmlns="" xmlns:a14="http://schemas.microsoft.com/office/drawing/2010/main" w="9525">
                   <a:solidFill>
                     <a:srgbClr val="000000"/>
                   </a:solidFill>
@@ -7648,7 +7687,7 @@
             </a:ln>
             <a:extLst>
               <a:ext uri="{91240B29-F687-4f45-9708-019B960494DF}">
-                <a14:hiddenLine xmlns:a14="http://schemas.microsoft.com/office/drawing/2010/main" xmlns="" w="9525">
+                <a14:hiddenLine xmlns="" xmlns:a14="http://schemas.microsoft.com/office/drawing/2010/main" w="9525">
                   <a:solidFill>
                     <a:srgbClr val="000000"/>
                   </a:solidFill>
@@ -7744,7 +7783,7 @@
             </a:ln>
             <a:extLst>
               <a:ext uri="{91240B29-F687-4f45-9708-019B960494DF}">
-                <a14:hiddenLine xmlns:a14="http://schemas.microsoft.com/office/drawing/2010/main" xmlns="" w="9525">
+                <a14:hiddenLine xmlns="" xmlns:a14="http://schemas.microsoft.com/office/drawing/2010/main" w="9525">
                   <a:solidFill>
                     <a:srgbClr val="000000"/>
                   </a:solidFill>
@@ -7784,7 +7823,7 @@
             </a:ln>
             <a:extLst>
               <a:ext uri="{91240B29-F687-4f45-9708-019B960494DF}">
-                <a14:hiddenLine xmlns:a14="http://schemas.microsoft.com/office/drawing/2010/main" xmlns="" w="9525">
+                <a14:hiddenLine xmlns="" xmlns:a14="http://schemas.microsoft.com/office/drawing/2010/main" w="9525">
                   <a:solidFill>
                     <a:srgbClr val="000000"/>
                   </a:solidFill>
@@ -7880,7 +7919,7 @@
             </a:ln>
             <a:extLst>
               <a:ext uri="{91240B29-F687-4f45-9708-019B960494DF}">
-                <a14:hiddenLine xmlns:a14="http://schemas.microsoft.com/office/drawing/2010/main" xmlns="" w="9525">
+                <a14:hiddenLine xmlns="" xmlns:a14="http://schemas.microsoft.com/office/drawing/2010/main" w="9525">
                   <a:solidFill>
                     <a:srgbClr val="000000"/>
                   </a:solidFill>
@@ -7948,7 +7987,7 @@
             </a:ln>
             <a:extLst>
               <a:ext uri="{91240B29-F687-4f45-9708-019B960494DF}">
-                <a14:hiddenLine xmlns:a14="http://schemas.microsoft.com/office/drawing/2010/main" xmlns="" w="9525">
+                <a14:hiddenLine xmlns="" xmlns:a14="http://schemas.microsoft.com/office/drawing/2010/main" w="9525">
                   <a:solidFill>
                     <a:srgbClr val="000000"/>
                   </a:solidFill>
@@ -8016,7 +8055,7 @@
             </a:ln>
             <a:extLst>
               <a:ext uri="{91240B29-F687-4f45-9708-019B960494DF}">
-                <a14:hiddenLine xmlns:a14="http://schemas.microsoft.com/office/drawing/2010/main" xmlns="" w="9525">
+                <a14:hiddenLine xmlns="" xmlns:a14="http://schemas.microsoft.com/office/drawing/2010/main" w="9525">
                   <a:solidFill>
                     <a:srgbClr val="000000"/>
                   </a:solidFill>
@@ -8112,7 +8151,7 @@
             </a:ln>
             <a:extLst>
               <a:ext uri="{91240B29-F687-4f45-9708-019B960494DF}">
-                <a14:hiddenLine xmlns:a14="http://schemas.microsoft.com/office/drawing/2010/main" xmlns="" w="9525">
+                <a14:hiddenLine xmlns="" xmlns:a14="http://schemas.microsoft.com/office/drawing/2010/main" w="9525">
                   <a:solidFill>
                     <a:srgbClr val="000000"/>
                   </a:solidFill>
@@ -8180,7 +8219,7 @@
             </a:ln>
             <a:extLst>
               <a:ext uri="{91240B29-F687-4f45-9708-019B960494DF}">
-                <a14:hiddenLine xmlns:a14="http://schemas.microsoft.com/office/drawing/2010/main" xmlns="" w="9525">
+                <a14:hiddenLine xmlns="" xmlns:a14="http://schemas.microsoft.com/office/drawing/2010/main" w="9525">
                   <a:solidFill>
                     <a:srgbClr val="000000"/>
                   </a:solidFill>
@@ -8248,7 +8287,7 @@
             </a:ln>
             <a:extLst>
               <a:ext uri="{91240B29-F687-4f45-9708-019B960494DF}">
-                <a14:hiddenLine xmlns:a14="http://schemas.microsoft.com/office/drawing/2010/main" xmlns="" w="9525">
+                <a14:hiddenLine xmlns="" xmlns:a14="http://schemas.microsoft.com/office/drawing/2010/main" w="9525">
                   <a:solidFill>
                     <a:srgbClr val="000000"/>
                   </a:solidFill>
@@ -8344,7 +8383,7 @@
             </a:ln>
             <a:extLst>
               <a:ext uri="{91240B29-F687-4f45-9708-019B960494DF}">
-                <a14:hiddenLine xmlns:a14="http://schemas.microsoft.com/office/drawing/2010/main" xmlns="" w="9525">
+                <a14:hiddenLine xmlns="" xmlns:a14="http://schemas.microsoft.com/office/drawing/2010/main" w="9525">
                   <a:solidFill>
                     <a:srgbClr val="000000"/>
                   </a:solidFill>
@@ -8440,7 +8479,7 @@
             </a:ln>
             <a:extLst>
               <a:ext uri="{91240B29-F687-4f45-9708-019B960494DF}">
-                <a14:hiddenLine xmlns:a14="http://schemas.microsoft.com/office/drawing/2010/main" xmlns="" w="9525">
+                <a14:hiddenLine xmlns="" xmlns:a14="http://schemas.microsoft.com/office/drawing/2010/main" w="9525">
                   <a:solidFill>
                     <a:srgbClr val="000000"/>
                   </a:solidFill>
@@ -8508,7 +8547,7 @@
             </a:ln>
             <a:extLst>
               <a:ext uri="{91240B29-F687-4f45-9708-019B960494DF}">
-                <a14:hiddenLine xmlns:a14="http://schemas.microsoft.com/office/drawing/2010/main" xmlns="" w="9525">
+                <a14:hiddenLine xmlns="" xmlns:a14="http://schemas.microsoft.com/office/drawing/2010/main" w="9525">
                   <a:solidFill>
                     <a:srgbClr val="000000"/>
                   </a:solidFill>
@@ -8624,7 +8663,7 @@
             </a:ln>
             <a:extLst>
               <a:ext uri="{91240B29-F687-4f45-9708-019B960494DF}">
-                <a14:hiddenLine xmlns:a14="http://schemas.microsoft.com/office/drawing/2010/main" xmlns="" w="9525">
+                <a14:hiddenLine xmlns="" xmlns:a14="http://schemas.microsoft.com/office/drawing/2010/main" w="9525">
                   <a:solidFill>
                     <a:srgbClr val="000000"/>
                   </a:solidFill>
@@ -8692,7 +8731,7 @@
             </a:ln>
             <a:extLst>
               <a:ext uri="{91240B29-F687-4f45-9708-019B960494DF}">
-                <a14:hiddenLine xmlns:a14="http://schemas.microsoft.com/office/drawing/2010/main" xmlns="" w="9525">
+                <a14:hiddenLine xmlns="" xmlns:a14="http://schemas.microsoft.com/office/drawing/2010/main" w="9525">
                   <a:solidFill>
                     <a:srgbClr val="000000"/>
                   </a:solidFill>
@@ -8788,7 +8827,7 @@
             </a:ln>
             <a:extLst>
               <a:ext uri="{91240B29-F687-4f45-9708-019B960494DF}">
-                <a14:hiddenLine xmlns:a14="http://schemas.microsoft.com/office/drawing/2010/main" xmlns="" w="9525">
+                <a14:hiddenLine xmlns="" xmlns:a14="http://schemas.microsoft.com/office/drawing/2010/main" w="9525">
                   <a:solidFill>
                     <a:srgbClr val="000000"/>
                   </a:solidFill>
@@ -8884,7 +8923,7 @@
             </a:ln>
             <a:extLst>
               <a:ext uri="{91240B29-F687-4f45-9708-019B960494DF}">
-                <a14:hiddenLine xmlns:a14="http://schemas.microsoft.com/office/drawing/2010/main" xmlns="" w="9525">
+                <a14:hiddenLine xmlns="" xmlns:a14="http://schemas.microsoft.com/office/drawing/2010/main" w="9525">
                   <a:solidFill>
                     <a:srgbClr val="000000"/>
                   </a:solidFill>
@@ -8952,7 +8991,7 @@
             </a:ln>
             <a:extLst>
               <a:ext uri="{91240B29-F687-4f45-9708-019B960494DF}">
-                <a14:hiddenLine xmlns:a14="http://schemas.microsoft.com/office/drawing/2010/main" xmlns="" w="9525">
+                <a14:hiddenLine xmlns="" xmlns:a14="http://schemas.microsoft.com/office/drawing/2010/main" w="9525">
                   <a:solidFill>
                     <a:srgbClr val="000000"/>
                   </a:solidFill>
@@ -9048,7 +9087,7 @@
             </a:ln>
             <a:extLst>
               <a:ext uri="{91240B29-F687-4f45-9708-019B960494DF}">
-                <a14:hiddenLine xmlns:a14="http://schemas.microsoft.com/office/drawing/2010/main" xmlns="" w="9525">
+                <a14:hiddenLine xmlns="" xmlns:a14="http://schemas.microsoft.com/office/drawing/2010/main" w="9525">
                   <a:solidFill>
                     <a:srgbClr val="000000"/>
                   </a:solidFill>
@@ -9144,7 +9183,7 @@
             </a:ln>
             <a:extLst>
               <a:ext uri="{91240B29-F687-4f45-9708-019B960494DF}">
-                <a14:hiddenLine xmlns:a14="http://schemas.microsoft.com/office/drawing/2010/main" xmlns="" w="9525">
+                <a14:hiddenLine xmlns="" xmlns:a14="http://schemas.microsoft.com/office/drawing/2010/main" w="9525">
                   <a:solidFill>
                     <a:srgbClr val="000000"/>
                   </a:solidFill>
@@ -9206,7 +9245,7 @@
             </a:ln>
             <a:extLst>
               <a:ext uri="{91240B29-F687-4f45-9708-019B960494DF}">
-                <a14:hiddenLine xmlns:a14="http://schemas.microsoft.com/office/drawing/2010/main" xmlns="" w="9525">
+                <a14:hiddenLine xmlns="" xmlns:a14="http://schemas.microsoft.com/office/drawing/2010/main" w="9525">
                   <a:solidFill>
                     <a:srgbClr val="000000"/>
                   </a:solidFill>
@@ -9302,7 +9341,7 @@
             </a:ln>
             <a:extLst>
               <a:ext uri="{91240B29-F687-4f45-9708-019B960494DF}">
-                <a14:hiddenLine xmlns:a14="http://schemas.microsoft.com/office/drawing/2010/main" xmlns="" w="9525">
+                <a14:hiddenLine xmlns="" xmlns:a14="http://schemas.microsoft.com/office/drawing/2010/main" w="9525">
                   <a:solidFill>
                     <a:srgbClr val="000000"/>
                   </a:solidFill>
@@ -9364,7 +9403,7 @@
             </a:ln>
             <a:extLst>
               <a:ext uri="{91240B29-F687-4f45-9708-019B960494DF}">
-                <a14:hiddenLine xmlns:a14="http://schemas.microsoft.com/office/drawing/2010/main" xmlns="" w="9525">
+                <a14:hiddenLine xmlns="" xmlns:a14="http://schemas.microsoft.com/office/drawing/2010/main" w="9525">
                   <a:solidFill>
                     <a:srgbClr val="000000"/>
                   </a:solidFill>
@@ -9460,7 +9499,7 @@
             </a:ln>
             <a:extLst>
               <a:ext uri="{91240B29-F687-4f45-9708-019B960494DF}">
-                <a14:hiddenLine xmlns:a14="http://schemas.microsoft.com/office/drawing/2010/main" xmlns="" w="9525">
+                <a14:hiddenLine xmlns="" xmlns:a14="http://schemas.microsoft.com/office/drawing/2010/main" w="9525">
                   <a:solidFill>
                     <a:srgbClr val="000000"/>
                   </a:solidFill>
@@ -9534,7 +9573,7 @@
             </a:ln>
             <a:extLst>
               <a:ext uri="{91240B29-F687-4f45-9708-019B960494DF}">
-                <a14:hiddenLine xmlns:a14="http://schemas.microsoft.com/office/drawing/2010/main" xmlns="" w="9525">
+                <a14:hiddenLine xmlns="" xmlns:a14="http://schemas.microsoft.com/office/drawing/2010/main" w="9525">
                   <a:solidFill>
                     <a:srgbClr val="000000"/>
                   </a:solidFill>
@@ -9630,7 +9669,7 @@
             </a:ln>
             <a:extLst>
               <a:ext uri="{91240B29-F687-4f45-9708-019B960494DF}">
-                <a14:hiddenLine xmlns:a14="http://schemas.microsoft.com/office/drawing/2010/main" xmlns="" w="9525">
+                <a14:hiddenLine xmlns="" xmlns:a14="http://schemas.microsoft.com/office/drawing/2010/main" w="9525">
                   <a:solidFill>
                     <a:srgbClr val="000000"/>
                   </a:solidFill>
@@ -9704,7 +9743,7 @@
             </a:ln>
             <a:extLst>
               <a:ext uri="{91240B29-F687-4f45-9708-019B960494DF}">
-                <a14:hiddenLine xmlns:a14="http://schemas.microsoft.com/office/drawing/2010/main" xmlns="" w="9525">
+                <a14:hiddenLine xmlns="" xmlns:a14="http://schemas.microsoft.com/office/drawing/2010/main" w="9525">
                   <a:solidFill>
                     <a:srgbClr val="000000"/>
                   </a:solidFill>
@@ -9800,7 +9839,7 @@
             </a:ln>
             <a:extLst>
               <a:ext uri="{91240B29-F687-4f45-9708-019B960494DF}">
-                <a14:hiddenLine xmlns:a14="http://schemas.microsoft.com/office/drawing/2010/main" xmlns="" w="9525">
+                <a14:hiddenLine xmlns="" xmlns:a14="http://schemas.microsoft.com/office/drawing/2010/main" w="9525">
                   <a:solidFill>
                     <a:srgbClr val="000000"/>
                   </a:solidFill>
@@ -9840,7 +9879,7 @@
             </a:ln>
             <a:extLst>
               <a:ext uri="{91240B29-F687-4f45-9708-019B960494DF}">
-                <a14:hiddenLine xmlns:a14="http://schemas.microsoft.com/office/drawing/2010/main" xmlns="" w="9525">
+                <a14:hiddenLine xmlns="" xmlns:a14="http://schemas.microsoft.com/office/drawing/2010/main" w="9525">
                   <a:solidFill>
                     <a:srgbClr val="000000"/>
                   </a:solidFill>
@@ -9936,7 +9975,7 @@
             </a:ln>
             <a:extLst>
               <a:ext uri="{91240B29-F687-4f45-9708-019B960494DF}">
-                <a14:hiddenLine xmlns:a14="http://schemas.microsoft.com/office/drawing/2010/main" xmlns="" w="9525">
+                <a14:hiddenLine xmlns="" xmlns:a14="http://schemas.microsoft.com/office/drawing/2010/main" w="9525">
                   <a:solidFill>
                     <a:srgbClr val="000000"/>
                   </a:solidFill>
@@ -10004,7 +10043,7 @@
             </a:ln>
             <a:extLst>
               <a:ext uri="{91240B29-F687-4f45-9708-019B960494DF}">
-                <a14:hiddenLine xmlns:a14="http://schemas.microsoft.com/office/drawing/2010/main" xmlns="" w="9525">
+                <a14:hiddenLine xmlns="" xmlns:a14="http://schemas.microsoft.com/office/drawing/2010/main" w="9525">
                   <a:solidFill>
                     <a:srgbClr val="000000"/>
                   </a:solidFill>
@@ -10072,7 +10111,7 @@
             </a:ln>
             <a:extLst>
               <a:ext uri="{91240B29-F687-4f45-9708-019B960494DF}">
-                <a14:hiddenLine xmlns:a14="http://schemas.microsoft.com/office/drawing/2010/main" xmlns="" w="9525">
+                <a14:hiddenLine xmlns="" xmlns:a14="http://schemas.microsoft.com/office/drawing/2010/main" w="9525">
                   <a:solidFill>
                     <a:srgbClr val="000000"/>
                   </a:solidFill>
@@ -10168,7 +10207,7 @@
             </a:ln>
             <a:extLst>
               <a:ext uri="{91240B29-F687-4f45-9708-019B960494DF}">
-                <a14:hiddenLine xmlns:a14="http://schemas.microsoft.com/office/drawing/2010/main" xmlns="" w="9525">
+                <a14:hiddenLine xmlns="" xmlns:a14="http://schemas.microsoft.com/office/drawing/2010/main" w="9525">
                   <a:solidFill>
                     <a:srgbClr val="000000"/>
                   </a:solidFill>
@@ -10242,7 +10281,7 @@
             </a:ln>
             <a:extLst>
               <a:ext uri="{91240B29-F687-4f45-9708-019B960494DF}">
-                <a14:hiddenLine xmlns:a14="http://schemas.microsoft.com/office/drawing/2010/main" xmlns="" w="9525">
+                <a14:hiddenLine xmlns="" xmlns:a14="http://schemas.microsoft.com/office/drawing/2010/main" w="9525">
                   <a:solidFill>
                     <a:srgbClr val="000000"/>
                   </a:solidFill>
@@ -10310,7 +10349,7 @@
             </a:ln>
             <a:extLst>
               <a:ext uri="{91240B29-F687-4f45-9708-019B960494DF}">
-                <a14:hiddenLine xmlns:a14="http://schemas.microsoft.com/office/drawing/2010/main" xmlns="" w="9525">
+                <a14:hiddenLine xmlns="" xmlns:a14="http://schemas.microsoft.com/office/drawing/2010/main" w="9525">
                   <a:solidFill>
                     <a:srgbClr val="000000"/>
                   </a:solidFill>
@@ -10406,7 +10445,7 @@
             </a:ln>
             <a:extLst>
               <a:ext uri="{91240B29-F687-4f45-9708-019B960494DF}">
-                <a14:hiddenLine xmlns:a14="http://schemas.microsoft.com/office/drawing/2010/main" xmlns="" w="9525">
+                <a14:hiddenLine xmlns="" xmlns:a14="http://schemas.microsoft.com/office/drawing/2010/main" w="9525">
                   <a:solidFill>
                     <a:srgbClr val="000000"/>
                   </a:solidFill>
@@ -10474,7 +10513,7 @@
             </a:ln>
             <a:extLst>
               <a:ext uri="{91240B29-F687-4f45-9708-019B960494DF}">
-                <a14:hiddenLine xmlns:a14="http://schemas.microsoft.com/office/drawing/2010/main" xmlns="" w="9525">
+                <a14:hiddenLine xmlns="" xmlns:a14="http://schemas.microsoft.com/office/drawing/2010/main" w="9525">
                   <a:solidFill>
                     <a:srgbClr val="000000"/>
                   </a:solidFill>
@@ -10570,7 +10609,7 @@
             </a:ln>
             <a:extLst>
               <a:ext uri="{91240B29-F687-4f45-9708-019B960494DF}">
-                <a14:hiddenLine xmlns:a14="http://schemas.microsoft.com/office/drawing/2010/main" xmlns="" w="9525">
+                <a14:hiddenLine xmlns="" xmlns:a14="http://schemas.microsoft.com/office/drawing/2010/main" w="9525">
                   <a:solidFill>
                     <a:srgbClr val="000000"/>
                   </a:solidFill>
@@ -10638,7 +10677,7 @@
             </a:ln>
             <a:extLst>
               <a:ext uri="{91240B29-F687-4f45-9708-019B960494DF}">
-                <a14:hiddenLine xmlns:a14="http://schemas.microsoft.com/office/drawing/2010/main" xmlns="" w="9525">
+                <a14:hiddenLine xmlns="" xmlns:a14="http://schemas.microsoft.com/office/drawing/2010/main" w="9525">
                   <a:solidFill>
                     <a:srgbClr val="000000"/>
                   </a:solidFill>
@@ -10734,7 +10773,7 @@
             </a:ln>
             <a:extLst>
               <a:ext uri="{91240B29-F687-4f45-9708-019B960494DF}">
-                <a14:hiddenLine xmlns:a14="http://schemas.microsoft.com/office/drawing/2010/main" xmlns="" w="9525">
+                <a14:hiddenLine xmlns="" xmlns:a14="http://schemas.microsoft.com/office/drawing/2010/main" w="9525">
                   <a:solidFill>
                     <a:srgbClr val="000000"/>
                   </a:solidFill>
@@ -10774,7 +10813,7 @@
             </a:ln>
             <a:extLst>
               <a:ext uri="{91240B29-F687-4f45-9708-019B960494DF}">
-                <a14:hiddenLine xmlns:a14="http://schemas.microsoft.com/office/drawing/2010/main" xmlns="" w="9525">
+                <a14:hiddenLine xmlns="" xmlns:a14="http://schemas.microsoft.com/office/drawing/2010/main" w="9525">
                   <a:solidFill>
                     <a:srgbClr val="000000"/>
                   </a:solidFill>
@@ -10845,7 +10884,7 @@
             </a:ln>
             <a:extLst>
               <a:ext uri="{91240B29-F687-4f45-9708-019B960494DF}">
-                <a14:hiddenLine xmlns:a14="http://schemas.microsoft.com/office/drawing/2010/main" xmlns="" w="9525">
+                <a14:hiddenLine xmlns="" xmlns:a14="http://schemas.microsoft.com/office/drawing/2010/main" w="9525">
                   <a:solidFill>
                     <a:srgbClr val="000000"/>
                   </a:solidFill>
@@ -10941,7 +10980,7 @@
             </a:ln>
             <a:extLst>
               <a:ext uri="{91240B29-F687-4f45-9708-019B960494DF}">
-                <a14:hiddenLine xmlns:a14="http://schemas.microsoft.com/office/drawing/2010/main" xmlns="" w="9525">
+                <a14:hiddenLine xmlns="" xmlns:a14="http://schemas.microsoft.com/office/drawing/2010/main" w="9525">
                   <a:solidFill>
                     <a:srgbClr val="000000"/>
                   </a:solidFill>
@@ -11009,7 +11048,7 @@
             </a:ln>
             <a:extLst>
               <a:ext uri="{91240B29-F687-4f45-9708-019B960494DF}">
-                <a14:hiddenLine xmlns:a14="http://schemas.microsoft.com/office/drawing/2010/main" xmlns="" w="9525">
+                <a14:hiddenLine xmlns="" xmlns:a14="http://schemas.microsoft.com/office/drawing/2010/main" w="9525">
                   <a:solidFill>
                     <a:srgbClr val="000000"/>
                   </a:solidFill>
@@ -11105,7 +11144,7 @@
             </a:ln>
             <a:extLst>
               <a:ext uri="{91240B29-F687-4f45-9708-019B960494DF}">
-                <a14:hiddenLine xmlns:a14="http://schemas.microsoft.com/office/drawing/2010/main" xmlns="" w="9525">
+                <a14:hiddenLine xmlns="" xmlns:a14="http://schemas.microsoft.com/office/drawing/2010/main" w="9525">
                   <a:solidFill>
                     <a:srgbClr val="000000"/>
                   </a:solidFill>
@@ -11201,7 +11240,7 @@
             </a:ln>
             <a:extLst>
               <a:ext uri="{91240B29-F687-4f45-9708-019B960494DF}">
-                <a14:hiddenLine xmlns:a14="http://schemas.microsoft.com/office/drawing/2010/main" xmlns="" w="9525">
+                <a14:hiddenLine xmlns="" xmlns:a14="http://schemas.microsoft.com/office/drawing/2010/main" w="9525">
                   <a:solidFill>
                     <a:srgbClr val="000000"/>
                   </a:solidFill>
@@ -11272,7 +11311,7 @@
             </a:ln>
             <a:extLst>
               <a:ext uri="{91240B29-F687-4f45-9708-019B960494DF}">
-                <a14:hiddenLine xmlns:a14="http://schemas.microsoft.com/office/drawing/2010/main" xmlns="" w="9525">
+                <a14:hiddenLine xmlns="" xmlns:a14="http://schemas.microsoft.com/office/drawing/2010/main" w="9525">
                   <a:solidFill>
                     <a:srgbClr val="000000"/>
                   </a:solidFill>
@@ -11340,7 +11379,7 @@
             </a:ln>
             <a:extLst>
               <a:ext uri="{91240B29-F687-4f45-9708-019B960494DF}">
-                <a14:hiddenLine xmlns:a14="http://schemas.microsoft.com/office/drawing/2010/main" xmlns="" w="9525">
+                <a14:hiddenLine xmlns="" xmlns:a14="http://schemas.microsoft.com/office/drawing/2010/main" w="9525">
                   <a:solidFill>
                     <a:srgbClr val="000000"/>
                   </a:solidFill>
@@ -11436,7 +11475,7 @@
             </a:ln>
             <a:extLst>
               <a:ext uri="{91240B29-F687-4f45-9708-019B960494DF}">
-                <a14:hiddenLine xmlns:a14="http://schemas.microsoft.com/office/drawing/2010/main" xmlns="" w="9525">
+                <a14:hiddenLine xmlns="" xmlns:a14="http://schemas.microsoft.com/office/drawing/2010/main" w="9525">
                   <a:solidFill>
                     <a:srgbClr val="000000"/>
                   </a:solidFill>
@@ -11532,7 +11571,7 @@
             </a:ln>
             <a:extLst>
               <a:ext uri="{91240B29-F687-4f45-9708-019B960494DF}">
-                <a14:hiddenLine xmlns:a14="http://schemas.microsoft.com/office/drawing/2010/main" xmlns="" w="9525">
+                <a14:hiddenLine xmlns="" xmlns:a14="http://schemas.microsoft.com/office/drawing/2010/main" w="9525">
                   <a:solidFill>
                     <a:srgbClr val="000000"/>
                   </a:solidFill>
@@ -11600,7 +11639,7 @@
             </a:ln>
             <a:extLst>
               <a:ext uri="{91240B29-F687-4f45-9708-019B960494DF}">
-                <a14:hiddenLine xmlns:a14="http://schemas.microsoft.com/office/drawing/2010/main" xmlns="" w="9525">
+                <a14:hiddenLine xmlns="" xmlns:a14="http://schemas.microsoft.com/office/drawing/2010/main" w="9525">
                   <a:solidFill>
                     <a:srgbClr val="000000"/>
                   </a:solidFill>
@@ -11726,7 +11765,7 @@
             </a:ln>
             <a:extLst>
               <a:ext uri="{91240B29-F687-4f45-9708-019B960494DF}">
-                <a14:hiddenLine xmlns:a14="http://schemas.microsoft.com/office/drawing/2010/main" xmlns="" w="9525">
+                <a14:hiddenLine xmlns="" xmlns:a14="http://schemas.microsoft.com/office/drawing/2010/main" w="9525">
                   <a:solidFill>
                     <a:srgbClr val="000000"/>
                   </a:solidFill>
@@ -11800,7 +11839,7 @@
             </a:ln>
             <a:extLst>
               <a:ext uri="{91240B29-F687-4f45-9708-019B960494DF}">
-                <a14:hiddenLine xmlns:a14="http://schemas.microsoft.com/office/drawing/2010/main" xmlns="" w="9525">
+                <a14:hiddenLine xmlns="" xmlns:a14="http://schemas.microsoft.com/office/drawing/2010/main" w="9525">
                   <a:solidFill>
                     <a:srgbClr val="000000"/>
                   </a:solidFill>
@@ -11896,7 +11935,7 @@
             </a:ln>
             <a:extLst>
               <a:ext uri="{91240B29-F687-4f45-9708-019B960494DF}">
-                <a14:hiddenLine xmlns:a14="http://schemas.microsoft.com/office/drawing/2010/main" xmlns="" w="9525">
+                <a14:hiddenLine xmlns="" xmlns:a14="http://schemas.microsoft.com/office/drawing/2010/main" w="9525">
                   <a:solidFill>
                     <a:srgbClr val="000000"/>
                   </a:solidFill>
@@ -13818,7 +13857,7 @@
           <a:noFill/>
           <a:extLst>
             <a:ext uri="{909E8E84-426E-40dd-AFC4-6F175D3DCCD1}">
-              <a14:hiddenFill xmlns:a14="http://schemas.microsoft.com/office/drawing/2010/main" xmlns="">
+              <a14:hiddenFill xmlns="" xmlns:a14="http://schemas.microsoft.com/office/drawing/2010/main">
                 <a:solidFill>
                   <a:srgbClr val="FFFFFF"/>
                 </a:solidFill>
@@ -13892,7 +13931,7 @@
               </a:ln>
               <a:extLst>
                 <a:ext uri="{91240B29-F687-4f45-9708-019B960494DF}">
-                  <a14:hiddenLine xmlns:a14="http://schemas.microsoft.com/office/drawing/2010/main" xmlns="" w="9525">
+                  <a14:hiddenLine xmlns="" xmlns:a14="http://schemas.microsoft.com/office/drawing/2010/main" w="9525">
                     <a:solidFill>
                       <a:srgbClr val="000000"/>
                     </a:solidFill>
@@ -13982,7 +14021,7 @@
               </a:ln>
               <a:extLst>
                 <a:ext uri="{91240B29-F687-4f45-9708-019B960494DF}">
-                  <a14:hiddenLine xmlns:a14="http://schemas.microsoft.com/office/drawing/2010/main" xmlns="" w="9525">
+                  <a14:hiddenLine xmlns="" xmlns:a14="http://schemas.microsoft.com/office/drawing/2010/main" w="9525">
                     <a:solidFill>
                       <a:srgbClr val="000000"/>
                     </a:solidFill>
@@ -14072,7 +14111,7 @@
               </a:ln>
               <a:extLst>
                 <a:ext uri="{91240B29-F687-4f45-9708-019B960494DF}">
-                  <a14:hiddenLine xmlns:a14="http://schemas.microsoft.com/office/drawing/2010/main" xmlns="" w="9525">
+                  <a14:hiddenLine xmlns="" xmlns:a14="http://schemas.microsoft.com/office/drawing/2010/main" w="9525">
                     <a:solidFill>
                       <a:srgbClr val="000000"/>
                     </a:solidFill>
@@ -14134,7 +14173,7 @@
               </a:ln>
               <a:extLst>
                 <a:ext uri="{91240B29-F687-4f45-9708-019B960494DF}">
-                  <a14:hiddenLine xmlns:a14="http://schemas.microsoft.com/office/drawing/2010/main" xmlns="" w="9525">
+                  <a14:hiddenLine xmlns="" xmlns:a14="http://schemas.microsoft.com/office/drawing/2010/main" w="9525">
                     <a:solidFill>
                       <a:srgbClr val="000000"/>
                     </a:solidFill>
@@ -14224,7 +14263,7 @@
               </a:ln>
               <a:extLst>
                 <a:ext uri="{91240B29-F687-4f45-9708-019B960494DF}">
-                  <a14:hiddenLine xmlns:a14="http://schemas.microsoft.com/office/drawing/2010/main" xmlns="" w="9525">
+                  <a14:hiddenLine xmlns="" xmlns:a14="http://schemas.microsoft.com/office/drawing/2010/main" w="9525">
                     <a:solidFill>
                       <a:srgbClr val="000000"/>
                     </a:solidFill>
@@ -14286,7 +14325,7 @@
               </a:ln>
               <a:extLst>
                 <a:ext uri="{91240B29-F687-4f45-9708-019B960494DF}">
-                  <a14:hiddenLine xmlns:a14="http://schemas.microsoft.com/office/drawing/2010/main" xmlns="" w="9525">
+                  <a14:hiddenLine xmlns="" xmlns:a14="http://schemas.microsoft.com/office/drawing/2010/main" w="9525">
                     <a:solidFill>
                       <a:srgbClr val="000000"/>
                     </a:solidFill>
@@ -14348,7 +14387,7 @@
               </a:ln>
               <a:extLst>
                 <a:ext uri="{91240B29-F687-4f45-9708-019B960494DF}">
-                  <a14:hiddenLine xmlns:a14="http://schemas.microsoft.com/office/drawing/2010/main" xmlns="" w="9525">
+                  <a14:hiddenLine xmlns="" xmlns:a14="http://schemas.microsoft.com/office/drawing/2010/main" w="9525">
                     <a:solidFill>
                       <a:srgbClr val="000000"/>
                     </a:solidFill>
@@ -14438,7 +14477,7 @@
               </a:ln>
               <a:extLst>
                 <a:ext uri="{91240B29-F687-4f45-9708-019B960494DF}">
-                  <a14:hiddenLine xmlns:a14="http://schemas.microsoft.com/office/drawing/2010/main" xmlns="" w="9525">
+                  <a14:hiddenLine xmlns="" xmlns:a14="http://schemas.microsoft.com/office/drawing/2010/main" w="9525">
                     <a:solidFill>
                       <a:srgbClr val="000000"/>
                     </a:solidFill>
@@ -14528,7 +14567,7 @@
               </a:ln>
               <a:extLst>
                 <a:ext uri="{91240B29-F687-4f45-9708-019B960494DF}">
-                  <a14:hiddenLine xmlns:a14="http://schemas.microsoft.com/office/drawing/2010/main" xmlns="" w="9525">
+                  <a14:hiddenLine xmlns="" xmlns:a14="http://schemas.microsoft.com/office/drawing/2010/main" w="9525">
                     <a:solidFill>
                       <a:srgbClr val="000000"/>
                     </a:solidFill>
@@ -14590,7 +14629,7 @@
               </a:ln>
               <a:extLst>
                 <a:ext uri="{91240B29-F687-4f45-9708-019B960494DF}">
-                  <a14:hiddenLine xmlns:a14="http://schemas.microsoft.com/office/drawing/2010/main" xmlns="" w="9525">
+                  <a14:hiddenLine xmlns="" xmlns:a14="http://schemas.microsoft.com/office/drawing/2010/main" w="9525">
                     <a:solidFill>
                       <a:srgbClr val="000000"/>
                     </a:solidFill>
@@ -14700,7 +14739,7 @@
               </a:ln>
               <a:extLst>
                 <a:ext uri="{91240B29-F687-4f45-9708-019B960494DF}">
-                  <a14:hiddenLine xmlns:a14="http://schemas.microsoft.com/office/drawing/2010/main" xmlns="" w="9525">
+                  <a14:hiddenLine xmlns="" xmlns:a14="http://schemas.microsoft.com/office/drawing/2010/main" w="9525">
                     <a:solidFill>
                       <a:srgbClr val="000000"/>
                     </a:solidFill>
@@ -14784,7 +14823,7 @@
               </a:ln>
               <a:extLst>
                 <a:ext uri="{91240B29-F687-4f45-9708-019B960494DF}">
-                  <a14:hiddenLine xmlns:a14="http://schemas.microsoft.com/office/drawing/2010/main" xmlns="" w="9525">
+                  <a14:hiddenLine xmlns="" xmlns:a14="http://schemas.microsoft.com/office/drawing/2010/main" w="9525">
                     <a:solidFill>
                       <a:srgbClr val="000000"/>
                     </a:solidFill>
@@ -14846,7 +14885,7 @@
               </a:ln>
               <a:extLst>
                 <a:ext uri="{91240B29-F687-4f45-9708-019B960494DF}">
-                  <a14:hiddenLine xmlns:a14="http://schemas.microsoft.com/office/drawing/2010/main" xmlns="" w="9525">
+                  <a14:hiddenLine xmlns="" xmlns:a14="http://schemas.microsoft.com/office/drawing/2010/main" w="9525">
                     <a:solidFill>
                       <a:srgbClr val="000000"/>
                     </a:solidFill>
@@ -14908,7 +14947,7 @@
               </a:ln>
               <a:extLst>
                 <a:ext uri="{91240B29-F687-4f45-9708-019B960494DF}">
-                  <a14:hiddenLine xmlns:a14="http://schemas.microsoft.com/office/drawing/2010/main" xmlns="" w="9525">
+                  <a14:hiddenLine xmlns="" xmlns:a14="http://schemas.microsoft.com/office/drawing/2010/main" w="9525">
                     <a:solidFill>
                       <a:srgbClr val="000000"/>
                     </a:solidFill>
@@ -14998,7 +15037,7 @@
               </a:ln>
               <a:extLst>
                 <a:ext uri="{91240B29-F687-4f45-9708-019B960494DF}">
-                  <a14:hiddenLine xmlns:a14="http://schemas.microsoft.com/office/drawing/2010/main" xmlns="" w="9525">
+                  <a14:hiddenLine xmlns="" xmlns:a14="http://schemas.microsoft.com/office/drawing/2010/main" w="9525">
                     <a:solidFill>
                       <a:srgbClr val="000000"/>
                     </a:solidFill>
@@ -15032,7 +15071,7 @@
               </a:ln>
               <a:extLst>
                 <a:ext uri="{91240B29-F687-4f45-9708-019B960494DF}">
-                  <a14:hiddenLine xmlns:a14="http://schemas.microsoft.com/office/drawing/2010/main" xmlns="" w="9525">
+                  <a14:hiddenLine xmlns="" xmlns:a14="http://schemas.microsoft.com/office/drawing/2010/main" w="9525">
                     <a:solidFill>
                       <a:srgbClr val="000000"/>
                     </a:solidFill>
@@ -15097,7 +15136,7 @@
               </a:ln>
               <a:extLst>
                 <a:ext uri="{91240B29-F687-4f45-9708-019B960494DF}">
-                  <a14:hiddenLine xmlns:a14="http://schemas.microsoft.com/office/drawing/2010/main" xmlns="" w="9525">
+                  <a14:hiddenLine xmlns="" xmlns:a14="http://schemas.microsoft.com/office/drawing/2010/main" w="9525">
                     <a:solidFill>
                       <a:srgbClr val="000000"/>
                     </a:solidFill>
@@ -15187,7 +15226,7 @@
               </a:ln>
               <a:extLst>
                 <a:ext uri="{91240B29-F687-4f45-9708-019B960494DF}">
-                  <a14:hiddenLine xmlns:a14="http://schemas.microsoft.com/office/drawing/2010/main" xmlns="" w="9525">
+                  <a14:hiddenLine xmlns="" xmlns:a14="http://schemas.microsoft.com/office/drawing/2010/main" w="9525">
                     <a:solidFill>
                       <a:srgbClr val="000000"/>
                     </a:solidFill>
@@ -15249,7 +15288,7 @@
               </a:ln>
               <a:extLst>
                 <a:ext uri="{91240B29-F687-4f45-9708-019B960494DF}">
-                  <a14:hiddenLine xmlns:a14="http://schemas.microsoft.com/office/drawing/2010/main" xmlns="" w="9525">
+                  <a14:hiddenLine xmlns="" xmlns:a14="http://schemas.microsoft.com/office/drawing/2010/main" w="9525">
                     <a:solidFill>
                       <a:srgbClr val="000000"/>
                     </a:solidFill>
@@ -15339,7 +15378,7 @@
               </a:ln>
               <a:extLst>
                 <a:ext uri="{91240B29-F687-4f45-9708-019B960494DF}">
-                  <a14:hiddenLine xmlns:a14="http://schemas.microsoft.com/office/drawing/2010/main" xmlns="" w="9525">
+                  <a14:hiddenLine xmlns="" xmlns:a14="http://schemas.microsoft.com/office/drawing/2010/main" w="9525">
                     <a:solidFill>
                       <a:srgbClr val="000000"/>
                     </a:solidFill>
@@ -15404,7 +15443,7 @@
               </a:ln>
               <a:extLst>
                 <a:ext uri="{91240B29-F687-4f45-9708-019B960494DF}">
-                  <a14:hiddenLine xmlns:a14="http://schemas.microsoft.com/office/drawing/2010/main" xmlns="" w="9525">
+                  <a14:hiddenLine xmlns="" xmlns:a14="http://schemas.microsoft.com/office/drawing/2010/main" w="9525">
                     <a:solidFill>
                       <a:srgbClr val="000000"/>
                     </a:solidFill>
@@ -15466,7 +15505,7 @@
               </a:ln>
               <a:extLst>
                 <a:ext uri="{91240B29-F687-4f45-9708-019B960494DF}">
-                  <a14:hiddenLine xmlns:a14="http://schemas.microsoft.com/office/drawing/2010/main" xmlns="" w="9525">
+                  <a14:hiddenLine xmlns="" xmlns:a14="http://schemas.microsoft.com/office/drawing/2010/main" w="9525">
                     <a:solidFill>
                       <a:srgbClr val="000000"/>
                     </a:solidFill>
@@ -15556,7 +15595,7 @@
               </a:ln>
               <a:extLst>
                 <a:ext uri="{91240B29-F687-4f45-9708-019B960494DF}">
-                  <a14:hiddenLine xmlns:a14="http://schemas.microsoft.com/office/drawing/2010/main" xmlns="" w="9525">
+                  <a14:hiddenLine xmlns="" xmlns:a14="http://schemas.microsoft.com/office/drawing/2010/main" w="9525">
                     <a:solidFill>
                       <a:srgbClr val="000000"/>
                     </a:solidFill>
@@ -15646,7 +15685,7 @@
               </a:ln>
               <a:extLst>
                 <a:ext uri="{91240B29-F687-4f45-9708-019B960494DF}">
-                  <a14:hiddenLine xmlns:a14="http://schemas.microsoft.com/office/drawing/2010/main" xmlns="" w="9525">
+                  <a14:hiddenLine xmlns="" xmlns:a14="http://schemas.microsoft.com/office/drawing/2010/main" w="9525">
                     <a:solidFill>
                       <a:srgbClr val="000000"/>
                     </a:solidFill>
@@ -15711,7 +15750,7 @@
               </a:ln>
               <a:extLst>
                 <a:ext uri="{91240B29-F687-4f45-9708-019B960494DF}">
-                  <a14:hiddenLine xmlns:a14="http://schemas.microsoft.com/office/drawing/2010/main" xmlns="" w="9525">
+                  <a14:hiddenLine xmlns="" xmlns:a14="http://schemas.microsoft.com/office/drawing/2010/main" w="9525">
                     <a:solidFill>
                       <a:srgbClr val="000000"/>
                     </a:solidFill>
@@ -15831,7 +15870,7 @@
               </a:ln>
               <a:extLst>
                 <a:ext uri="{91240B29-F687-4f45-9708-019B960494DF}">
-                  <a14:hiddenLine xmlns:a14="http://schemas.microsoft.com/office/drawing/2010/main" xmlns="" w="9525">
+                  <a14:hiddenLine xmlns="" xmlns:a14="http://schemas.microsoft.com/office/drawing/2010/main" w="9525">
                     <a:solidFill>
                       <a:srgbClr val="000000"/>
                     </a:solidFill>
@@ -15929,7 +15968,7 @@
               </a:ln>
               <a:extLst>
                 <a:ext uri="{91240B29-F687-4f45-9708-019B960494DF}">
-                  <a14:hiddenLine xmlns:a14="http://schemas.microsoft.com/office/drawing/2010/main" xmlns="" w="9525">
+                  <a14:hiddenLine xmlns="" xmlns:a14="http://schemas.microsoft.com/office/drawing/2010/main" w="9525">
                     <a:solidFill>
                       <a:srgbClr val="000000"/>
                     </a:solidFill>
@@ -16044,7 +16083,7 @@
               </a:ln>
               <a:extLst>
                 <a:ext uri="{91240B29-F687-4f45-9708-019B960494DF}">
-                  <a14:hiddenLine xmlns:a14="http://schemas.microsoft.com/office/drawing/2010/main" xmlns="" w="9525">
+                  <a14:hiddenLine xmlns="" xmlns:a14="http://schemas.microsoft.com/office/drawing/2010/main" w="9525">
                     <a:solidFill>
                       <a:srgbClr val="000000"/>
                     </a:solidFill>
@@ -16134,7 +16173,7 @@
               </a:ln>
               <a:extLst>
                 <a:ext uri="{91240B29-F687-4f45-9708-019B960494DF}">
-                  <a14:hiddenLine xmlns:a14="http://schemas.microsoft.com/office/drawing/2010/main" xmlns="" w="9525">
+                  <a14:hiddenLine xmlns="" xmlns:a14="http://schemas.microsoft.com/office/drawing/2010/main" w="9525">
                     <a:solidFill>
                       <a:srgbClr val="000000"/>
                     </a:solidFill>
@@ -16199,7 +16238,7 @@
               </a:ln>
               <a:extLst>
                 <a:ext uri="{91240B29-F687-4f45-9708-019B960494DF}">
-                  <a14:hiddenLine xmlns:a14="http://schemas.microsoft.com/office/drawing/2010/main" xmlns="" w="9525">
+                  <a14:hiddenLine xmlns="" xmlns:a14="http://schemas.microsoft.com/office/drawing/2010/main" w="9525">
                     <a:solidFill>
                       <a:srgbClr val="000000"/>
                     </a:solidFill>
@@ -16289,7 +16328,7 @@
               </a:ln>
               <a:extLst>
                 <a:ext uri="{91240B29-F687-4f45-9708-019B960494DF}">
-                  <a14:hiddenLine xmlns:a14="http://schemas.microsoft.com/office/drawing/2010/main" xmlns="" w="9525">
+                  <a14:hiddenLine xmlns="" xmlns:a14="http://schemas.microsoft.com/office/drawing/2010/main" w="9525">
                     <a:solidFill>
                       <a:srgbClr val="000000"/>
                     </a:solidFill>
@@ -16357,7 +16396,7 @@
               </a:ln>
               <a:extLst>
                 <a:ext uri="{91240B29-F687-4f45-9708-019B960494DF}">
-                  <a14:hiddenLine xmlns:a14="http://schemas.microsoft.com/office/drawing/2010/main" xmlns="" w="9525">
+                  <a14:hiddenLine xmlns="" xmlns:a14="http://schemas.microsoft.com/office/drawing/2010/main" w="9525">
                     <a:solidFill>
                       <a:srgbClr val="000000"/>
                     </a:solidFill>
@@ -16447,7 +16486,7 @@
               </a:ln>
               <a:extLst>
                 <a:ext uri="{91240B29-F687-4f45-9708-019B960494DF}">
-                  <a14:hiddenLine xmlns:a14="http://schemas.microsoft.com/office/drawing/2010/main" xmlns="" w="9525">
+                  <a14:hiddenLine xmlns="" xmlns:a14="http://schemas.microsoft.com/office/drawing/2010/main" w="9525">
                     <a:solidFill>
                       <a:srgbClr val="000000"/>
                     </a:solidFill>
@@ -16515,7 +16554,7 @@
               </a:ln>
               <a:extLst>
                 <a:ext uri="{91240B29-F687-4f45-9708-019B960494DF}">
-                  <a14:hiddenLine xmlns:a14="http://schemas.microsoft.com/office/drawing/2010/main" xmlns="" w="9525">
+                  <a14:hiddenLine xmlns="" xmlns:a14="http://schemas.microsoft.com/office/drawing/2010/main" w="9525">
                     <a:solidFill>
                       <a:srgbClr val="000000"/>
                     </a:solidFill>
@@ -16605,7 +16644,7 @@
               </a:ln>
               <a:extLst>
                 <a:ext uri="{91240B29-F687-4f45-9708-019B960494DF}">
-                  <a14:hiddenLine xmlns:a14="http://schemas.microsoft.com/office/drawing/2010/main" xmlns="" w="9525">
+                  <a14:hiddenLine xmlns="" xmlns:a14="http://schemas.microsoft.com/office/drawing/2010/main" w="9525">
                     <a:solidFill>
                       <a:srgbClr val="000000"/>
                     </a:solidFill>
@@ -16639,7 +16678,7 @@
               </a:ln>
               <a:extLst>
                 <a:ext uri="{91240B29-F687-4f45-9708-019B960494DF}">
-                  <a14:hiddenLine xmlns:a14="http://schemas.microsoft.com/office/drawing/2010/main" xmlns="" w="9525">
+                  <a14:hiddenLine xmlns="" xmlns:a14="http://schemas.microsoft.com/office/drawing/2010/main" w="9525">
                     <a:solidFill>
                       <a:srgbClr val="000000"/>
                     </a:solidFill>
@@ -17662,11 +17701,11 @@
   <p:clrMapOvr>
     <a:masterClrMapping/>
   </p:clrMapOvr>
-  <mc:AlternateContent xmlns:mc="http://schemas.openxmlformats.org/markup-compatibility/2006">
-    <mc:Choice xmlns:p14="http://schemas.microsoft.com/office/powerpoint/2010/main" Requires="p14">
+  <mc:AlternateContent xmlns:mc="http://schemas.openxmlformats.org/markup-compatibility/2006" xmlns:p14="http://schemas.microsoft.com/office/powerpoint/2010/main">
+    <mc:Choice Requires="p14">
       <p:transition spd="slow" p14:dur="2000" advClick="0" advTm="1000"/>
     </mc:Choice>
-    <mc:Fallback>
+    <mc:Fallback xmlns="">
       <p:transition spd="slow" advClick="0" advTm="1000"/>
     </mc:Fallback>
   </mc:AlternateContent>
@@ -18228,13 +18267,13 @@
   <p:clrMapOvr>
     <a:masterClrMapping/>
   </p:clrMapOvr>
-  <mc:AlternateContent xmlns:mc="http://schemas.openxmlformats.org/markup-compatibility/2006">
-    <mc:Choice xmlns:p14="http://schemas.microsoft.com/office/powerpoint/2010/main" Requires="p14">
+  <mc:AlternateContent xmlns:mc="http://schemas.openxmlformats.org/markup-compatibility/2006" xmlns:p14="http://schemas.microsoft.com/office/powerpoint/2010/main">
+    <mc:Choice Requires="p14">
       <p:transition spd="slow" p14:dur="4400">
         <p14:honeycomb/>
       </p:transition>
     </mc:Choice>
-    <mc:Fallback>
+    <mc:Fallback xmlns="">
       <p:transition spd="slow">
         <p:fade/>
       </p:transition>
@@ -18588,6 +18627,18 @@
   <p:clrMapOvr>
     <a:masterClrMapping/>
   </p:clrMapOvr>
+  <mc:AlternateContent xmlns:mc="http://schemas.openxmlformats.org/markup-compatibility/2006">
+    <mc:Choice xmlns:p14="http://schemas.microsoft.com/office/powerpoint/2010/main" Requires="p14">
+      <p:transition spd="slow" p14:dur="4400">
+        <p14:honeycomb/>
+      </p:transition>
+    </mc:Choice>
+    <mc:Fallback>
+      <p:transition spd="slow">
+        <p:fade/>
+      </p:transition>
+    </mc:Fallback>
+  </mc:AlternateContent>
 </p:sld>
 </file>
 
@@ -19015,7 +19066,7 @@
           </p:nvSpPr>
           <p:spPr>
             <a:xfrm>
-              <a:off x="3419856" y="5385816"/>
+              <a:off x="3419856" y="5412976"/>
               <a:ext cx="4206240" cy="646331"/>
             </a:xfrm>
             <a:prstGeom prst="rect">
@@ -19061,6 +19112,18 @@
   <p:clrMapOvr>
     <a:masterClrMapping/>
   </p:clrMapOvr>
+  <mc:AlternateContent xmlns:mc="http://schemas.openxmlformats.org/markup-compatibility/2006">
+    <mc:Choice xmlns:p14="http://schemas.microsoft.com/office/powerpoint/2010/main" Requires="p14">
+      <p:transition spd="slow" p14:dur="4400">
+        <p14:honeycomb/>
+      </p:transition>
+    </mc:Choice>
+    <mc:Fallback>
+      <p:transition spd="slow">
+        <p:fade/>
+      </p:transition>
+    </mc:Fallback>
+  </mc:AlternateContent>
 </p:sld>
 </file>
 
@@ -19081,6 +19144,195 @@
           <a:chExt cx="0" cy="0"/>
         </a:xfrm>
       </p:grpSpPr>
+      <p:sp>
+        <p:nvSpPr>
+          <p:cNvPr id="2" name="ZoneTexte 1">
+            <a:extLst>
+              <a:ext uri="{FF2B5EF4-FFF2-40B4-BE49-F238E27FC236}">
+                <a16:creationId xmlns:a16="http://schemas.microsoft.com/office/drawing/2014/main" id="{E95ED813-1E7C-4CE2-A88C-84D5812F3445}"/>
+              </a:ext>
+            </a:extLst>
+          </p:cNvPr>
+          <p:cNvSpPr txBox="1"/>
+          <p:nvPr/>
+        </p:nvSpPr>
+        <p:spPr>
+          <a:xfrm>
+            <a:off x="2625754" y="1291905"/>
+            <a:ext cx="8934276" cy="4985980"/>
+          </a:xfrm>
+          <a:prstGeom prst="rect">
+            <a:avLst/>
+          </a:prstGeom>
+          <a:noFill/>
+        </p:spPr>
+        <p:txBody>
+          <a:bodyPr wrap="square" rtlCol="0">
+            <a:spAutoFit/>
+          </a:bodyPr>
+          <a:lstStyle/>
+          <a:p>
+            <a:r>
+              <a:rPr lang="fr-FR" sz="2400" b="1" u="sng" dirty="0">
+                <a:latin typeface="Cooper Black" panose="0208090404030B020404" pitchFamily="18" charset="0"/>
+              </a:rPr>
+              <a:t>Fonctionnalités de l’application</a:t>
+            </a:r>
+          </a:p>
+          <a:p>
+            <a:endParaRPr lang="fr-FR" sz="2400" b="1" u="sng" dirty="0">
+              <a:latin typeface="Cooper Black" panose="0208090404030B020404" pitchFamily="18" charset="0"/>
+            </a:endParaRPr>
+          </a:p>
+          <a:p>
+            <a:pPr marL="342900" indent="-342900">
+              <a:buFont typeface="Arial" panose="020B0604020202020204" pitchFamily="34" charset="0"/>
+              <a:buChar char="•"/>
+            </a:pPr>
+            <a:r>
+              <a:rPr lang="fr-FR" dirty="0">
+                <a:latin typeface="Dubai Medium" panose="020B0603030403030204" pitchFamily="34" charset="-78"/>
+                <a:cs typeface="Dubai Medium" panose="020B0603030403030204" pitchFamily="34" charset="-78"/>
+              </a:rPr>
+              <a:t>Création d’un utilisateur</a:t>
+            </a:r>
+          </a:p>
+          <a:p>
+            <a:endParaRPr lang="fr-FR" dirty="0">
+              <a:latin typeface="Dubai Medium" panose="020B0603030403030204" pitchFamily="34" charset="-78"/>
+              <a:cs typeface="Dubai Medium" panose="020B0603030403030204" pitchFamily="34" charset="-78"/>
+            </a:endParaRPr>
+          </a:p>
+          <a:p>
+            <a:pPr marL="342900" indent="-342900">
+              <a:buFont typeface="Arial" panose="020B0604020202020204" pitchFamily="34" charset="0"/>
+              <a:buChar char="•"/>
+            </a:pPr>
+            <a:r>
+              <a:rPr lang="fr-FR" dirty="0">
+                <a:latin typeface="Dubai Medium" panose="020B0603030403030204" pitchFamily="34" charset="-78"/>
+                <a:cs typeface="Dubai Medium" panose="020B0603030403030204" pitchFamily="34" charset="-78"/>
+              </a:rPr>
+              <a:t>Création d’un sondage (choix unique ou multiple)</a:t>
+            </a:r>
+          </a:p>
+          <a:p>
+            <a:endParaRPr lang="fr-FR" dirty="0">
+              <a:latin typeface="Dubai Medium" panose="020B0603030403030204" pitchFamily="34" charset="-78"/>
+              <a:cs typeface="Dubai Medium" panose="020B0603030403030204" pitchFamily="34" charset="-78"/>
+            </a:endParaRPr>
+          </a:p>
+          <a:p>
+            <a:pPr marL="342900" indent="-342900">
+              <a:buFont typeface="Arial" panose="020B0604020202020204" pitchFamily="34" charset="0"/>
+              <a:buChar char="•"/>
+            </a:pPr>
+            <a:r>
+              <a:rPr lang="fr-FR" dirty="0">
+                <a:latin typeface="Dubai Medium" panose="020B0603030403030204" pitchFamily="34" charset="-78"/>
+                <a:cs typeface="Dubai Medium" panose="020B0603030403030204" pitchFamily="34" charset="-78"/>
+              </a:rPr>
+              <a:t>Nombre de choix de réponses entre 2 et 15</a:t>
+            </a:r>
+          </a:p>
+          <a:p>
+            <a:endParaRPr lang="fr-FR" dirty="0">
+              <a:latin typeface="Dubai Medium" panose="020B0603030403030204" pitchFamily="34" charset="-78"/>
+              <a:cs typeface="Dubai Medium" panose="020B0603030403030204" pitchFamily="34" charset="-78"/>
+            </a:endParaRPr>
+          </a:p>
+          <a:p>
+            <a:pPr marL="342900" indent="-342900">
+              <a:buFont typeface="Arial" panose="020B0604020202020204" pitchFamily="34" charset="0"/>
+              <a:buChar char="•"/>
+            </a:pPr>
+            <a:r>
+              <a:rPr lang="fr-FR" dirty="0">
+                <a:latin typeface="Dubai Medium" panose="020B0603030403030204" pitchFamily="34" charset="-78"/>
+                <a:cs typeface="Dubai Medium" panose="020B0603030403030204" pitchFamily="34" charset="-78"/>
+              </a:rPr>
+              <a:t>Envoie d’un email contenant les 3 liens</a:t>
+            </a:r>
+          </a:p>
+          <a:p>
+            <a:endParaRPr lang="fr-FR" dirty="0">
+              <a:latin typeface="Dubai Medium" panose="020B0603030403030204" pitchFamily="34" charset="-78"/>
+              <a:cs typeface="Dubai Medium" panose="020B0603030403030204" pitchFamily="34" charset="-78"/>
+            </a:endParaRPr>
+          </a:p>
+          <a:p>
+            <a:pPr marL="342900" indent="-342900">
+              <a:buFont typeface="Arial" panose="020B0604020202020204" pitchFamily="34" charset="0"/>
+              <a:buChar char="•"/>
+            </a:pPr>
+            <a:r>
+              <a:rPr lang="fr-FR" dirty="0">
+                <a:latin typeface="Dubai Medium" panose="020B0603030403030204" pitchFamily="34" charset="-78"/>
+                <a:cs typeface="Dubai Medium" panose="020B0603030403030204" pitchFamily="34" charset="-78"/>
+              </a:rPr>
+              <a:t>Page de vote </a:t>
+            </a:r>
+          </a:p>
+          <a:p>
+            <a:endParaRPr lang="fr-FR" dirty="0">
+              <a:latin typeface="Dubai Medium" panose="020B0603030403030204" pitchFamily="34" charset="-78"/>
+              <a:cs typeface="Dubai Medium" panose="020B0603030403030204" pitchFamily="34" charset="-78"/>
+            </a:endParaRPr>
+          </a:p>
+          <a:p>
+            <a:pPr marL="342900" indent="-342900">
+              <a:buFont typeface="Arial" panose="020B0604020202020204" pitchFamily="34" charset="0"/>
+              <a:buChar char="•"/>
+            </a:pPr>
+            <a:r>
+              <a:rPr lang="fr-FR" dirty="0">
+                <a:latin typeface="Dubai Medium" panose="020B0603030403030204" pitchFamily="34" charset="-78"/>
+                <a:cs typeface="Dubai Medium" panose="020B0603030403030204" pitchFamily="34" charset="-78"/>
+              </a:rPr>
+              <a:t>Visualisation des résultats du sondage</a:t>
+            </a:r>
+          </a:p>
+          <a:p>
+            <a:endParaRPr lang="fr-FR" dirty="0">
+              <a:latin typeface="Dubai Medium" panose="020B0603030403030204" pitchFamily="34" charset="-78"/>
+              <a:cs typeface="Dubai Medium" panose="020B0603030403030204" pitchFamily="34" charset="-78"/>
+            </a:endParaRPr>
+          </a:p>
+          <a:p>
+            <a:pPr marL="342900" indent="-342900">
+              <a:buFont typeface="Arial" panose="020B0604020202020204" pitchFamily="34" charset="0"/>
+              <a:buChar char="•"/>
+            </a:pPr>
+            <a:r>
+              <a:rPr lang="fr-FR" dirty="0">
+                <a:latin typeface="Dubai Medium" panose="020B0603030403030204" pitchFamily="34" charset="-78"/>
+                <a:cs typeface="Dubai Medium" panose="020B0603030403030204" pitchFamily="34" charset="-78"/>
+              </a:rPr>
+              <a:t>Désactivation du sondage </a:t>
+            </a:r>
+          </a:p>
+          <a:p>
+            <a:pPr marL="342900" indent="-342900">
+              <a:buFont typeface="Arial" panose="020B0604020202020204" pitchFamily="34" charset="0"/>
+              <a:buChar char="•"/>
+            </a:pPr>
+            <a:endParaRPr lang="fr-FR" dirty="0">
+              <a:latin typeface="Dubai Medium" panose="020B0603030403030204" pitchFamily="34" charset="-78"/>
+              <a:cs typeface="Dubai Medium" panose="020B0603030403030204" pitchFamily="34" charset="-78"/>
+            </a:endParaRPr>
+          </a:p>
+          <a:p>
+            <a:pPr marL="342900" indent="-342900">
+              <a:buFont typeface="Arial" panose="020B0604020202020204" pitchFamily="34" charset="0"/>
+              <a:buChar char="•"/>
+            </a:pPr>
+            <a:endParaRPr lang="fr-FR" dirty="0">
+              <a:latin typeface="Dubai Medium" panose="020B0603030403030204" pitchFamily="34" charset="-78"/>
+              <a:cs typeface="Dubai Medium" panose="020B0603030403030204" pitchFamily="34" charset="-78"/>
+            </a:endParaRPr>
+          </a:p>
+        </p:txBody>
+      </p:sp>
     </p:spTree>
     <p:extLst>
       <p:ext uri="{BB962C8B-B14F-4D97-AF65-F5344CB8AC3E}">
@@ -19091,6 +19343,18 @@
   <p:clrMapOvr>
     <a:masterClrMapping/>
   </p:clrMapOvr>
+  <mc:AlternateContent xmlns:mc="http://schemas.openxmlformats.org/markup-compatibility/2006">
+    <mc:Choice xmlns:p14="http://schemas.microsoft.com/office/powerpoint/2010/main" Requires="p14">
+      <p:transition spd="slow" p14:dur="4400">
+        <p14:honeycomb/>
+      </p:transition>
+    </mc:Choice>
+    <mc:Fallback>
+      <p:transition spd="slow">
+        <p:fade/>
+      </p:transition>
+    </mc:Fallback>
+  </mc:AlternateContent>
 </p:sld>
 </file>
 
@@ -19111,6 +19375,79 @@
           <a:chExt cx="0" cy="0"/>
         </a:xfrm>
       </p:grpSpPr>
+      <p:sp>
+        <p:nvSpPr>
+          <p:cNvPr id="2" name="ZoneTexte 1">
+            <a:extLst>
+              <a:ext uri="{FF2B5EF4-FFF2-40B4-BE49-F238E27FC236}">
+                <a16:creationId xmlns:a16="http://schemas.microsoft.com/office/drawing/2014/main" id="{4266AEB3-07DB-4AE4-858D-4654DC63B334}"/>
+              </a:ext>
+            </a:extLst>
+          </p:cNvPr>
+          <p:cNvSpPr txBox="1"/>
+          <p:nvPr/>
+        </p:nvSpPr>
+        <p:spPr>
+          <a:xfrm>
+            <a:off x="2894202" y="1384182"/>
+            <a:ext cx="7231310" cy="584775"/>
+          </a:xfrm>
+          <a:prstGeom prst="rect">
+            <a:avLst/>
+          </a:prstGeom>
+          <a:noFill/>
+        </p:spPr>
+        <p:txBody>
+          <a:bodyPr wrap="square" rtlCol="0">
+            <a:spAutoFit/>
+          </a:bodyPr>
+          <a:lstStyle/>
+          <a:p>
+            <a:r>
+              <a:rPr lang="fr-FR" sz="3200" b="1" u="sng" dirty="0">
+                <a:latin typeface="Cooper Black" panose="0208090404030B020404" pitchFamily="18" charset="0"/>
+              </a:rPr>
+              <a:t>Démonstration de l’application</a:t>
+            </a:r>
+          </a:p>
+        </p:txBody>
+      </p:sp>
+      <p:pic>
+        <p:nvPicPr>
+          <p:cNvPr id="4" name="Image 3">
+            <a:extLst>
+              <a:ext uri="{FF2B5EF4-FFF2-40B4-BE49-F238E27FC236}">
+                <a16:creationId xmlns:a16="http://schemas.microsoft.com/office/drawing/2014/main" id="{5C92DD2F-D57C-4420-9D19-F09F458BDD72}"/>
+              </a:ext>
+            </a:extLst>
+          </p:cNvPr>
+          <p:cNvPicPr>
+            <a:picLocks noChangeAspect="1"/>
+          </p:cNvPicPr>
+          <p:nvPr/>
+        </p:nvPicPr>
+        <p:blipFill>
+          <a:blip r:embed="rId2">
+            <a:extLst>
+              <a:ext uri="{28A0092B-C50C-407E-A947-70E740481C1C}">
+                <a14:useLocalDpi xmlns:a14="http://schemas.microsoft.com/office/drawing/2010/main" val="0"/>
+              </a:ext>
+            </a:extLst>
+          </a:blip>
+          <a:stretch>
+            <a:fillRect/>
+          </a:stretch>
+        </p:blipFill>
+        <p:spPr>
+          <a:xfrm>
+            <a:off x="3389153" y="2122963"/>
+            <a:ext cx="4984272" cy="4351486"/>
+          </a:xfrm>
+          <a:prstGeom prst="rect">
+            <a:avLst/>
+          </a:prstGeom>
+        </p:spPr>
+      </p:pic>
     </p:spTree>
     <p:extLst>
       <p:ext uri="{BB962C8B-B14F-4D97-AF65-F5344CB8AC3E}">
@@ -19121,6 +19458,18 @@
   <p:clrMapOvr>
     <a:masterClrMapping/>
   </p:clrMapOvr>
+  <mc:AlternateContent xmlns:mc="http://schemas.openxmlformats.org/markup-compatibility/2006">
+    <mc:Choice xmlns:p14="http://schemas.microsoft.com/office/powerpoint/2010/main" Requires="p14">
+      <p:transition spd="slow" p14:dur="4400">
+        <p14:honeycomb/>
+      </p:transition>
+    </mc:Choice>
+    <mc:Fallback>
+      <p:transition spd="slow">
+        <p:fade/>
+      </p:transition>
+    </mc:Fallback>
+  </mc:AlternateContent>
 </p:sld>
 </file>
 
@@ -19211,7 +19560,10 @@
               <a:buChar char="•"/>
             </a:pPr>
             <a:r>
-              <a:rPr lang="fr-FR" dirty="0"/>
+              <a:rPr lang="fr-FR" dirty="0">
+                <a:latin typeface="Dubai Medium" panose="020B0603030403030204" pitchFamily="34" charset="-78"/>
+                <a:cs typeface="Dubai Medium" panose="020B0603030403030204" pitchFamily="34" charset="-78"/>
+              </a:rPr>
               <a:t>Amélioration de l’application </a:t>
             </a:r>
           </a:p>
@@ -19234,6 +19586,18 @@
   <p:clrMapOvr>
     <a:masterClrMapping/>
   </p:clrMapOvr>
+  <mc:AlternateContent xmlns:mc="http://schemas.openxmlformats.org/markup-compatibility/2006">
+    <mc:Choice xmlns:p14="http://schemas.microsoft.com/office/powerpoint/2010/main" Requires="p14">
+      <p:transition spd="slow" p14:dur="4400">
+        <p14:honeycomb/>
+      </p:transition>
+    </mc:Choice>
+    <mc:Fallback>
+      <p:transition spd="slow">
+        <p:fade/>
+      </p:transition>
+    </mc:Fallback>
+  </mc:AlternateContent>
 </p:sld>
 </file>
 
